--- a/core/doc/presentations/2014_04_COLOMOTO_JSBML_QUAL.pptx
+++ b/core/doc/presentations/2014_04_COLOMOTO_JSBML_QUAL.pptx
@@ -29,14 +29,6 @@
     <p:sldId id="274" r:id="rId26"/>
     <p:sldId id="275" r:id="rId27"/>
     <p:sldId id="276" r:id="rId28"/>
-    <p:sldId id="277" r:id="rId29"/>
-    <p:sldId id="278" r:id="rId30"/>
-    <p:sldId id="279" r:id="rId31"/>
-    <p:sldId id="280" r:id="rId32"/>
-    <p:sldId id="281" r:id="rId33"/>
-    <p:sldId id="282" r:id="rId34"/>
-    <p:sldId id="283" r:id="rId35"/>
-    <p:sldId id="284" r:id="rId36"/>
   </p:sldIdLst>
   <p:sldSz cx="9144000" cy="6858000"/>
   <p:notesSz cx="6858000" cy="9144000"/>
@@ -314,7 +306,7 @@
       </p:grpSpPr>
       <p:sp>
         <p:nvSpPr>
-          <p:cNvPr id="75" name="Shape 75"/>
+          <p:cNvPr id="78" name="Shape 78"/>
           <p:cNvSpPr/>
           <p:nvPr>
             <p:ph type="sldImg"/>
@@ -335,7 +327,7 @@
       </p:sp>
       <p:sp>
         <p:nvSpPr>
-          <p:cNvPr id="76" name="Shape 76"/>
+          <p:cNvPr id="79" name="Shape 79"/>
           <p:cNvSpPr/>
           <p:nvPr>
             <p:ph type="body" sz="quarter" idx="1"/>
@@ -426,7 +418,7 @@
             </a:pPr>
             <a:r>
               <a:rPr sz="4400"/>
-              <a:t>Titelmasterformat durch Klicken bearbeiten</a:t>
+              <a:t>Titeltext</a:t>
             </a:r>
           </a:p>
         </p:txBody>
@@ -455,6 +447,22 @@
               <a:buSzTx/>
               <a:buNone/>
             </a:lvl1pPr>
+            <a:lvl2pPr marL="0" indent="457200" algn="ctr">
+              <a:buSzTx/>
+              <a:buNone/>
+            </a:lvl2pPr>
+            <a:lvl3pPr marL="0" indent="914400" algn="ctr">
+              <a:buSzTx/>
+              <a:buNone/>
+            </a:lvl3pPr>
+            <a:lvl4pPr marL="0" indent="1371600" algn="ctr">
+              <a:buSzTx/>
+              <a:buNone/>
+            </a:lvl4pPr>
+            <a:lvl5pPr marL="0" indent="1828800" algn="ctr">
+              <a:buSzTx/>
+              <a:buNone/>
+            </a:lvl5pPr>
           </a:lstStyle>
           <a:p>
             <a:pPr lvl="0">
@@ -462,7 +470,47 @@
             </a:pPr>
             <a:r>
               <a:rPr sz="3200"/>
-              <a:t>Formatvorlage des Untertitelmasters durch Klicken bearbeiten</a:t>
+              <a:t>Textebene 1</a:t>
+            </a:r>
+            <a:endParaRPr sz="3200"/>
+          </a:p>
+          <a:p>
+            <a:pPr lvl="1">
+              <a:defRPr sz="1800"/>
+            </a:pPr>
+            <a:r>
+              <a:rPr sz="3200"/>
+              <a:t>Textebene 2</a:t>
+            </a:r>
+            <a:endParaRPr sz="3200"/>
+          </a:p>
+          <a:p>
+            <a:pPr lvl="2">
+              <a:defRPr sz="1800"/>
+            </a:pPr>
+            <a:r>
+              <a:rPr sz="3200"/>
+              <a:t>Textebene 3</a:t>
+            </a:r>
+            <a:endParaRPr sz="3200"/>
+          </a:p>
+          <a:p>
+            <a:pPr lvl="3">
+              <a:defRPr sz="1800"/>
+            </a:pPr>
+            <a:r>
+              <a:rPr sz="3200"/>
+              <a:t>Textebene 4</a:t>
+            </a:r>
+            <a:endParaRPr sz="3200"/>
+          </a:p>
+          <a:p>
+            <a:pPr lvl="4">
+              <a:defRPr sz="1800"/>
+            </a:pPr>
+            <a:r>
+              <a:rPr sz="3200"/>
+              <a:t>Textebene 5</a:t>
             </a:r>
           </a:p>
         </p:txBody>
@@ -537,7 +585,7 @@
             </a:pPr>
             <a:r>
               <a:rPr sz="4400"/>
-              <a:t>Titelmasterformat durch Klicken bearbeiten</a:t>
+              <a:t>Titeltext</a:t>
             </a:r>
           </a:p>
         </p:txBody>
@@ -564,7 +612,7 @@
             </a:pPr>
             <a:r>
               <a:rPr sz="3200"/>
-              <a:t>Textmasterformate durch Klicken bearbeiten</a:t>
+              <a:t>Textebene 1</a:t>
             </a:r>
             <a:endParaRPr sz="3200"/>
           </a:p>
@@ -574,7 +622,7 @@
             </a:pPr>
             <a:r>
               <a:rPr sz="3200"/>
-              <a:t>Zweite Ebene</a:t>
+              <a:t>Textebene 2</a:t>
             </a:r>
             <a:endParaRPr sz="3200"/>
           </a:p>
@@ -584,7 +632,7 @@
             </a:pPr>
             <a:r>
               <a:rPr sz="3200"/>
-              <a:t>Dritte Ebene</a:t>
+              <a:t>Textebene 3</a:t>
             </a:r>
             <a:endParaRPr sz="3200"/>
           </a:p>
@@ -594,7 +642,7 @@
             </a:pPr>
             <a:r>
               <a:rPr sz="3200"/>
-              <a:t>Vierte Ebene</a:t>
+              <a:t>Textebene 4</a:t>
             </a:r>
             <a:endParaRPr sz="3200"/>
           </a:p>
@@ -604,7 +652,7 @@
             </a:pPr>
             <a:r>
               <a:rPr sz="3200"/>
-              <a:t>Fünfte Ebene</a:t>
+              <a:t>Textebene 5</a:t>
             </a:r>
           </a:p>
         </p:txBody>
@@ -683,7 +731,7 @@
             </a:pPr>
             <a:r>
               <a:rPr sz="4400"/>
-              <a:t>Titelmasterformat durch Klicken bearbeiten</a:t>
+              <a:t>Titeltext</a:t>
             </a:r>
           </a:p>
         </p:txBody>
@@ -714,7 +762,7 @@
             </a:pPr>
             <a:r>
               <a:rPr sz="3200"/>
-              <a:t>Textmasterformate durch Klicken bearbeiten</a:t>
+              <a:t>Textebene 1</a:t>
             </a:r>
             <a:endParaRPr sz="3200"/>
           </a:p>
@@ -724,7 +772,7 @@
             </a:pPr>
             <a:r>
               <a:rPr sz="3200"/>
-              <a:t>Zweite Ebene</a:t>
+              <a:t>Textebene 2</a:t>
             </a:r>
             <a:endParaRPr sz="3200"/>
           </a:p>
@@ -734,7 +782,7 @@
             </a:pPr>
             <a:r>
               <a:rPr sz="3200"/>
-              <a:t>Dritte Ebene</a:t>
+              <a:t>Textebene 3</a:t>
             </a:r>
             <a:endParaRPr sz="3200"/>
           </a:p>
@@ -744,7 +792,7 @@
             </a:pPr>
             <a:r>
               <a:rPr sz="3200"/>
-              <a:t>Vierte Ebene</a:t>
+              <a:t>Textebene 4</a:t>
             </a:r>
             <a:endParaRPr sz="3200"/>
           </a:p>
@@ -754,7 +802,7 @@
             </a:pPr>
             <a:r>
               <a:rPr sz="3200"/>
-              <a:t>Fünfte Ebene</a:t>
+              <a:t>Textebene 5</a:t>
             </a:r>
           </a:p>
         </p:txBody>
@@ -833,7 +881,7 @@
             </a:pPr>
             <a:r>
               <a:rPr sz="3200"/>
-              <a:t>Textmasterformate durch Klicken bearbeiten</a:t>
+              <a:t>Textebene 1</a:t>
             </a:r>
             <a:endParaRPr sz="3200"/>
           </a:p>
@@ -843,7 +891,7 @@
             </a:pPr>
             <a:r>
               <a:rPr sz="3200"/>
-              <a:t>Zweite Ebene</a:t>
+              <a:t>Textebene 2</a:t>
             </a:r>
             <a:endParaRPr sz="3200"/>
           </a:p>
@@ -853,7 +901,7 @@
             </a:pPr>
             <a:r>
               <a:rPr sz="3200"/>
-              <a:t>Dritte Ebene</a:t>
+              <a:t>Textebene 3</a:t>
             </a:r>
             <a:endParaRPr sz="3200"/>
           </a:p>
@@ -863,7 +911,7 @@
             </a:pPr>
             <a:r>
               <a:rPr sz="3200"/>
-              <a:t>Vierte Ebene</a:t>
+              <a:t>Textebene 4</a:t>
             </a:r>
             <a:endParaRPr sz="3200"/>
           </a:p>
@@ -873,7 +921,7 @@
             </a:pPr>
             <a:r>
               <a:rPr sz="3200"/>
-              <a:t>Fünfte Ebene</a:t>
+              <a:t>Textebene 5</a:t>
             </a:r>
           </a:p>
         </p:txBody>
@@ -948,7 +996,7 @@
             </a:pPr>
             <a:r>
               <a:rPr sz="4400"/>
-              <a:t>Titelmasterformat durch Klicken bearbeiten</a:t>
+              <a:t>Titeltext</a:t>
             </a:r>
           </a:p>
         </p:txBody>
@@ -975,7 +1023,7 @@
             </a:pPr>
             <a:r>
               <a:rPr sz="3200"/>
-              <a:t>Textmasterformate durch Klicken bearbeiten</a:t>
+              <a:t>Textebene 1</a:t>
             </a:r>
             <a:endParaRPr sz="3200"/>
           </a:p>
@@ -985,7 +1033,7 @@
             </a:pPr>
             <a:r>
               <a:rPr sz="3200"/>
-              <a:t>Zweite Ebene</a:t>
+              <a:t>Textebene 2</a:t>
             </a:r>
             <a:endParaRPr sz="3200"/>
           </a:p>
@@ -995,7 +1043,7 @@
             </a:pPr>
             <a:r>
               <a:rPr sz="3200"/>
-              <a:t>Dritte Ebene</a:t>
+              <a:t>Textebene 3</a:t>
             </a:r>
             <a:endParaRPr sz="3200"/>
           </a:p>
@@ -1005,7 +1053,7 @@
             </a:pPr>
             <a:r>
               <a:rPr sz="3200"/>
-              <a:t>Vierte Ebene</a:t>
+              <a:t>Textebene 4</a:t>
             </a:r>
             <a:endParaRPr sz="3200"/>
           </a:p>
@@ -1015,7 +1063,7 @@
             </a:pPr>
             <a:r>
               <a:rPr sz="3200"/>
-              <a:t>Fünfte Ebene</a:t>
+              <a:t>Textebene 5</a:t>
             </a:r>
           </a:p>
         </p:txBody>
@@ -1103,7 +1151,7 @@
             </a:pPr>
             <a:r>
               <a:rPr cap="all" sz="4000"/>
-              <a:t>Titelmasterformat durch Klicken bearbeiten</a:t>
+              <a:t>Titeltext</a:t>
             </a:r>
           </a:p>
         </p:txBody>
@@ -1136,6 +1184,38 @@
               <a:buNone/>
               <a:defRPr sz="2000"/>
             </a:lvl1pPr>
+            <a:lvl2pPr marL="0" indent="457200">
+              <a:spcBef>
+                <a:spcPts val="400"/>
+              </a:spcBef>
+              <a:buSzTx/>
+              <a:buNone/>
+              <a:defRPr sz="2000"/>
+            </a:lvl2pPr>
+            <a:lvl3pPr marL="0" indent="914400">
+              <a:spcBef>
+                <a:spcPts val="400"/>
+              </a:spcBef>
+              <a:buSzTx/>
+              <a:buNone/>
+              <a:defRPr sz="2000"/>
+            </a:lvl3pPr>
+            <a:lvl4pPr marL="0" indent="1371600">
+              <a:spcBef>
+                <a:spcPts val="400"/>
+              </a:spcBef>
+              <a:buSzTx/>
+              <a:buNone/>
+              <a:defRPr sz="2000"/>
+            </a:lvl4pPr>
+            <a:lvl5pPr marL="0" indent="1828800">
+              <a:spcBef>
+                <a:spcPts val="400"/>
+              </a:spcBef>
+              <a:buSzTx/>
+              <a:buNone/>
+              <a:defRPr sz="2000"/>
+            </a:lvl5pPr>
           </a:lstStyle>
           <a:p>
             <a:pPr lvl="0">
@@ -1143,7 +1223,47 @@
             </a:pPr>
             <a:r>
               <a:rPr sz="2000"/>
-              <a:t>Textmasterformate durch Klicken bearbeiten</a:t>
+              <a:t>Textebene 1</a:t>
+            </a:r>
+            <a:endParaRPr sz="2000"/>
+          </a:p>
+          <a:p>
+            <a:pPr lvl="1">
+              <a:defRPr sz="1800"/>
+            </a:pPr>
+            <a:r>
+              <a:rPr sz="2000"/>
+              <a:t>Textebene 2</a:t>
+            </a:r>
+            <a:endParaRPr sz="2000"/>
+          </a:p>
+          <a:p>
+            <a:pPr lvl="2">
+              <a:defRPr sz="1800"/>
+            </a:pPr>
+            <a:r>
+              <a:rPr sz="2000"/>
+              <a:t>Textebene 3</a:t>
+            </a:r>
+            <a:endParaRPr sz="2000"/>
+          </a:p>
+          <a:p>
+            <a:pPr lvl="3">
+              <a:defRPr sz="1800"/>
+            </a:pPr>
+            <a:r>
+              <a:rPr sz="2000"/>
+              <a:t>Textebene 4</a:t>
+            </a:r>
+            <a:endParaRPr sz="2000"/>
+          </a:p>
+          <a:p>
+            <a:pPr lvl="4">
+              <a:defRPr sz="1800"/>
+            </a:pPr>
+            <a:r>
+              <a:rPr sz="2000"/>
+              <a:t>Textebene 5</a:t>
             </a:r>
           </a:p>
         </p:txBody>
@@ -1218,7 +1338,7 @@
             </a:pPr>
             <a:r>
               <a:rPr sz="4400"/>
-              <a:t>Titelmasterformat durch Klicken bearbeiten</a:t>
+              <a:t>Titeltext</a:t>
             </a:r>
           </a:p>
         </p:txBody>
@@ -1280,7 +1400,7 @@
             </a:pPr>
             <a:r>
               <a:rPr sz="2800"/>
-              <a:t>Textmasterformate durch Klicken bearbeiten</a:t>
+              <a:t>Textebene 1</a:t>
             </a:r>
             <a:endParaRPr sz="2800"/>
           </a:p>
@@ -1290,7 +1410,7 @@
             </a:pPr>
             <a:r>
               <a:rPr sz="2800"/>
-              <a:t>Zweite Ebene</a:t>
+              <a:t>Textebene 2</a:t>
             </a:r>
             <a:endParaRPr sz="2800"/>
           </a:p>
@@ -1300,7 +1420,7 @@
             </a:pPr>
             <a:r>
               <a:rPr sz="2800"/>
-              <a:t>Dritte Ebene</a:t>
+              <a:t>Textebene 3</a:t>
             </a:r>
             <a:endParaRPr sz="2800"/>
           </a:p>
@@ -1310,7 +1430,7 @@
             </a:pPr>
             <a:r>
               <a:rPr sz="2800"/>
-              <a:t>Vierte Ebene</a:t>
+              <a:t>Textebene 4</a:t>
             </a:r>
             <a:endParaRPr sz="2800"/>
           </a:p>
@@ -1320,7 +1440,7 @@
             </a:pPr>
             <a:r>
               <a:rPr sz="2800"/>
-              <a:t>Fünfte Ebene</a:t>
+              <a:t>Textebene 5</a:t>
             </a:r>
           </a:p>
         </p:txBody>
@@ -1399,7 +1519,7 @@
             </a:pPr>
             <a:r>
               <a:rPr sz="4400"/>
-              <a:t>Titelmasterformat durch Klicken bearbeiten</a:t>
+              <a:t>Titeltext</a:t>
             </a:r>
           </a:p>
         </p:txBody>
@@ -1415,7 +1535,7 @@
         <p:spPr>
           <a:xfrm>
             <a:off x="457200" y="1435465"/>
-            <a:ext cx="4040188" cy="739410"/>
+            <a:ext cx="4040188" cy="739411"/>
           </a:xfrm>
           <a:prstGeom prst="rect">
             <a:avLst/>
@@ -1437,6 +1557,58 @@
                 <a:sym typeface="Arial Bold"/>
               </a:defRPr>
             </a:lvl1pPr>
+            <a:lvl2pPr marL="0" indent="457200">
+              <a:spcBef>
+                <a:spcPts val="500"/>
+              </a:spcBef>
+              <a:buSzTx/>
+              <a:buNone/>
+              <a:defRPr sz="2400">
+                <a:latin typeface="Arial Bold"/>
+                <a:ea typeface="Arial Bold"/>
+                <a:cs typeface="Arial Bold"/>
+                <a:sym typeface="Arial Bold"/>
+              </a:defRPr>
+            </a:lvl2pPr>
+            <a:lvl3pPr marL="0" indent="914400">
+              <a:spcBef>
+                <a:spcPts val="500"/>
+              </a:spcBef>
+              <a:buSzTx/>
+              <a:buNone/>
+              <a:defRPr sz="2400">
+                <a:latin typeface="Arial Bold"/>
+                <a:ea typeface="Arial Bold"/>
+                <a:cs typeface="Arial Bold"/>
+                <a:sym typeface="Arial Bold"/>
+              </a:defRPr>
+            </a:lvl3pPr>
+            <a:lvl4pPr marL="0" indent="1371600">
+              <a:spcBef>
+                <a:spcPts val="500"/>
+              </a:spcBef>
+              <a:buSzTx/>
+              <a:buNone/>
+              <a:defRPr sz="2400">
+                <a:latin typeface="Arial Bold"/>
+                <a:ea typeface="Arial Bold"/>
+                <a:cs typeface="Arial Bold"/>
+                <a:sym typeface="Arial Bold"/>
+              </a:defRPr>
+            </a:lvl4pPr>
+            <a:lvl5pPr marL="0" indent="1828800">
+              <a:spcBef>
+                <a:spcPts val="500"/>
+              </a:spcBef>
+              <a:buSzTx/>
+              <a:buNone/>
+              <a:defRPr sz="2400">
+                <a:latin typeface="Arial Bold"/>
+                <a:ea typeface="Arial Bold"/>
+                <a:cs typeface="Arial Bold"/>
+                <a:sym typeface="Arial Bold"/>
+              </a:defRPr>
+            </a:lvl5pPr>
           </a:lstStyle>
           <a:p>
             <a:pPr lvl="0">
@@ -1444,7 +1616,47 @@
             </a:pPr>
             <a:r>
               <a:rPr sz="2400"/>
-              <a:t>Textmasterformate durch Klicken bearbeiten</a:t>
+              <a:t>Textebene 1</a:t>
+            </a:r>
+            <a:endParaRPr sz="2400"/>
+          </a:p>
+          <a:p>
+            <a:pPr lvl="1">
+              <a:defRPr sz="1800"/>
+            </a:pPr>
+            <a:r>
+              <a:rPr sz="2400"/>
+              <a:t>Textebene 2</a:t>
+            </a:r>
+            <a:endParaRPr sz="2400"/>
+          </a:p>
+          <a:p>
+            <a:pPr lvl="2">
+              <a:defRPr sz="1800"/>
+            </a:pPr>
+            <a:r>
+              <a:rPr sz="2400"/>
+              <a:t>Textebene 3</a:t>
+            </a:r>
+            <a:endParaRPr sz="2400"/>
+          </a:p>
+          <a:p>
+            <a:pPr lvl="3">
+              <a:defRPr sz="1800"/>
+            </a:pPr>
+            <a:r>
+              <a:rPr sz="2400"/>
+              <a:t>Textebene 4</a:t>
+            </a:r>
+            <a:endParaRPr sz="2400"/>
+          </a:p>
+          <a:p>
+            <a:pPr lvl="4">
+              <a:defRPr sz="1800"/>
+            </a:pPr>
+            <a:r>
+              <a:rPr sz="2400"/>
+              <a:t>Textebene 5</a:t>
             </a:r>
           </a:p>
         </p:txBody>
@@ -1519,7 +1731,7 @@
             </a:pPr>
             <a:r>
               <a:rPr sz="4400"/>
-              <a:t>Titelmasterformat durch Klicken bearbeiten</a:t>
+              <a:t>Titeltext</a:t>
             </a:r>
           </a:p>
         </p:txBody>
@@ -1655,7 +1867,7 @@
             </a:pPr>
             <a:r>
               <a:rPr sz="2000"/>
-              <a:t>Titelmasterformat durch Klicken bearbeiten</a:t>
+              <a:t>Titeltext</a:t>
             </a:r>
           </a:p>
         </p:txBody>
@@ -1686,7 +1898,7 @@
             </a:pPr>
             <a:r>
               <a:rPr sz="3200"/>
-              <a:t>Textmasterformate durch Klicken bearbeiten</a:t>
+              <a:t>Textebene 1</a:t>
             </a:r>
             <a:endParaRPr sz="3200"/>
           </a:p>
@@ -1696,7 +1908,7 @@
             </a:pPr>
             <a:r>
               <a:rPr sz="3200"/>
-              <a:t>Zweite Ebene</a:t>
+              <a:t>Textebene 2</a:t>
             </a:r>
             <a:endParaRPr sz="3200"/>
           </a:p>
@@ -1706,7 +1918,7 @@
             </a:pPr>
             <a:r>
               <a:rPr sz="3200"/>
-              <a:t>Dritte Ebene</a:t>
+              <a:t>Textebene 3</a:t>
             </a:r>
             <a:endParaRPr sz="3200"/>
           </a:p>
@@ -1716,7 +1928,7 @@
             </a:pPr>
             <a:r>
               <a:rPr sz="3200"/>
-              <a:t>Vierte Ebene</a:t>
+              <a:t>Textebene 4</a:t>
             </a:r>
             <a:endParaRPr sz="3200"/>
           </a:p>
@@ -1726,7 +1938,7 @@
             </a:pPr>
             <a:r>
               <a:rPr sz="3200"/>
-              <a:t>Fünfte Ebene</a:t>
+              <a:t>Textebene 5</a:t>
             </a:r>
           </a:p>
         </p:txBody>
@@ -1814,7 +2026,7 @@
             </a:pPr>
             <a:r>
               <a:rPr sz="2000"/>
-              <a:t>Titelmasterformat durch Klicken bearbeiten</a:t>
+              <a:t>Titeltext</a:t>
             </a:r>
           </a:p>
         </p:txBody>
@@ -1847,6 +2059,38 @@
               <a:buNone/>
               <a:defRPr sz="1400"/>
             </a:lvl1pPr>
+            <a:lvl2pPr marL="0" indent="457200">
+              <a:spcBef>
+                <a:spcPts val="300"/>
+              </a:spcBef>
+              <a:buSzTx/>
+              <a:buNone/>
+              <a:defRPr sz="1400"/>
+            </a:lvl2pPr>
+            <a:lvl3pPr marL="0" indent="914400">
+              <a:spcBef>
+                <a:spcPts val="300"/>
+              </a:spcBef>
+              <a:buSzTx/>
+              <a:buNone/>
+              <a:defRPr sz="1400"/>
+            </a:lvl3pPr>
+            <a:lvl4pPr marL="0" indent="1371600">
+              <a:spcBef>
+                <a:spcPts val="300"/>
+              </a:spcBef>
+              <a:buSzTx/>
+              <a:buNone/>
+              <a:defRPr sz="1400"/>
+            </a:lvl4pPr>
+            <a:lvl5pPr marL="0" indent="1828800">
+              <a:spcBef>
+                <a:spcPts val="300"/>
+              </a:spcBef>
+              <a:buSzTx/>
+              <a:buNone/>
+              <a:defRPr sz="1400"/>
+            </a:lvl5pPr>
           </a:lstStyle>
           <a:p>
             <a:pPr lvl="0">
@@ -1854,7 +2098,47 @@
             </a:pPr>
             <a:r>
               <a:rPr sz="1400"/>
-              <a:t>Textmasterformate durch Klicken bearbeiten</a:t>
+              <a:t>Textebene 1</a:t>
+            </a:r>
+            <a:endParaRPr sz="1400"/>
+          </a:p>
+          <a:p>
+            <a:pPr lvl="1">
+              <a:defRPr sz="1800"/>
+            </a:pPr>
+            <a:r>
+              <a:rPr sz="1400"/>
+              <a:t>Textebene 2</a:t>
+            </a:r>
+            <a:endParaRPr sz="1400"/>
+          </a:p>
+          <a:p>
+            <a:pPr lvl="2">
+              <a:defRPr sz="1800"/>
+            </a:pPr>
+            <a:r>
+              <a:rPr sz="1400"/>
+              <a:t>Textebene 3</a:t>
+            </a:r>
+            <a:endParaRPr sz="1400"/>
+          </a:p>
+          <a:p>
+            <a:pPr lvl="3">
+              <a:defRPr sz="1800"/>
+            </a:pPr>
+            <a:r>
+              <a:rPr sz="1400"/>
+              <a:t>Textebene 4</a:t>
+            </a:r>
+            <a:endParaRPr sz="1400"/>
+          </a:p>
+          <a:p>
+            <a:pPr lvl="4">
+              <a:defRPr sz="1800"/>
+            </a:pPr>
+            <a:r>
+              <a:rPr sz="1400"/>
+              <a:t>Textebene 5</a:t>
             </a:r>
           </a:p>
         </p:txBody>
@@ -1948,7 +2232,7 @@
             </a:pPr>
             <a:r>
               <a:rPr sz="4400"/>
-              <a:t>Titelmasterformat durch Klicken bearbeiten</a:t>
+              <a:t>Titeltext</a:t>
             </a:r>
           </a:p>
         </p:txBody>
@@ -1987,7 +2271,7 @@
             </a:pPr>
             <a:r>
               <a:rPr sz="3200"/>
-              <a:t>Textmasterformate durch Klicken bearbeiten</a:t>
+              <a:t>Textebene 1</a:t>
             </a:r>
             <a:endParaRPr sz="3200"/>
           </a:p>
@@ -1997,7 +2281,7 @@
             </a:pPr>
             <a:r>
               <a:rPr sz="3200"/>
-              <a:t>Zweite Ebene</a:t>
+              <a:t>Textebene 2</a:t>
             </a:r>
             <a:endParaRPr sz="3200"/>
           </a:p>
@@ -2007,7 +2291,7 @@
             </a:pPr>
             <a:r>
               <a:rPr sz="3200"/>
-              <a:t>Dritte Ebene</a:t>
+              <a:t>Textebene 3</a:t>
             </a:r>
             <a:endParaRPr sz="3200"/>
           </a:p>
@@ -2017,7 +2301,7 @@
             </a:pPr>
             <a:r>
               <a:rPr sz="3200"/>
-              <a:t>Vierte Ebene</a:t>
+              <a:t>Textebene 4</a:t>
             </a:r>
             <a:endParaRPr sz="3200"/>
           </a:p>
@@ -2027,7 +2311,7 @@
             </a:pPr>
             <a:r>
               <a:rPr sz="3200"/>
-              <a:t>Fünfte Ebene</a:t>
+              <a:t>Textebene 5</a:t>
             </a:r>
           </a:p>
         </p:txBody>
@@ -2496,7 +2780,7 @@
       </p:grpSpPr>
       <p:sp>
         <p:nvSpPr>
-          <p:cNvPr id="90" name="Shape 90"/>
+          <p:cNvPr id="93" name="Shape 93"/>
           <p:cNvSpPr/>
           <p:nvPr>
             <p:ph type="title"/>
@@ -2523,7 +2807,7 @@
       </p:sp>
       <p:sp>
         <p:nvSpPr>
-          <p:cNvPr id="91" name="Shape 91"/>
+          <p:cNvPr id="94" name="Shape 94"/>
           <p:cNvSpPr/>
           <p:nvPr>
             <p:ph type="sldNum" sz="quarter" idx="2"/>
@@ -2554,7 +2838,7 @@
       </p:sp>
       <p:sp>
         <p:nvSpPr>
-          <p:cNvPr id="92" name="Shape 92"/>
+          <p:cNvPr id="95" name="Shape 95"/>
           <p:cNvSpPr/>
           <p:nvPr/>
         </p:nvSpPr>
@@ -6055,7 +6339,7 @@
       </p:grpSpPr>
       <p:sp>
         <p:nvSpPr>
-          <p:cNvPr id="94" name="Shape 94"/>
+          <p:cNvPr id="97" name="Shape 97"/>
           <p:cNvSpPr/>
           <p:nvPr>
             <p:ph type="title"/>
@@ -6082,7 +6366,7 @@
       </p:sp>
       <p:sp>
         <p:nvSpPr>
-          <p:cNvPr id="95" name="Shape 95"/>
+          <p:cNvPr id="98" name="Shape 98"/>
           <p:cNvSpPr/>
           <p:nvPr>
             <p:ph type="body" idx="1"/>
@@ -6244,7 +6528,7 @@
       </p:sp>
       <p:sp>
         <p:nvSpPr>
-          <p:cNvPr id="96" name="Shape 96"/>
+          <p:cNvPr id="99" name="Shape 99"/>
           <p:cNvSpPr/>
           <p:nvPr>
             <p:ph type="sldNum" sz="quarter" idx="2"/>
@@ -6301,7 +6585,7 @@
       </p:grpSpPr>
       <p:sp>
         <p:nvSpPr>
-          <p:cNvPr id="98" name="Shape 98"/>
+          <p:cNvPr id="101" name="Shape 101"/>
           <p:cNvSpPr/>
           <p:nvPr>
             <p:ph type="body" idx="4294967295"/>
@@ -6343,7 +6627,7 @@
       </p:sp>
       <p:pic>
         <p:nvPicPr>
-          <p:cNvPr id="99" name="image2.png" descr="E:\draeger\workspace\JSBML\doc\logo\JSBML.png"/>
+          <p:cNvPr id="102" name="image2.png" descr="E:\draeger\workspace\JSBML\doc\logo\JSBML.png"/>
           <p:cNvPicPr/>
           <p:nvPr/>
         </p:nvPicPr>
@@ -6403,7 +6687,7 @@
       </p:grpSpPr>
       <p:sp>
         <p:nvSpPr>
-          <p:cNvPr id="101" name="Shape 101"/>
+          <p:cNvPr id="104" name="Shape 104"/>
           <p:cNvSpPr/>
           <p:nvPr>
             <p:ph type="title" idx="4294967295"/>
@@ -6436,7 +6720,7 @@
       </p:sp>
       <p:sp>
         <p:nvSpPr>
-          <p:cNvPr id="102" name="Shape 102"/>
+          <p:cNvPr id="105" name="Shape 105"/>
           <p:cNvSpPr/>
           <p:nvPr>
             <p:ph type="body" idx="4294967295"/>
@@ -6698,7 +6982,7 @@
       </p:grpSpPr>
       <p:sp>
         <p:nvSpPr>
-          <p:cNvPr id="104" name="Shape 104"/>
+          <p:cNvPr id="107" name="Shape 107"/>
           <p:cNvSpPr/>
           <p:nvPr>
             <p:ph type="title"/>
@@ -6725,7 +7009,7 @@
       </p:sp>
       <p:sp>
         <p:nvSpPr>
-          <p:cNvPr id="105" name="Shape 105"/>
+          <p:cNvPr id="108" name="Shape 108"/>
           <p:cNvSpPr/>
           <p:nvPr>
             <p:ph type="body" idx="1"/>
@@ -7657,7 +7941,7 @@
       </p:sp>
       <p:sp>
         <p:nvSpPr>
-          <p:cNvPr id="106" name="Shape 106"/>
+          <p:cNvPr id="109" name="Shape 109"/>
           <p:cNvSpPr/>
           <p:nvPr>
             <p:ph type="sldNum" sz="quarter" idx="2"/>
@@ -7714,7 +7998,7 @@
       </p:grpSpPr>
       <p:sp>
         <p:nvSpPr>
-          <p:cNvPr id="108" name="Shape 108"/>
+          <p:cNvPr id="111" name="Shape 111"/>
           <p:cNvSpPr/>
           <p:nvPr>
             <p:ph type="title" idx="4294967295"/>
@@ -7747,7 +8031,7 @@
       </p:sp>
       <p:sp>
         <p:nvSpPr>
-          <p:cNvPr id="109" name="Shape 109"/>
+          <p:cNvPr id="112" name="Shape 112"/>
           <p:cNvSpPr/>
           <p:nvPr>
             <p:ph type="body" idx="4294967295"/>
@@ -7796,7 +8080,7 @@
       </p:sp>
       <p:grpSp>
         <p:nvGrpSpPr>
-          <p:cNvPr id="112" name="Group 112"/>
+          <p:cNvPr id="115" name="Group 115"/>
           <p:cNvGrpSpPr/>
           <p:nvPr/>
         </p:nvGrpSpPr>
@@ -7810,7 +8094,7 @@
         </p:grpSpPr>
         <p:sp>
           <p:nvSpPr>
-            <p:cNvPr id="110" name="Shape 110"/>
+            <p:cNvPr id="113" name="Shape 113"/>
             <p:cNvSpPr/>
             <p:nvPr/>
           </p:nvSpPr>
@@ -7856,7 +8140,7 @@
         </p:sp>
         <p:sp>
           <p:nvSpPr>
-            <p:cNvPr id="111" name="Shape 111"/>
+            <p:cNvPr id="114" name="Shape 114"/>
             <p:cNvSpPr/>
             <p:nvPr/>
           </p:nvSpPr>
@@ -7919,7 +8203,7 @@
       </p:grpSp>
       <p:grpSp>
         <p:nvGrpSpPr>
-          <p:cNvPr id="115" name="Group 115"/>
+          <p:cNvPr id="118" name="Group 118"/>
           <p:cNvGrpSpPr/>
           <p:nvPr/>
         </p:nvGrpSpPr>
@@ -7933,7 +8217,7 @@
         </p:grpSpPr>
         <p:sp>
           <p:nvSpPr>
-            <p:cNvPr id="113" name="Shape 113"/>
+            <p:cNvPr id="116" name="Shape 116"/>
             <p:cNvSpPr/>
             <p:nvPr/>
           </p:nvSpPr>
@@ -7979,7 +8263,7 @@
         </p:sp>
         <p:sp>
           <p:nvSpPr>
-            <p:cNvPr id="114" name="Shape 114"/>
+            <p:cNvPr id="117" name="Shape 117"/>
             <p:cNvSpPr/>
             <p:nvPr/>
           </p:nvSpPr>
@@ -8042,7 +8326,7 @@
       </p:grpSp>
       <p:grpSp>
         <p:nvGrpSpPr>
-          <p:cNvPr id="118" name="Group 118"/>
+          <p:cNvPr id="121" name="Group 121"/>
           <p:cNvGrpSpPr/>
           <p:nvPr/>
         </p:nvGrpSpPr>
@@ -8056,7 +8340,7 @@
         </p:grpSpPr>
         <p:sp>
           <p:nvSpPr>
-            <p:cNvPr id="116" name="Shape 116"/>
+            <p:cNvPr id="119" name="Shape 119"/>
             <p:cNvSpPr/>
             <p:nvPr/>
           </p:nvSpPr>
@@ -8098,7 +8382,7 @@
         </p:sp>
         <p:sp>
           <p:nvSpPr>
-            <p:cNvPr id="117" name="Shape 117"/>
+            <p:cNvPr id="120" name="Shape 120"/>
             <p:cNvSpPr/>
             <p:nvPr/>
           </p:nvSpPr>
@@ -8157,7 +8441,7 @@
       </p:grpSp>
       <p:sp>
         <p:nvSpPr>
-          <p:cNvPr id="132" name="Shape 132"/>
+          <p:cNvPr id="135" name="Shape 135"/>
           <p:cNvSpPr/>
           <p:nvPr/>
         </p:nvSpPr>
@@ -8220,13 +8504,13 @@
       </p:sp>
       <p:sp>
         <p:nvSpPr>
-          <p:cNvPr id="120" name="Shape 120"/>
+          <p:cNvPr id="123" name="Shape 123"/>
           <p:cNvSpPr/>
           <p:nvPr/>
         </p:nvSpPr>
         <p:spPr>
           <a:xfrm>
-            <a:off x="7780831" y="4714875"/>
+            <a:off x="7780832" y="4714875"/>
             <a:ext cx="857251" cy="617362"/>
           </a:xfrm>
           <a:prstGeom prst="rect">
@@ -8256,7 +8540,7 @@
       </p:sp>
       <p:sp>
         <p:nvSpPr>
-          <p:cNvPr id="133" name="Shape 133"/>
+          <p:cNvPr id="136" name="Shape 136"/>
           <p:cNvSpPr/>
           <p:nvPr/>
         </p:nvSpPr>
@@ -8316,7 +8600,7 @@
       </p:sp>
       <p:sp>
         <p:nvSpPr>
-          <p:cNvPr id="122" name="Shape 122"/>
+          <p:cNvPr id="125" name="Shape 125"/>
           <p:cNvSpPr/>
           <p:nvPr/>
         </p:nvSpPr>
@@ -8352,7 +8636,7 @@
       </p:sp>
       <p:sp>
         <p:nvSpPr>
-          <p:cNvPr id="134" name="Shape 134"/>
+          <p:cNvPr id="137" name="Shape 137"/>
           <p:cNvSpPr/>
           <p:nvPr/>
         </p:nvSpPr>
@@ -8406,7 +8690,7 @@
       </p:sp>
       <p:sp>
         <p:nvSpPr>
-          <p:cNvPr id="124" name="Shape 124"/>
+          <p:cNvPr id="127" name="Shape 127"/>
           <p:cNvSpPr/>
           <p:nvPr/>
         </p:nvSpPr>
@@ -8442,7 +8726,7 @@
       </p:sp>
       <p:sp>
         <p:nvSpPr>
-          <p:cNvPr id="135" name="Shape 135"/>
+          <p:cNvPr id="138" name="Shape 138"/>
           <p:cNvSpPr/>
           <p:nvPr/>
         </p:nvSpPr>
@@ -8497,7 +8781,7 @@
       </p:sp>
       <p:sp>
         <p:nvSpPr>
-          <p:cNvPr id="136" name="Shape 136"/>
+          <p:cNvPr id="139" name="Shape 139"/>
           <p:cNvSpPr/>
           <p:nvPr/>
         </p:nvSpPr>
@@ -8557,14 +8841,14 @@
       </p:sp>
       <p:sp>
         <p:nvSpPr>
-          <p:cNvPr id="127" name="Shape 127"/>
+          <p:cNvPr id="130" name="Shape 130"/>
           <p:cNvSpPr/>
           <p:nvPr/>
         </p:nvSpPr>
         <p:spPr>
           <a:xfrm>
-            <a:off x="720231" y="4987924"/>
-            <a:ext cx="714376" cy="350663"/>
+            <a:off x="720231" y="4987925"/>
+            <a:ext cx="714376" cy="350662"/>
           </a:xfrm>
           <a:prstGeom prst="rect">
             <a:avLst/>
@@ -8593,7 +8877,7 @@
       </p:sp>
       <p:grpSp>
         <p:nvGrpSpPr>
-          <p:cNvPr id="130" name="Group 130"/>
+          <p:cNvPr id="133" name="Group 133"/>
           <p:cNvGrpSpPr/>
           <p:nvPr/>
         </p:nvGrpSpPr>
@@ -8607,7 +8891,7 @@
         </p:grpSpPr>
         <p:sp>
           <p:nvSpPr>
-            <p:cNvPr id="128" name="Shape 128"/>
+            <p:cNvPr id="131" name="Shape 131"/>
             <p:cNvSpPr/>
             <p:nvPr/>
           </p:nvSpPr>
@@ -8643,7 +8927,7 @@
         </p:sp>
         <p:pic>
           <p:nvPicPr>
-            <p:cNvPr id="129" name="image25.jpg" descr="jsbml-logo-large"/>
+            <p:cNvPr id="132" name="image25.jpg" descr="jsbml-logo-large"/>
             <p:cNvPicPr/>
             <p:nvPr/>
           </p:nvPicPr>
@@ -8673,7 +8957,7 @@
       </p:grpSp>
       <p:sp>
         <p:nvSpPr>
-          <p:cNvPr id="137" name="Shape 137"/>
+          <p:cNvPr id="140" name="Shape 140"/>
           <p:cNvSpPr/>
           <p:nvPr/>
         </p:nvSpPr>
@@ -8760,36 +9044,30 @@
       </p:grpSpPr>
       <p:sp>
         <p:nvSpPr>
-          <p:cNvPr id="139" name="Shape 139"/>
+          <p:cNvPr id="142" name="Shape 142"/>
           <p:cNvSpPr/>
           <p:nvPr>
-            <p:ph type="title" idx="4294967295"/>
+            <p:ph type="title"/>
           </p:nvPr>
         </p:nvSpPr>
         <p:spPr>
-          <a:xfrm>
-            <a:off x="457200" y="274638"/>
-            <a:ext cx="8229600" cy="1143001"/>
-          </a:xfrm>
           <a:prstGeom prst="rect">
             <a:avLst/>
           </a:prstGeom>
         </p:spPr>
         <p:txBody>
-          <a:bodyPr lIns="0" tIns="0" rIns="0" bIns="0">
-            <a:normAutofit fontScale="100000" lnSpcReduction="0"/>
-          </a:bodyPr>
+          <a:bodyPr/>
           <a:lstStyle/>
           <a:p>
-            <a:pPr lvl="0" defTabSz="795527">
-              <a:defRPr sz="1800"/>
-            </a:pPr>
-            <a:r>
-              <a:rPr sz="3828"/>
+            <a:pPr lvl="0">
+              <a:defRPr sz="1800"/>
+            </a:pPr>
+            <a:r>
+              <a:rPr sz="4400"/>
               <a:t>CellDesigner module: Example for a </a:t>
             </a:r>
             <a:r>
-              <a:rPr sz="3828">
+              <a:rPr sz="4400">
                 <a:latin typeface="Consolas"/>
                 <a:ea typeface="Consolas"/>
                 <a:cs typeface="Consolas"/>
@@ -8800,33 +9078,1230 @@
           </a:p>
         </p:txBody>
       </p:sp>
-      <p:pic>
-        <p:nvPicPr>
-          <p:cNvPr id="140" name="image26.png"/>
-          <p:cNvPicPr/>
-          <p:nvPr/>
-        </p:nvPicPr>
-        <p:blipFill>
-          <a:blip r:embed="rId2">
-            <a:extLst/>
-          </a:blip>
-          <a:stretch>
-            <a:fillRect/>
-          </a:stretch>
-        </p:blipFill>
+      <p:sp>
+        <p:nvSpPr>
+          <p:cNvPr id="143" name="Shape 143"/>
+          <p:cNvSpPr/>
+          <p:nvPr>
+            <p:ph type="body" idx="1"/>
+          </p:nvPr>
+        </p:nvSpPr>
         <p:spPr>
-          <a:xfrm>
-            <a:off x="1504950" y="1600200"/>
-            <a:ext cx="6134100" cy="4525963"/>
-          </a:xfrm>
           <a:prstGeom prst="rect">
             <a:avLst/>
           </a:prstGeom>
-          <a:ln w="12700">
-            <a:miter lim="400000"/>
-          </a:ln>
         </p:spPr>
-      </p:pic>
+        <p:txBody>
+          <a:bodyPr/>
+          <a:lstStyle/>
+          <a:p>
+            <a:pPr lvl="0" marL="0" indent="0" defTabSz="457200">
+              <a:spcBef>
+                <a:spcPts val="0"/>
+              </a:spcBef>
+              <a:buSzTx/>
+              <a:buNone/>
+              <a:tabLst>
+                <a:tab pos="330200" algn="l"/>
+              </a:tabLst>
+              <a:defRPr sz="1800"/>
+            </a:pPr>
+            <a:r>
+              <a:rPr sz="1100">
+                <a:solidFill>
+                  <a:srgbClr val="BB2CA2"/>
+                </a:solidFill>
+                <a:latin typeface="Menlo Regular"/>
+                <a:ea typeface="Menlo Regular"/>
+                <a:cs typeface="Menlo Regular"/>
+                <a:sym typeface="Menlo Regular"/>
+              </a:rPr>
+              <a:t>public</a:t>
+            </a:r>
+            <a:r>
+              <a:rPr sz="1100">
+                <a:latin typeface="Menlo Regular"/>
+                <a:ea typeface="Menlo Regular"/>
+                <a:cs typeface="Menlo Regular"/>
+                <a:sym typeface="Menlo Regular"/>
+              </a:rPr>
+              <a:t> </a:t>
+            </a:r>
+            <a:r>
+              <a:rPr sz="1100">
+                <a:solidFill>
+                  <a:srgbClr val="BB2CA2"/>
+                </a:solidFill>
+                <a:latin typeface="Menlo Regular"/>
+                <a:ea typeface="Menlo Regular"/>
+                <a:cs typeface="Menlo Regular"/>
+                <a:sym typeface="Menlo Regular"/>
+              </a:rPr>
+              <a:t>class</a:t>
+            </a:r>
+            <a:r>
+              <a:rPr sz="1100">
+                <a:latin typeface="Menlo Regular"/>
+                <a:ea typeface="Menlo Regular"/>
+                <a:cs typeface="Menlo Regular"/>
+                <a:sym typeface="Menlo Regular"/>
+              </a:rPr>
+              <a:t> SimpleCellDesignerPluginAction </a:t>
+            </a:r>
+            <a:r>
+              <a:rPr sz="1100">
+                <a:solidFill>
+                  <a:srgbClr val="BB2CA2"/>
+                </a:solidFill>
+                <a:latin typeface="Menlo Regular"/>
+                <a:ea typeface="Menlo Regular"/>
+                <a:cs typeface="Menlo Regular"/>
+                <a:sym typeface="Menlo Regular"/>
+              </a:rPr>
+              <a:t>extends</a:t>
+            </a:r>
+            <a:r>
+              <a:rPr sz="1100">
+                <a:latin typeface="Menlo Regular"/>
+                <a:ea typeface="Menlo Regular"/>
+                <a:cs typeface="Menlo Regular"/>
+                <a:sym typeface="Menlo Regular"/>
+              </a:rPr>
+              <a:t> PluginAction {</a:t>
+            </a:r>
+            <a:endParaRPr sz="1100">
+              <a:latin typeface="Menlo Regular"/>
+              <a:ea typeface="Menlo Regular"/>
+              <a:cs typeface="Menlo Regular"/>
+              <a:sym typeface="Menlo Regular"/>
+            </a:endParaRPr>
+          </a:p>
+          <a:p>
+            <a:pPr lvl="0" marL="0" indent="0" defTabSz="457200">
+              <a:spcBef>
+                <a:spcPts val="0"/>
+              </a:spcBef>
+              <a:buSzTx/>
+              <a:buNone/>
+              <a:tabLst>
+                <a:tab pos="330200" algn="l"/>
+              </a:tabLst>
+              <a:defRPr sz="1800"/>
+            </a:pPr>
+            <a:r>
+              <a:rPr sz="1100">
+                <a:latin typeface="Menlo Regular"/>
+                <a:ea typeface="Menlo Regular"/>
+                <a:cs typeface="Menlo Regular"/>
+                <a:sym typeface="Menlo Regular"/>
+              </a:rPr>
+              <a:t>  </a:t>
+            </a:r>
+            <a:r>
+              <a:rPr sz="1100">
+                <a:solidFill>
+                  <a:srgbClr val="008400"/>
+                </a:solidFill>
+                <a:latin typeface="Menlo Regular"/>
+                <a:ea typeface="Menlo Regular"/>
+                <a:cs typeface="Menlo Regular"/>
+                <a:sym typeface="Menlo Regular"/>
+              </a:rPr>
+              <a:t>/** The plugin that is triggered when this object receives appropriate actions. */</a:t>
+            </a:r>
+            <a:endParaRPr sz="1100">
+              <a:latin typeface="Menlo Regular"/>
+              <a:ea typeface="Menlo Regular"/>
+              <a:cs typeface="Menlo Regular"/>
+              <a:sym typeface="Menlo Regular"/>
+            </a:endParaRPr>
+          </a:p>
+          <a:p>
+            <a:pPr lvl="0" marL="0" indent="0" defTabSz="457200">
+              <a:spcBef>
+                <a:spcPts val="0"/>
+              </a:spcBef>
+              <a:buSzTx/>
+              <a:buNone/>
+              <a:tabLst>
+                <a:tab pos="330200" algn="l"/>
+              </a:tabLst>
+              <a:defRPr sz="1800"/>
+            </a:pPr>
+            <a:r>
+              <a:rPr sz="1100">
+                <a:latin typeface="Menlo Regular"/>
+                <a:ea typeface="Menlo Regular"/>
+                <a:cs typeface="Menlo Regular"/>
+                <a:sym typeface="Menlo Regular"/>
+              </a:rPr>
+              <a:t>  </a:t>
+            </a:r>
+            <a:r>
+              <a:rPr sz="1100">
+                <a:solidFill>
+                  <a:srgbClr val="BB2CA2"/>
+                </a:solidFill>
+                <a:latin typeface="Menlo Regular"/>
+                <a:ea typeface="Menlo Regular"/>
+                <a:cs typeface="Menlo Regular"/>
+                <a:sym typeface="Menlo Regular"/>
+              </a:rPr>
+              <a:t>private</a:t>
+            </a:r>
+            <a:r>
+              <a:rPr sz="1100">
+                <a:latin typeface="Menlo Regular"/>
+                <a:ea typeface="Menlo Regular"/>
+                <a:cs typeface="Menlo Regular"/>
+                <a:sym typeface="Menlo Regular"/>
+              </a:rPr>
+              <a:t> SimpleCellDesignerPlugin plugin;</a:t>
+            </a:r>
+            <a:endParaRPr sz="1100">
+              <a:latin typeface="Menlo Regular"/>
+              <a:ea typeface="Menlo Regular"/>
+              <a:cs typeface="Menlo Regular"/>
+              <a:sym typeface="Menlo Regular"/>
+            </a:endParaRPr>
+          </a:p>
+          <a:p>
+            <a:pPr lvl="0" marL="0" indent="0" defTabSz="457200">
+              <a:spcBef>
+                <a:spcPts val="0"/>
+              </a:spcBef>
+              <a:buSzTx/>
+              <a:buNone/>
+              <a:tabLst>
+                <a:tab pos="330200" algn="l"/>
+              </a:tabLst>
+              <a:defRPr sz="1800"/>
+            </a:pPr>
+            <a:endParaRPr sz="1100">
+              <a:latin typeface="Menlo Regular"/>
+              <a:ea typeface="Menlo Regular"/>
+              <a:cs typeface="Menlo Regular"/>
+              <a:sym typeface="Menlo Regular"/>
+            </a:endParaRPr>
+          </a:p>
+          <a:p>
+            <a:pPr lvl="0" marL="0" indent="0" defTabSz="457200">
+              <a:spcBef>
+                <a:spcPts val="0"/>
+              </a:spcBef>
+              <a:buSzTx/>
+              <a:buNone/>
+              <a:tabLst>
+                <a:tab pos="330200" algn="l"/>
+              </a:tabLst>
+              <a:defRPr sz="1800"/>
+            </a:pPr>
+            <a:r>
+              <a:rPr sz="1100">
+                <a:latin typeface="Menlo Regular"/>
+                <a:ea typeface="Menlo Regular"/>
+                <a:cs typeface="Menlo Regular"/>
+                <a:sym typeface="Menlo Regular"/>
+              </a:rPr>
+              <a:t>  </a:t>
+            </a:r>
+            <a:r>
+              <a:rPr sz="1100">
+                <a:solidFill>
+                  <a:srgbClr val="008400"/>
+                </a:solidFill>
+                <a:latin typeface="Menlo Regular"/>
+                <a:ea typeface="Menlo Regular"/>
+                <a:cs typeface="Menlo Regular"/>
+                <a:sym typeface="Menlo Regular"/>
+              </a:rPr>
+              <a:t>/** </a:t>
+            </a:r>
+            <a:r>
+              <a:rPr sz="1100">
+                <a:solidFill>
+                  <a:srgbClr val="004C14"/>
+                </a:solidFill>
+                <a:latin typeface="Menlo Regular"/>
+                <a:ea typeface="Menlo Regular"/>
+                <a:cs typeface="Menlo Regular"/>
+                <a:sym typeface="Menlo Regular"/>
+              </a:rPr>
+              <a:t>@param</a:t>
+            </a:r>
+            <a:r>
+              <a:rPr sz="1100">
+                <a:solidFill>
+                  <a:srgbClr val="008400"/>
+                </a:solidFill>
+                <a:latin typeface="Menlo Regular"/>
+                <a:ea typeface="Menlo Regular"/>
+                <a:cs typeface="Menlo Regular"/>
+                <a:sym typeface="Menlo Regular"/>
+              </a:rPr>
+              <a:t> plugin */</a:t>
+            </a:r>
+            <a:endParaRPr sz="1100">
+              <a:latin typeface="Menlo Regular"/>
+              <a:ea typeface="Menlo Regular"/>
+              <a:cs typeface="Menlo Regular"/>
+              <a:sym typeface="Menlo Regular"/>
+            </a:endParaRPr>
+          </a:p>
+          <a:p>
+            <a:pPr lvl="0" marL="0" indent="0" defTabSz="457200">
+              <a:spcBef>
+                <a:spcPts val="0"/>
+              </a:spcBef>
+              <a:buSzTx/>
+              <a:buNone/>
+              <a:tabLst>
+                <a:tab pos="330200" algn="l"/>
+              </a:tabLst>
+              <a:defRPr sz="1800"/>
+            </a:pPr>
+            <a:r>
+              <a:rPr sz="1100">
+                <a:latin typeface="Menlo Regular"/>
+                <a:ea typeface="Menlo Regular"/>
+                <a:cs typeface="Menlo Regular"/>
+                <a:sym typeface="Menlo Regular"/>
+              </a:rPr>
+              <a:t>  </a:t>
+            </a:r>
+            <a:r>
+              <a:rPr sz="1100">
+                <a:solidFill>
+                  <a:srgbClr val="BB2CA2"/>
+                </a:solidFill>
+                <a:latin typeface="Menlo Regular"/>
+                <a:ea typeface="Menlo Regular"/>
+                <a:cs typeface="Menlo Regular"/>
+                <a:sym typeface="Menlo Regular"/>
+              </a:rPr>
+              <a:t>public</a:t>
+            </a:r>
+            <a:r>
+              <a:rPr sz="1100">
+                <a:latin typeface="Menlo Regular"/>
+                <a:ea typeface="Menlo Regular"/>
+                <a:cs typeface="Menlo Regular"/>
+                <a:sym typeface="Menlo Regular"/>
+              </a:rPr>
+              <a:t> SimpleCellDesignerPluginAction(SimpleCellDesignerPlugin plugin) {</a:t>
+            </a:r>
+            <a:endParaRPr sz="1100">
+              <a:latin typeface="Menlo Regular"/>
+              <a:ea typeface="Menlo Regular"/>
+              <a:cs typeface="Menlo Regular"/>
+              <a:sym typeface="Menlo Regular"/>
+            </a:endParaRPr>
+          </a:p>
+          <a:p>
+            <a:pPr lvl="0" marL="0" indent="0" defTabSz="457200">
+              <a:spcBef>
+                <a:spcPts val="0"/>
+              </a:spcBef>
+              <a:buSzTx/>
+              <a:buNone/>
+              <a:tabLst>
+                <a:tab pos="330200" algn="l"/>
+              </a:tabLst>
+              <a:defRPr sz="1800"/>
+            </a:pPr>
+            <a:r>
+              <a:rPr sz="1100">
+                <a:latin typeface="Menlo Regular"/>
+                <a:ea typeface="Menlo Regular"/>
+                <a:cs typeface="Menlo Regular"/>
+                <a:sym typeface="Menlo Regular"/>
+              </a:rPr>
+              <a:t>    </a:t>
+            </a:r>
+            <a:r>
+              <a:rPr sz="1100">
+                <a:solidFill>
+                  <a:srgbClr val="BB2CA2"/>
+                </a:solidFill>
+                <a:latin typeface="Menlo Regular"/>
+                <a:ea typeface="Menlo Regular"/>
+                <a:cs typeface="Menlo Regular"/>
+                <a:sym typeface="Menlo Regular"/>
+              </a:rPr>
+              <a:t>this</a:t>
+            </a:r>
+            <a:r>
+              <a:rPr sz="1100">
+                <a:latin typeface="Menlo Regular"/>
+                <a:ea typeface="Menlo Regular"/>
+                <a:cs typeface="Menlo Regular"/>
+                <a:sym typeface="Menlo Regular"/>
+              </a:rPr>
+              <a:t>.plugin = plugin;</a:t>
+            </a:r>
+            <a:endParaRPr sz="1100">
+              <a:latin typeface="Menlo Regular"/>
+              <a:ea typeface="Menlo Regular"/>
+              <a:cs typeface="Menlo Regular"/>
+              <a:sym typeface="Menlo Regular"/>
+            </a:endParaRPr>
+          </a:p>
+          <a:p>
+            <a:pPr lvl="0" marL="0" indent="0" defTabSz="457200">
+              <a:spcBef>
+                <a:spcPts val="0"/>
+              </a:spcBef>
+              <a:buSzTx/>
+              <a:buNone/>
+              <a:tabLst>
+                <a:tab pos="330200" algn="l"/>
+              </a:tabLst>
+              <a:defRPr sz="1800"/>
+            </a:pPr>
+            <a:r>
+              <a:rPr sz="1100">
+                <a:latin typeface="Menlo Regular"/>
+                <a:ea typeface="Menlo Regular"/>
+                <a:cs typeface="Menlo Regular"/>
+                <a:sym typeface="Menlo Regular"/>
+              </a:rPr>
+              <a:t>  }</a:t>
+            </a:r>
+            <a:endParaRPr sz="1100">
+              <a:latin typeface="Menlo Regular"/>
+              <a:ea typeface="Menlo Regular"/>
+              <a:cs typeface="Menlo Regular"/>
+              <a:sym typeface="Menlo Regular"/>
+            </a:endParaRPr>
+          </a:p>
+          <a:p>
+            <a:pPr lvl="0" marL="0" indent="0" defTabSz="457200">
+              <a:spcBef>
+                <a:spcPts val="0"/>
+              </a:spcBef>
+              <a:buSzTx/>
+              <a:buNone/>
+              <a:tabLst>
+                <a:tab pos="330200" algn="l"/>
+              </a:tabLst>
+              <a:defRPr sz="1800"/>
+            </a:pPr>
+            <a:endParaRPr sz="1100">
+              <a:latin typeface="Menlo Regular"/>
+              <a:ea typeface="Menlo Regular"/>
+              <a:cs typeface="Menlo Regular"/>
+              <a:sym typeface="Menlo Regular"/>
+            </a:endParaRPr>
+          </a:p>
+          <a:p>
+            <a:pPr lvl="0" marL="0" indent="0" defTabSz="457200">
+              <a:spcBef>
+                <a:spcPts val="0"/>
+              </a:spcBef>
+              <a:buSzTx/>
+              <a:buNone/>
+              <a:tabLst>
+                <a:tab pos="330200" algn="l"/>
+              </a:tabLst>
+              <a:defRPr sz="1800"/>
+            </a:pPr>
+            <a:r>
+              <a:rPr sz="1100">
+                <a:latin typeface="Menlo Regular"/>
+                <a:ea typeface="Menlo Regular"/>
+                <a:cs typeface="Menlo Regular"/>
+                <a:sym typeface="Menlo Regular"/>
+              </a:rPr>
+              <a:t>  @Override</a:t>
+            </a:r>
+            <a:endParaRPr sz="1100">
+              <a:latin typeface="Menlo Regular"/>
+              <a:ea typeface="Menlo Regular"/>
+              <a:cs typeface="Menlo Regular"/>
+              <a:sym typeface="Menlo Regular"/>
+            </a:endParaRPr>
+          </a:p>
+          <a:p>
+            <a:pPr lvl="0" marL="0" indent="0" defTabSz="457200">
+              <a:spcBef>
+                <a:spcPts val="0"/>
+              </a:spcBef>
+              <a:buSzTx/>
+              <a:buNone/>
+              <a:tabLst>
+                <a:tab pos="330200" algn="l"/>
+              </a:tabLst>
+              <a:defRPr sz="1800"/>
+            </a:pPr>
+            <a:r>
+              <a:rPr sz="1100">
+                <a:latin typeface="Menlo Regular"/>
+                <a:ea typeface="Menlo Regular"/>
+                <a:cs typeface="Menlo Regular"/>
+                <a:sym typeface="Menlo Regular"/>
+              </a:rPr>
+              <a:t>  </a:t>
+            </a:r>
+            <a:r>
+              <a:rPr sz="1100">
+                <a:solidFill>
+                  <a:srgbClr val="BB2CA2"/>
+                </a:solidFill>
+                <a:latin typeface="Menlo Regular"/>
+                <a:ea typeface="Menlo Regular"/>
+                <a:cs typeface="Menlo Regular"/>
+                <a:sym typeface="Menlo Regular"/>
+              </a:rPr>
+              <a:t>public</a:t>
+            </a:r>
+            <a:r>
+              <a:rPr sz="1100">
+                <a:latin typeface="Menlo Regular"/>
+                <a:ea typeface="Menlo Regular"/>
+                <a:cs typeface="Menlo Regular"/>
+                <a:sym typeface="Menlo Regular"/>
+              </a:rPr>
+              <a:t> </a:t>
+            </a:r>
+            <a:r>
+              <a:rPr sz="1100">
+                <a:solidFill>
+                  <a:srgbClr val="BB2CA2"/>
+                </a:solidFill>
+                <a:latin typeface="Menlo Regular"/>
+                <a:ea typeface="Menlo Regular"/>
+                <a:cs typeface="Menlo Regular"/>
+                <a:sym typeface="Menlo Regular"/>
+              </a:rPr>
+              <a:t>void</a:t>
+            </a:r>
+            <a:r>
+              <a:rPr sz="1100">
+                <a:latin typeface="Menlo Regular"/>
+                <a:ea typeface="Menlo Regular"/>
+                <a:cs typeface="Menlo Regular"/>
+                <a:sym typeface="Menlo Regular"/>
+              </a:rPr>
+              <a:t> myActionPerformed(ActionEvent evt) {</a:t>
+            </a:r>
+            <a:endParaRPr sz="1100">
+              <a:latin typeface="Menlo Regular"/>
+              <a:ea typeface="Menlo Regular"/>
+              <a:cs typeface="Menlo Regular"/>
+              <a:sym typeface="Menlo Regular"/>
+            </a:endParaRPr>
+          </a:p>
+          <a:p>
+            <a:pPr lvl="0" marL="0" indent="0" defTabSz="457200">
+              <a:spcBef>
+                <a:spcPts val="0"/>
+              </a:spcBef>
+              <a:buSzTx/>
+              <a:buNone/>
+              <a:tabLst>
+                <a:tab pos="330200" algn="l"/>
+              </a:tabLst>
+              <a:defRPr sz="1800"/>
+            </a:pPr>
+            <a:r>
+              <a:rPr sz="1100">
+                <a:latin typeface="Menlo Regular"/>
+                <a:ea typeface="Menlo Regular"/>
+                <a:cs typeface="Menlo Regular"/>
+                <a:sym typeface="Menlo Regular"/>
+              </a:rPr>
+              <a:t>    </a:t>
+            </a:r>
+            <a:r>
+              <a:rPr sz="1100">
+                <a:solidFill>
+                  <a:srgbClr val="BB2CA2"/>
+                </a:solidFill>
+                <a:latin typeface="Menlo Regular"/>
+                <a:ea typeface="Menlo Regular"/>
+                <a:cs typeface="Menlo Regular"/>
+                <a:sym typeface="Menlo Regular"/>
+              </a:rPr>
+              <a:t>if</a:t>
+            </a:r>
+            <a:r>
+              <a:rPr sz="1100">
+                <a:latin typeface="Menlo Regular"/>
+                <a:ea typeface="Menlo Regular"/>
+                <a:cs typeface="Menlo Regular"/>
+                <a:sym typeface="Menlo Regular"/>
+              </a:rPr>
+              <a:t> (evt.getSource() </a:t>
+            </a:r>
+            <a:r>
+              <a:rPr sz="1100">
+                <a:solidFill>
+                  <a:srgbClr val="BB2CA2"/>
+                </a:solidFill>
+                <a:latin typeface="Menlo Regular"/>
+                <a:ea typeface="Menlo Regular"/>
+                <a:cs typeface="Menlo Regular"/>
+                <a:sym typeface="Menlo Regular"/>
+              </a:rPr>
+              <a:t>instanceof</a:t>
+            </a:r>
+            <a:r>
+              <a:rPr sz="1100">
+                <a:latin typeface="Menlo Regular"/>
+                <a:ea typeface="Menlo Regular"/>
+                <a:cs typeface="Menlo Regular"/>
+                <a:sym typeface="Menlo Regular"/>
+              </a:rPr>
+              <a:t> JMenuItem) {</a:t>
+            </a:r>
+            <a:endParaRPr sz="1100">
+              <a:latin typeface="Menlo Regular"/>
+              <a:ea typeface="Menlo Regular"/>
+              <a:cs typeface="Menlo Regular"/>
+              <a:sym typeface="Menlo Regular"/>
+            </a:endParaRPr>
+          </a:p>
+          <a:p>
+            <a:pPr lvl="0" marL="0" indent="0" defTabSz="457200">
+              <a:spcBef>
+                <a:spcPts val="0"/>
+              </a:spcBef>
+              <a:buSzTx/>
+              <a:buNone/>
+              <a:tabLst>
+                <a:tab pos="330200" algn="l"/>
+              </a:tabLst>
+              <a:defRPr sz="1800"/>
+            </a:pPr>
+            <a:r>
+              <a:rPr sz="1100">
+                <a:latin typeface="Menlo Regular"/>
+                <a:ea typeface="Menlo Regular"/>
+                <a:cs typeface="Menlo Regular"/>
+                <a:sym typeface="Menlo Regular"/>
+              </a:rPr>
+              <a:t>      JMenuItem item = (JMenuItem) evt.getSource();</a:t>
+            </a:r>
+            <a:endParaRPr sz="1100">
+              <a:latin typeface="Menlo Regular"/>
+              <a:ea typeface="Menlo Regular"/>
+              <a:cs typeface="Menlo Regular"/>
+              <a:sym typeface="Menlo Regular"/>
+            </a:endParaRPr>
+          </a:p>
+          <a:p>
+            <a:pPr lvl="0" marL="0" indent="0" defTabSz="457200">
+              <a:spcBef>
+                <a:spcPts val="0"/>
+              </a:spcBef>
+              <a:buSzTx/>
+              <a:buNone/>
+              <a:tabLst>
+                <a:tab pos="330200" algn="l"/>
+              </a:tabLst>
+              <a:defRPr sz="1800"/>
+            </a:pPr>
+            <a:r>
+              <a:rPr sz="1100">
+                <a:latin typeface="Menlo Regular"/>
+                <a:ea typeface="Menlo Regular"/>
+                <a:cs typeface="Menlo Regular"/>
+                <a:sym typeface="Menlo Regular"/>
+              </a:rPr>
+              <a:t>      </a:t>
+            </a:r>
+            <a:r>
+              <a:rPr sz="1100">
+                <a:solidFill>
+                  <a:srgbClr val="BB2CA2"/>
+                </a:solidFill>
+                <a:latin typeface="Menlo Regular"/>
+                <a:ea typeface="Menlo Regular"/>
+                <a:cs typeface="Menlo Regular"/>
+                <a:sym typeface="Menlo Regular"/>
+              </a:rPr>
+              <a:t>if</a:t>
+            </a:r>
+            <a:r>
+              <a:rPr sz="1100">
+                <a:latin typeface="Menlo Regular"/>
+                <a:ea typeface="Menlo Regular"/>
+                <a:cs typeface="Menlo Regular"/>
+                <a:sym typeface="Menlo Regular"/>
+              </a:rPr>
+              <a:t> (item.getText().equals(SimpleCellDesignerPlugin.ACTION)) {</a:t>
+            </a:r>
+            <a:endParaRPr sz="1100">
+              <a:latin typeface="Menlo Regular"/>
+              <a:ea typeface="Menlo Regular"/>
+              <a:cs typeface="Menlo Regular"/>
+              <a:sym typeface="Menlo Regular"/>
+            </a:endParaRPr>
+          </a:p>
+          <a:p>
+            <a:pPr lvl="0" marL="0" indent="0" defTabSz="457200">
+              <a:spcBef>
+                <a:spcPts val="0"/>
+              </a:spcBef>
+              <a:buSzTx/>
+              <a:buNone/>
+              <a:tabLst>
+                <a:tab pos="330200" algn="l"/>
+              </a:tabLst>
+              <a:defRPr sz="1800"/>
+            </a:pPr>
+            <a:r>
+              <a:rPr sz="1100">
+                <a:latin typeface="Menlo Regular"/>
+                <a:ea typeface="Menlo Regular"/>
+                <a:cs typeface="Menlo Regular"/>
+                <a:sym typeface="Menlo Regular"/>
+              </a:rPr>
+              <a:t>        </a:t>
+            </a:r>
+            <a:r>
+              <a:rPr sz="1100">
+                <a:solidFill>
+                  <a:srgbClr val="BB2CA2"/>
+                </a:solidFill>
+                <a:latin typeface="Menlo Regular"/>
+                <a:ea typeface="Menlo Regular"/>
+                <a:cs typeface="Menlo Regular"/>
+                <a:sym typeface="Menlo Regular"/>
+              </a:rPr>
+              <a:t>try</a:t>
+            </a:r>
+            <a:r>
+              <a:rPr sz="1100">
+                <a:latin typeface="Menlo Regular"/>
+                <a:ea typeface="Menlo Regular"/>
+                <a:cs typeface="Menlo Regular"/>
+                <a:sym typeface="Menlo Regular"/>
+              </a:rPr>
+              <a:t> {</a:t>
+            </a:r>
+            <a:endParaRPr sz="1100">
+              <a:latin typeface="Menlo Regular"/>
+              <a:ea typeface="Menlo Regular"/>
+              <a:cs typeface="Menlo Regular"/>
+              <a:sym typeface="Menlo Regular"/>
+            </a:endParaRPr>
+          </a:p>
+          <a:p>
+            <a:pPr lvl="0" marL="0" indent="0" defTabSz="457200">
+              <a:spcBef>
+                <a:spcPts val="0"/>
+              </a:spcBef>
+              <a:buSzTx/>
+              <a:buNone/>
+              <a:tabLst>
+                <a:tab pos="330200" algn="l"/>
+              </a:tabLst>
+              <a:defRPr sz="1800"/>
+            </a:pPr>
+            <a:r>
+              <a:rPr sz="1100">
+                <a:latin typeface="Menlo Regular"/>
+                <a:ea typeface="Menlo Regular"/>
+                <a:cs typeface="Menlo Regular"/>
+                <a:sym typeface="Menlo Regular"/>
+              </a:rPr>
+              <a:t>          plugin.startPlugin();</a:t>
+            </a:r>
+            <a:endParaRPr sz="1100">
+              <a:latin typeface="Menlo Regular"/>
+              <a:ea typeface="Menlo Regular"/>
+              <a:cs typeface="Menlo Regular"/>
+              <a:sym typeface="Menlo Regular"/>
+            </a:endParaRPr>
+          </a:p>
+          <a:p>
+            <a:pPr lvl="0" marL="0" indent="0" defTabSz="457200">
+              <a:spcBef>
+                <a:spcPts val="0"/>
+              </a:spcBef>
+              <a:buSzTx/>
+              <a:buNone/>
+              <a:tabLst>
+                <a:tab pos="330200" algn="l"/>
+              </a:tabLst>
+              <a:defRPr sz="1800"/>
+            </a:pPr>
+            <a:r>
+              <a:rPr sz="1100">
+                <a:latin typeface="Menlo Regular"/>
+                <a:ea typeface="Menlo Regular"/>
+                <a:cs typeface="Menlo Regular"/>
+                <a:sym typeface="Menlo Regular"/>
+              </a:rPr>
+              <a:t>        } </a:t>
+            </a:r>
+            <a:r>
+              <a:rPr sz="1100">
+                <a:solidFill>
+                  <a:srgbClr val="BB2CA2"/>
+                </a:solidFill>
+                <a:latin typeface="Menlo Regular"/>
+                <a:ea typeface="Menlo Regular"/>
+                <a:cs typeface="Menlo Regular"/>
+                <a:sym typeface="Menlo Regular"/>
+              </a:rPr>
+              <a:t>catch</a:t>
+            </a:r>
+            <a:r>
+              <a:rPr sz="1100">
+                <a:latin typeface="Menlo Regular"/>
+                <a:ea typeface="Menlo Regular"/>
+                <a:cs typeface="Menlo Regular"/>
+                <a:sym typeface="Menlo Regular"/>
+              </a:rPr>
+              <a:t> (XMLStreamException exc) {</a:t>
+            </a:r>
+            <a:endParaRPr sz="1100">
+              <a:latin typeface="Menlo Regular"/>
+              <a:ea typeface="Menlo Regular"/>
+              <a:cs typeface="Menlo Regular"/>
+              <a:sym typeface="Menlo Regular"/>
+            </a:endParaRPr>
+          </a:p>
+          <a:p>
+            <a:pPr lvl="0" marL="0" indent="0" defTabSz="457200">
+              <a:spcBef>
+                <a:spcPts val="0"/>
+              </a:spcBef>
+              <a:buSzTx/>
+              <a:buNone/>
+              <a:tabLst>
+                <a:tab pos="330200" algn="l"/>
+              </a:tabLst>
+              <a:defRPr sz="1800"/>
+            </a:pPr>
+            <a:r>
+              <a:rPr sz="1100">
+                <a:latin typeface="Menlo Regular"/>
+                <a:ea typeface="Menlo Regular"/>
+                <a:cs typeface="Menlo Regular"/>
+                <a:sym typeface="Menlo Regular"/>
+              </a:rPr>
+              <a:t>          JOptionPane.showMessageDialog(item, exc.getMessage(),</a:t>
+            </a:r>
+            <a:endParaRPr sz="1100">
+              <a:latin typeface="Menlo Regular"/>
+              <a:ea typeface="Menlo Regular"/>
+              <a:cs typeface="Menlo Regular"/>
+              <a:sym typeface="Menlo Regular"/>
+            </a:endParaRPr>
+          </a:p>
+          <a:p>
+            <a:pPr lvl="0" marL="0" indent="0" defTabSz="457200">
+              <a:spcBef>
+                <a:spcPts val="0"/>
+              </a:spcBef>
+              <a:buSzTx/>
+              <a:buNone/>
+              <a:tabLst>
+                <a:tab pos="330200" algn="l"/>
+              </a:tabLst>
+              <a:defRPr sz="1800"/>
+            </a:pPr>
+            <a:r>
+              <a:rPr sz="1100">
+                <a:latin typeface="Menlo Regular"/>
+                <a:ea typeface="Menlo Regular"/>
+                <a:cs typeface="Menlo Regular"/>
+                <a:sym typeface="Menlo Regular"/>
+              </a:rPr>
+              <a:t>            exc.getClass().toString(), JOptionPane.ERROR_MESSAGE);</a:t>
+            </a:r>
+            <a:endParaRPr sz="1100">
+              <a:latin typeface="Menlo Regular"/>
+              <a:ea typeface="Menlo Regular"/>
+              <a:cs typeface="Menlo Regular"/>
+              <a:sym typeface="Menlo Regular"/>
+            </a:endParaRPr>
+          </a:p>
+          <a:p>
+            <a:pPr lvl="0" marL="0" indent="0" defTabSz="457200">
+              <a:spcBef>
+                <a:spcPts val="0"/>
+              </a:spcBef>
+              <a:buSzTx/>
+              <a:buNone/>
+              <a:tabLst>
+                <a:tab pos="330200" algn="l"/>
+              </a:tabLst>
+              <a:defRPr sz="1800"/>
+            </a:pPr>
+            <a:r>
+              <a:rPr sz="1100">
+                <a:latin typeface="Menlo Regular"/>
+                <a:ea typeface="Menlo Regular"/>
+                <a:cs typeface="Menlo Regular"/>
+                <a:sym typeface="Menlo Regular"/>
+              </a:rPr>
+              <a:t>          exc.printStackTrace();</a:t>
+            </a:r>
+            <a:endParaRPr sz="1100">
+              <a:latin typeface="Menlo Regular"/>
+              <a:ea typeface="Menlo Regular"/>
+              <a:cs typeface="Menlo Regular"/>
+              <a:sym typeface="Menlo Regular"/>
+            </a:endParaRPr>
+          </a:p>
+          <a:p>
+            <a:pPr lvl="0" marL="0" indent="0" defTabSz="457200">
+              <a:spcBef>
+                <a:spcPts val="0"/>
+              </a:spcBef>
+              <a:buSzTx/>
+              <a:buNone/>
+              <a:tabLst>
+                <a:tab pos="330200" algn="l"/>
+              </a:tabLst>
+              <a:defRPr sz="1800"/>
+            </a:pPr>
+            <a:r>
+              <a:rPr sz="1100">
+                <a:latin typeface="Menlo Regular"/>
+                <a:ea typeface="Menlo Regular"/>
+                <a:cs typeface="Menlo Regular"/>
+                <a:sym typeface="Menlo Regular"/>
+              </a:rPr>
+              <a:t>        }</a:t>
+            </a:r>
+            <a:endParaRPr sz="1100">
+              <a:latin typeface="Menlo Regular"/>
+              <a:ea typeface="Menlo Regular"/>
+              <a:cs typeface="Menlo Regular"/>
+              <a:sym typeface="Menlo Regular"/>
+            </a:endParaRPr>
+          </a:p>
+          <a:p>
+            <a:pPr lvl="0" marL="0" indent="0" defTabSz="457200">
+              <a:spcBef>
+                <a:spcPts val="0"/>
+              </a:spcBef>
+              <a:buSzTx/>
+              <a:buNone/>
+              <a:tabLst>
+                <a:tab pos="330200" algn="l"/>
+              </a:tabLst>
+              <a:defRPr sz="1800"/>
+            </a:pPr>
+            <a:r>
+              <a:rPr sz="1100">
+                <a:latin typeface="Menlo Regular"/>
+                <a:ea typeface="Menlo Regular"/>
+                <a:cs typeface="Menlo Regular"/>
+                <a:sym typeface="Menlo Regular"/>
+              </a:rPr>
+              <a:t>      }</a:t>
+            </a:r>
+            <a:endParaRPr sz="1100">
+              <a:latin typeface="Menlo Regular"/>
+              <a:ea typeface="Menlo Regular"/>
+              <a:cs typeface="Menlo Regular"/>
+              <a:sym typeface="Menlo Regular"/>
+            </a:endParaRPr>
+          </a:p>
+          <a:p>
+            <a:pPr lvl="0" marL="0" indent="0" defTabSz="457200">
+              <a:spcBef>
+                <a:spcPts val="0"/>
+              </a:spcBef>
+              <a:buSzTx/>
+              <a:buNone/>
+              <a:tabLst>
+                <a:tab pos="330200" algn="l"/>
+              </a:tabLst>
+              <a:defRPr sz="1800"/>
+            </a:pPr>
+            <a:r>
+              <a:rPr sz="1100">
+                <a:latin typeface="Menlo Regular"/>
+                <a:ea typeface="Menlo Regular"/>
+                <a:cs typeface="Menlo Regular"/>
+                <a:sym typeface="Menlo Regular"/>
+              </a:rPr>
+              <a:t>    } </a:t>
+            </a:r>
+            <a:r>
+              <a:rPr sz="1100">
+                <a:solidFill>
+                  <a:srgbClr val="BB2CA2"/>
+                </a:solidFill>
+                <a:latin typeface="Menlo Regular"/>
+                <a:ea typeface="Menlo Regular"/>
+                <a:cs typeface="Menlo Regular"/>
+                <a:sym typeface="Menlo Regular"/>
+              </a:rPr>
+              <a:t>else</a:t>
+            </a:r>
+            <a:r>
+              <a:rPr sz="1100">
+                <a:latin typeface="Menlo Regular"/>
+                <a:ea typeface="Menlo Regular"/>
+                <a:cs typeface="Menlo Regular"/>
+                <a:sym typeface="Menlo Regular"/>
+              </a:rPr>
+              <a:t> {</a:t>
+            </a:r>
+            <a:endParaRPr sz="1100">
+              <a:latin typeface="Menlo Regular"/>
+              <a:ea typeface="Menlo Regular"/>
+              <a:cs typeface="Menlo Regular"/>
+              <a:sym typeface="Menlo Regular"/>
+            </a:endParaRPr>
+          </a:p>
+          <a:p>
+            <a:pPr lvl="0" marL="0" indent="0" defTabSz="457200">
+              <a:spcBef>
+                <a:spcPts val="0"/>
+              </a:spcBef>
+              <a:buSzTx/>
+              <a:buNone/>
+              <a:tabLst>
+                <a:tab pos="330200" algn="l"/>
+              </a:tabLst>
+              <a:defRPr sz="1800"/>
+            </a:pPr>
+            <a:r>
+              <a:rPr sz="1100">
+                <a:latin typeface="Menlo Regular"/>
+                <a:ea typeface="Menlo Regular"/>
+                <a:cs typeface="Menlo Regular"/>
+                <a:sym typeface="Menlo Regular"/>
+              </a:rPr>
+              <a:t>      JOptionPane.showMessageDialog(</a:t>
+            </a:r>
+            <a:r>
+              <a:rPr sz="1100">
+                <a:solidFill>
+                  <a:srgbClr val="BB2CA2"/>
+                </a:solidFill>
+                <a:latin typeface="Menlo Regular"/>
+                <a:ea typeface="Menlo Regular"/>
+                <a:cs typeface="Menlo Regular"/>
+                <a:sym typeface="Menlo Regular"/>
+              </a:rPr>
+              <a:t>null</a:t>
+            </a:r>
+            <a:r>
+              <a:rPr sz="1100">
+                <a:latin typeface="Menlo Regular"/>
+                <a:ea typeface="Menlo Regular"/>
+                <a:cs typeface="Menlo Regular"/>
+                <a:sym typeface="Menlo Regular"/>
+              </a:rPr>
+              <a:t>, </a:t>
+            </a:r>
+            <a:r>
+              <a:rPr sz="1100">
+                <a:solidFill>
+                  <a:srgbClr val="D12F1B"/>
+                </a:solidFill>
+                <a:latin typeface="Menlo Regular"/>
+                <a:ea typeface="Menlo Regular"/>
+                <a:cs typeface="Menlo Regular"/>
+                <a:sym typeface="Menlo Regular"/>
+              </a:rPr>
+              <a:t>"Unsupported source of action "</a:t>
+            </a:r>
+            <a:endParaRPr sz="1100">
+              <a:latin typeface="Menlo Regular"/>
+              <a:ea typeface="Menlo Regular"/>
+              <a:cs typeface="Menlo Regular"/>
+              <a:sym typeface="Menlo Regular"/>
+            </a:endParaRPr>
+          </a:p>
+          <a:p>
+            <a:pPr lvl="0" marL="0" indent="0" defTabSz="457200">
+              <a:spcBef>
+                <a:spcPts val="0"/>
+              </a:spcBef>
+              <a:buSzTx/>
+              <a:buNone/>
+              <a:tabLst>
+                <a:tab pos="330200" algn="l"/>
+              </a:tabLst>
+              <a:defRPr sz="1800"/>
+            </a:pPr>
+            <a:r>
+              <a:rPr sz="1100">
+                <a:latin typeface="Menlo Regular"/>
+                <a:ea typeface="Menlo Regular"/>
+                <a:cs typeface="Menlo Regular"/>
+                <a:sym typeface="Menlo Regular"/>
+              </a:rPr>
+              <a:t>          + evt.getSource().getClass().getName(), </a:t>
+            </a:r>
+            <a:r>
+              <a:rPr sz="1100">
+                <a:solidFill>
+                  <a:srgbClr val="D12F1B"/>
+                </a:solidFill>
+                <a:latin typeface="Menlo Regular"/>
+                <a:ea typeface="Menlo Regular"/>
+                <a:cs typeface="Menlo Regular"/>
+                <a:sym typeface="Menlo Regular"/>
+              </a:rPr>
+              <a:t>"Invalid Action"</a:t>
+            </a:r>
+            <a:r>
+              <a:rPr sz="1100">
+                <a:latin typeface="Menlo Regular"/>
+                <a:ea typeface="Menlo Regular"/>
+                <a:cs typeface="Menlo Regular"/>
+                <a:sym typeface="Menlo Regular"/>
+              </a:rPr>
+              <a:t>,</a:t>
+            </a:r>
+            <a:endParaRPr sz="1100">
+              <a:latin typeface="Menlo Regular"/>
+              <a:ea typeface="Menlo Regular"/>
+              <a:cs typeface="Menlo Regular"/>
+              <a:sym typeface="Menlo Regular"/>
+            </a:endParaRPr>
+          </a:p>
+          <a:p>
+            <a:pPr lvl="0" marL="0" indent="0" defTabSz="457200">
+              <a:spcBef>
+                <a:spcPts val="0"/>
+              </a:spcBef>
+              <a:buSzTx/>
+              <a:buNone/>
+              <a:tabLst>
+                <a:tab pos="330200" algn="l"/>
+              </a:tabLst>
+              <a:defRPr sz="1800"/>
+            </a:pPr>
+            <a:r>
+              <a:rPr sz="1100">
+                <a:latin typeface="Menlo Regular"/>
+                <a:ea typeface="Menlo Regular"/>
+                <a:cs typeface="Menlo Regular"/>
+                <a:sym typeface="Menlo Regular"/>
+              </a:rPr>
+              <a:t>          JOptionPane.WARNING_MESSAGE);</a:t>
+            </a:r>
+            <a:endParaRPr sz="1100">
+              <a:latin typeface="Menlo Regular"/>
+              <a:ea typeface="Menlo Regular"/>
+              <a:cs typeface="Menlo Regular"/>
+              <a:sym typeface="Menlo Regular"/>
+            </a:endParaRPr>
+          </a:p>
+          <a:p>
+            <a:pPr lvl="0" marL="0" indent="0" defTabSz="457200">
+              <a:spcBef>
+                <a:spcPts val="0"/>
+              </a:spcBef>
+              <a:buSzTx/>
+              <a:buNone/>
+              <a:tabLst>
+                <a:tab pos="330200" algn="l"/>
+              </a:tabLst>
+              <a:defRPr sz="1800"/>
+            </a:pPr>
+            <a:r>
+              <a:rPr sz="1100">
+                <a:latin typeface="Menlo Regular"/>
+                <a:ea typeface="Menlo Regular"/>
+                <a:cs typeface="Menlo Regular"/>
+                <a:sym typeface="Menlo Regular"/>
+              </a:rPr>
+              <a:t>    }</a:t>
+            </a:r>
+            <a:endParaRPr sz="1100">
+              <a:latin typeface="Menlo Regular"/>
+              <a:ea typeface="Menlo Regular"/>
+              <a:cs typeface="Menlo Regular"/>
+              <a:sym typeface="Menlo Regular"/>
+            </a:endParaRPr>
+          </a:p>
+          <a:p>
+            <a:pPr lvl="0" marL="0" indent="0" defTabSz="457200">
+              <a:spcBef>
+                <a:spcPts val="0"/>
+              </a:spcBef>
+              <a:buSzTx/>
+              <a:buNone/>
+              <a:tabLst>
+                <a:tab pos="330200" algn="l"/>
+              </a:tabLst>
+              <a:defRPr sz="1800"/>
+            </a:pPr>
+            <a:r>
+              <a:rPr sz="1100">
+                <a:latin typeface="Menlo Regular"/>
+                <a:ea typeface="Menlo Regular"/>
+                <a:cs typeface="Menlo Regular"/>
+                <a:sym typeface="Menlo Regular"/>
+              </a:rPr>
+              <a:t>  }</a:t>
+            </a:r>
+            <a:endParaRPr sz="1100">
+              <a:latin typeface="Menlo Regular"/>
+              <a:ea typeface="Menlo Regular"/>
+              <a:cs typeface="Menlo Regular"/>
+              <a:sym typeface="Menlo Regular"/>
+            </a:endParaRPr>
+          </a:p>
+          <a:p>
+            <a:pPr lvl="0" marL="0" indent="0" defTabSz="457200">
+              <a:spcBef>
+                <a:spcPts val="0"/>
+              </a:spcBef>
+              <a:buSzTx/>
+              <a:buNone/>
+              <a:tabLst>
+                <a:tab pos="330200" algn="l"/>
+              </a:tabLst>
+              <a:defRPr sz="1800"/>
+            </a:pPr>
+            <a:r>
+              <a:rPr sz="1100">
+                <a:latin typeface="Menlo Regular"/>
+                <a:ea typeface="Menlo Regular"/>
+                <a:cs typeface="Menlo Regular"/>
+                <a:sym typeface="Menlo Regular"/>
+              </a:rPr>
+              <a:t>}</a:t>
+            </a:r>
+          </a:p>
+        </p:txBody>
+      </p:sp>
+      <p:sp>
+        <p:nvSpPr>
+          <p:cNvPr id="144" name="Shape 144"/>
+          <p:cNvSpPr/>
+          <p:nvPr>
+            <p:ph type="sldNum" sz="quarter" idx="2"/>
+          </p:nvPr>
+        </p:nvSpPr>
+        <p:spPr>
+          <a:prstGeom prst="rect">
+            <a:avLst/>
+          </a:prstGeom>
+          <a:extLst>
+            <a:ext uri="{C572A759-6A51-4108-AA02-DFA0A04FC94B}">
+              <ma14:wrappingTextBoxFlag xmlns:ma14="http://schemas.microsoft.com/office/mac/drawingml/2011/main" val="1"/>
+            </a:ext>
+          </a:extLst>
+        </p:spPr>
+        <p:txBody>
+          <a:bodyPr/>
+          <a:lstStyle/>
+          <a:p>
+            <a:pPr lvl="0">
+              <a:defRPr sz="1800"/>
+            </a:pPr>
+            <a:fld id="{86CB4B4D-7CA3-9044-876B-883B54F8677D}" type="slidenum">
+              <a:rPr sz="1400"/>
+            </a:fld>
+          </a:p>
+        </p:txBody>
+      </p:sp>
     </p:spTree>
   </p:cSld>
   <p:clrMapOvr>
@@ -8855,36 +10330,30 @@
       </p:grpSpPr>
       <p:sp>
         <p:nvSpPr>
-          <p:cNvPr id="142" name="Shape 142"/>
+          <p:cNvPr id="146" name="Shape 146"/>
           <p:cNvSpPr/>
           <p:nvPr>
-            <p:ph type="title" idx="4294967295"/>
+            <p:ph type="title"/>
           </p:nvPr>
         </p:nvSpPr>
         <p:spPr>
-          <a:xfrm>
-            <a:off x="457200" y="274638"/>
-            <a:ext cx="8229600" cy="1143001"/>
-          </a:xfrm>
           <a:prstGeom prst="rect">
             <a:avLst/>
           </a:prstGeom>
         </p:spPr>
         <p:txBody>
-          <a:bodyPr lIns="0" tIns="0" rIns="0" bIns="0">
-            <a:normAutofit fontScale="100000" lnSpcReduction="0"/>
-          </a:bodyPr>
+          <a:bodyPr/>
           <a:lstStyle/>
           <a:p>
-            <a:pPr lvl="0" defTabSz="795527">
-              <a:defRPr sz="1800"/>
-            </a:pPr>
-            <a:r>
-              <a:rPr sz="3828"/>
+            <a:pPr lvl="0">
+              <a:defRPr sz="1800"/>
+            </a:pPr>
+            <a:r>
+              <a:rPr sz="4400"/>
               <a:t>CellDesigner module: Example for a </a:t>
             </a:r>
             <a:r>
-              <a:rPr sz="3828">
+              <a:rPr sz="4400">
                 <a:latin typeface="Consolas"/>
                 <a:ea typeface="Consolas"/>
                 <a:cs typeface="Consolas"/>
@@ -8895,33 +10364,1588 @@
           </a:p>
         </p:txBody>
       </p:sp>
-      <p:pic>
-        <p:nvPicPr>
-          <p:cNvPr id="143" name="image27.png"/>
-          <p:cNvPicPr/>
-          <p:nvPr/>
-        </p:nvPicPr>
-        <p:blipFill>
-          <a:blip r:embed="rId2">
-            <a:extLst/>
-          </a:blip>
-          <a:stretch>
-            <a:fillRect/>
-          </a:stretch>
-        </p:blipFill>
+      <p:sp>
+        <p:nvSpPr>
+          <p:cNvPr id="147" name="Shape 147"/>
+          <p:cNvSpPr/>
+          <p:nvPr>
+            <p:ph type="body" idx="1"/>
+          </p:nvPr>
+        </p:nvSpPr>
         <p:spPr>
-          <a:xfrm>
-            <a:off x="1635125" y="1600200"/>
-            <a:ext cx="5873750" cy="4525963"/>
-          </a:xfrm>
           <a:prstGeom prst="rect">
             <a:avLst/>
           </a:prstGeom>
-          <a:ln w="12700">
-            <a:miter lim="400000"/>
-          </a:ln>
         </p:spPr>
-      </p:pic>
+        <p:txBody>
+          <a:bodyPr/>
+          <a:lstStyle/>
+          <a:p>
+            <a:pPr lvl="0" marL="0" indent="0" defTabSz="457200">
+              <a:spcBef>
+                <a:spcPts val="0"/>
+              </a:spcBef>
+              <a:buSzTx/>
+              <a:buNone/>
+              <a:tabLst>
+                <a:tab pos="330200" algn="l"/>
+              </a:tabLst>
+              <a:defRPr sz="1800"/>
+            </a:pPr>
+            <a:r>
+              <a:rPr sz="1000">
+                <a:solidFill>
+                  <a:srgbClr val="BB2CA2"/>
+                </a:solidFill>
+                <a:latin typeface="Menlo Regular"/>
+                <a:ea typeface="Menlo Regular"/>
+                <a:cs typeface="Menlo Regular"/>
+                <a:sym typeface="Menlo Regular"/>
+              </a:rPr>
+              <a:t>public</a:t>
+            </a:r>
+            <a:r>
+              <a:rPr sz="1000">
+                <a:latin typeface="Menlo Regular"/>
+                <a:ea typeface="Menlo Regular"/>
+                <a:cs typeface="Menlo Regular"/>
+                <a:sym typeface="Menlo Regular"/>
+              </a:rPr>
+              <a:t> </a:t>
+            </a:r>
+            <a:r>
+              <a:rPr sz="1000">
+                <a:solidFill>
+                  <a:srgbClr val="BB2CA2"/>
+                </a:solidFill>
+                <a:latin typeface="Menlo Regular"/>
+                <a:ea typeface="Menlo Regular"/>
+                <a:cs typeface="Menlo Regular"/>
+                <a:sym typeface="Menlo Regular"/>
+              </a:rPr>
+              <a:t>class</a:t>
+            </a:r>
+            <a:r>
+              <a:rPr sz="1000">
+                <a:latin typeface="Menlo Regular"/>
+                <a:ea typeface="Menlo Regular"/>
+                <a:cs typeface="Menlo Regular"/>
+                <a:sym typeface="Menlo Regular"/>
+              </a:rPr>
+              <a:t> SimpleCellDesignerPlugin </a:t>
+            </a:r>
+            <a:r>
+              <a:rPr sz="1000">
+                <a:solidFill>
+                  <a:srgbClr val="BB2CA2"/>
+                </a:solidFill>
+                <a:latin typeface="Menlo Regular"/>
+                <a:ea typeface="Menlo Regular"/>
+                <a:cs typeface="Menlo Regular"/>
+                <a:sym typeface="Menlo Regular"/>
+              </a:rPr>
+              <a:t>extends</a:t>
+            </a:r>
+            <a:r>
+              <a:rPr sz="1000">
+                <a:latin typeface="Menlo Regular"/>
+                <a:ea typeface="Menlo Regular"/>
+                <a:cs typeface="Menlo Regular"/>
+                <a:sym typeface="Menlo Regular"/>
+              </a:rPr>
+              <a:t> AbstractCellDesignerPlugin {</a:t>
+            </a:r>
+            <a:endParaRPr sz="1000">
+              <a:latin typeface="Menlo Regular"/>
+              <a:ea typeface="Menlo Regular"/>
+              <a:cs typeface="Menlo Regular"/>
+              <a:sym typeface="Menlo Regular"/>
+            </a:endParaRPr>
+          </a:p>
+          <a:p>
+            <a:pPr lvl="0" marL="0" indent="0" defTabSz="457200">
+              <a:spcBef>
+                <a:spcPts val="0"/>
+              </a:spcBef>
+              <a:buSzTx/>
+              <a:buNone/>
+              <a:tabLst>
+                <a:tab pos="330200" algn="l"/>
+              </a:tabLst>
+              <a:defRPr sz="1800"/>
+            </a:pPr>
+            <a:endParaRPr sz="1000">
+              <a:latin typeface="Menlo Regular"/>
+              <a:ea typeface="Menlo Regular"/>
+              <a:cs typeface="Menlo Regular"/>
+              <a:sym typeface="Menlo Regular"/>
+            </a:endParaRPr>
+          </a:p>
+          <a:p>
+            <a:pPr lvl="0" marL="0" indent="0" defTabSz="457200">
+              <a:spcBef>
+                <a:spcPts val="0"/>
+              </a:spcBef>
+              <a:buSzTx/>
+              <a:buNone/>
+              <a:tabLst>
+                <a:tab pos="330200" algn="l"/>
+              </a:tabLst>
+              <a:defRPr sz="1800"/>
+            </a:pPr>
+            <a:r>
+              <a:rPr sz="1000">
+                <a:latin typeface="Menlo Regular"/>
+                <a:ea typeface="Menlo Regular"/>
+                <a:cs typeface="Menlo Regular"/>
+                <a:sym typeface="Menlo Regular"/>
+              </a:rPr>
+              <a:t>  </a:t>
+            </a:r>
+            <a:r>
+              <a:rPr sz="1000">
+                <a:solidFill>
+                  <a:srgbClr val="BB2CA2"/>
+                </a:solidFill>
+                <a:latin typeface="Menlo Regular"/>
+                <a:ea typeface="Menlo Regular"/>
+                <a:cs typeface="Menlo Regular"/>
+                <a:sym typeface="Menlo Regular"/>
+              </a:rPr>
+              <a:t>public</a:t>
+            </a:r>
+            <a:r>
+              <a:rPr sz="1000">
+                <a:latin typeface="Menlo Regular"/>
+                <a:ea typeface="Menlo Regular"/>
+                <a:cs typeface="Menlo Regular"/>
+                <a:sym typeface="Menlo Regular"/>
+              </a:rPr>
+              <a:t> </a:t>
+            </a:r>
+            <a:r>
+              <a:rPr sz="1000">
+                <a:solidFill>
+                  <a:srgbClr val="BB2CA2"/>
+                </a:solidFill>
+                <a:latin typeface="Menlo Regular"/>
+                <a:ea typeface="Menlo Regular"/>
+                <a:cs typeface="Menlo Regular"/>
+                <a:sym typeface="Menlo Regular"/>
+              </a:rPr>
+              <a:t>static</a:t>
+            </a:r>
+            <a:r>
+              <a:rPr sz="1000">
+                <a:latin typeface="Menlo Regular"/>
+                <a:ea typeface="Menlo Regular"/>
+                <a:cs typeface="Menlo Regular"/>
+                <a:sym typeface="Menlo Regular"/>
+              </a:rPr>
+              <a:t> </a:t>
+            </a:r>
+            <a:r>
+              <a:rPr sz="1000">
+                <a:solidFill>
+                  <a:srgbClr val="BB2CA2"/>
+                </a:solidFill>
+                <a:latin typeface="Menlo Regular"/>
+                <a:ea typeface="Menlo Regular"/>
+                <a:cs typeface="Menlo Regular"/>
+                <a:sym typeface="Menlo Regular"/>
+              </a:rPr>
+              <a:t>final</a:t>
+            </a:r>
+            <a:r>
+              <a:rPr sz="1000">
+                <a:latin typeface="Menlo Regular"/>
+                <a:ea typeface="Menlo Regular"/>
+                <a:cs typeface="Menlo Regular"/>
+                <a:sym typeface="Menlo Regular"/>
+              </a:rPr>
+              <a:t> String ACTION = </a:t>
+            </a:r>
+            <a:r>
+              <a:rPr sz="1000">
+                <a:solidFill>
+                  <a:srgbClr val="D12F1B"/>
+                </a:solidFill>
+                <a:latin typeface="Menlo Regular"/>
+                <a:ea typeface="Menlo Regular"/>
+                <a:cs typeface="Menlo Regular"/>
+                <a:sym typeface="Menlo Regular"/>
+              </a:rPr>
+              <a:t>"Display full model tree"</a:t>
+            </a:r>
+            <a:r>
+              <a:rPr sz="1000">
+                <a:latin typeface="Menlo Regular"/>
+                <a:ea typeface="Menlo Regular"/>
+                <a:cs typeface="Menlo Regular"/>
+                <a:sym typeface="Menlo Regular"/>
+              </a:rPr>
+              <a:t>;</a:t>
+            </a:r>
+            <a:endParaRPr sz="1000">
+              <a:latin typeface="Menlo Regular"/>
+              <a:ea typeface="Menlo Regular"/>
+              <a:cs typeface="Menlo Regular"/>
+              <a:sym typeface="Menlo Regular"/>
+            </a:endParaRPr>
+          </a:p>
+          <a:p>
+            <a:pPr lvl="0" marL="0" indent="0" defTabSz="457200">
+              <a:spcBef>
+                <a:spcPts val="0"/>
+              </a:spcBef>
+              <a:buSzTx/>
+              <a:buNone/>
+              <a:tabLst>
+                <a:tab pos="330200" algn="l"/>
+              </a:tabLst>
+              <a:defRPr sz="1800"/>
+            </a:pPr>
+            <a:r>
+              <a:rPr sz="1000">
+                <a:latin typeface="Menlo Regular"/>
+                <a:ea typeface="Menlo Regular"/>
+                <a:cs typeface="Menlo Regular"/>
+                <a:sym typeface="Menlo Regular"/>
+              </a:rPr>
+              <a:t>  </a:t>
+            </a:r>
+            <a:r>
+              <a:rPr sz="1000">
+                <a:solidFill>
+                  <a:srgbClr val="BB2CA2"/>
+                </a:solidFill>
+                <a:latin typeface="Menlo Regular"/>
+                <a:ea typeface="Menlo Regular"/>
+                <a:cs typeface="Menlo Regular"/>
+                <a:sym typeface="Menlo Regular"/>
+              </a:rPr>
+              <a:t>public</a:t>
+            </a:r>
+            <a:r>
+              <a:rPr sz="1000">
+                <a:latin typeface="Menlo Regular"/>
+                <a:ea typeface="Menlo Regular"/>
+                <a:cs typeface="Menlo Regular"/>
+                <a:sym typeface="Menlo Regular"/>
+              </a:rPr>
+              <a:t> </a:t>
+            </a:r>
+            <a:r>
+              <a:rPr sz="1000">
+                <a:solidFill>
+                  <a:srgbClr val="BB2CA2"/>
+                </a:solidFill>
+                <a:latin typeface="Menlo Regular"/>
+                <a:ea typeface="Menlo Regular"/>
+                <a:cs typeface="Menlo Regular"/>
+                <a:sym typeface="Menlo Regular"/>
+              </a:rPr>
+              <a:t>static</a:t>
+            </a:r>
+            <a:r>
+              <a:rPr sz="1000">
+                <a:latin typeface="Menlo Regular"/>
+                <a:ea typeface="Menlo Regular"/>
+                <a:cs typeface="Menlo Regular"/>
+                <a:sym typeface="Menlo Regular"/>
+              </a:rPr>
+              <a:t> </a:t>
+            </a:r>
+            <a:r>
+              <a:rPr sz="1000">
+                <a:solidFill>
+                  <a:srgbClr val="BB2CA2"/>
+                </a:solidFill>
+                <a:latin typeface="Menlo Regular"/>
+                <a:ea typeface="Menlo Regular"/>
+                <a:cs typeface="Menlo Regular"/>
+                <a:sym typeface="Menlo Regular"/>
+              </a:rPr>
+              <a:t>final</a:t>
+            </a:r>
+            <a:r>
+              <a:rPr sz="1000">
+                <a:latin typeface="Menlo Regular"/>
+                <a:ea typeface="Menlo Regular"/>
+                <a:cs typeface="Menlo Regular"/>
+                <a:sym typeface="Menlo Regular"/>
+              </a:rPr>
+              <a:t> String APPLICATION_NAME = </a:t>
+            </a:r>
+            <a:r>
+              <a:rPr sz="1000">
+                <a:solidFill>
+                  <a:srgbClr val="D12F1B"/>
+                </a:solidFill>
+                <a:latin typeface="Menlo Regular"/>
+                <a:ea typeface="Menlo Regular"/>
+                <a:cs typeface="Menlo Regular"/>
+                <a:sym typeface="Menlo Regular"/>
+              </a:rPr>
+              <a:t>"Simple Plugin"</a:t>
+            </a:r>
+            <a:r>
+              <a:rPr sz="1000">
+                <a:latin typeface="Menlo Regular"/>
+                <a:ea typeface="Menlo Regular"/>
+                <a:cs typeface="Menlo Regular"/>
+                <a:sym typeface="Menlo Regular"/>
+              </a:rPr>
+              <a:t>;</a:t>
+            </a:r>
+            <a:endParaRPr sz="1000">
+              <a:latin typeface="Menlo Regular"/>
+              <a:ea typeface="Menlo Regular"/>
+              <a:cs typeface="Menlo Regular"/>
+              <a:sym typeface="Menlo Regular"/>
+            </a:endParaRPr>
+          </a:p>
+          <a:p>
+            <a:pPr lvl="0" marL="0" indent="0" defTabSz="457200">
+              <a:spcBef>
+                <a:spcPts val="0"/>
+              </a:spcBef>
+              <a:buSzTx/>
+              <a:buNone/>
+              <a:tabLst>
+                <a:tab pos="330200" algn="l"/>
+              </a:tabLst>
+              <a:defRPr sz="1800"/>
+            </a:pPr>
+            <a:endParaRPr sz="1000">
+              <a:latin typeface="Menlo Regular"/>
+              <a:ea typeface="Menlo Regular"/>
+              <a:cs typeface="Menlo Regular"/>
+              <a:sym typeface="Menlo Regular"/>
+            </a:endParaRPr>
+          </a:p>
+          <a:p>
+            <a:pPr lvl="0" marL="0" indent="0" defTabSz="457200">
+              <a:spcBef>
+                <a:spcPts val="0"/>
+              </a:spcBef>
+              <a:buSzTx/>
+              <a:buNone/>
+              <a:tabLst>
+                <a:tab pos="330200" algn="l"/>
+              </a:tabLst>
+              <a:defRPr sz="1800"/>
+            </a:pPr>
+            <a:r>
+              <a:rPr sz="1000">
+                <a:solidFill>
+                  <a:srgbClr val="008400"/>
+                </a:solidFill>
+                <a:latin typeface="Menlo Regular"/>
+                <a:ea typeface="Menlo Regular"/>
+                <a:cs typeface="Menlo Regular"/>
+                <a:sym typeface="Menlo Regular"/>
+              </a:rPr>
+              <a:t>  </a:t>
+            </a:r>
+            <a:r>
+              <a:rPr sz="1000">
+                <a:solidFill>
+                  <a:srgbClr val="BB2CA2"/>
+                </a:solidFill>
+                <a:latin typeface="Menlo Regular"/>
+                <a:ea typeface="Menlo Regular"/>
+                <a:cs typeface="Menlo Regular"/>
+                <a:sym typeface="Menlo Regular"/>
+              </a:rPr>
+              <a:t>private</a:t>
+            </a:r>
+            <a:r>
+              <a:rPr sz="1000">
+                <a:solidFill>
+                  <a:srgbClr val="008400"/>
+                </a:solidFill>
+                <a:latin typeface="Menlo Regular"/>
+                <a:ea typeface="Menlo Regular"/>
+                <a:cs typeface="Menlo Regular"/>
+                <a:sym typeface="Menlo Regular"/>
+              </a:rPr>
+              <a:t> PluginSBMLReader reader;</a:t>
+            </a:r>
+            <a:endParaRPr sz="1000">
+              <a:solidFill>
+                <a:srgbClr val="008400"/>
+              </a:solidFill>
+              <a:latin typeface="Menlo Regular"/>
+              <a:ea typeface="Menlo Regular"/>
+              <a:cs typeface="Menlo Regular"/>
+              <a:sym typeface="Menlo Regular"/>
+            </a:endParaRPr>
+          </a:p>
+          <a:p>
+            <a:pPr lvl="0" marL="0" indent="0" defTabSz="457200">
+              <a:spcBef>
+                <a:spcPts val="0"/>
+              </a:spcBef>
+              <a:buSzTx/>
+              <a:buNone/>
+              <a:tabLst>
+                <a:tab pos="330200" algn="l"/>
+              </a:tabLst>
+              <a:defRPr sz="1800"/>
+            </a:pPr>
+            <a:endParaRPr sz="1000">
+              <a:latin typeface="Menlo Regular"/>
+              <a:ea typeface="Menlo Regular"/>
+              <a:cs typeface="Menlo Regular"/>
+              <a:sym typeface="Menlo Regular"/>
+            </a:endParaRPr>
+          </a:p>
+          <a:p>
+            <a:pPr lvl="0" marL="0" indent="0" defTabSz="457200">
+              <a:spcBef>
+                <a:spcPts val="0"/>
+              </a:spcBef>
+              <a:buSzTx/>
+              <a:buNone/>
+              <a:tabLst>
+                <a:tab pos="330200" algn="l"/>
+              </a:tabLst>
+              <a:defRPr sz="1800"/>
+            </a:pPr>
+            <a:r>
+              <a:rPr sz="1000">
+                <a:latin typeface="Menlo Regular"/>
+                <a:ea typeface="Menlo Regular"/>
+                <a:cs typeface="Menlo Regular"/>
+                <a:sym typeface="Menlo Regular"/>
+              </a:rPr>
+              <a:t>  </a:t>
+            </a:r>
+            <a:r>
+              <a:rPr sz="1000">
+                <a:solidFill>
+                  <a:srgbClr val="008400"/>
+                </a:solidFill>
+                <a:latin typeface="Menlo Regular"/>
+                <a:ea typeface="Menlo Regular"/>
+                <a:cs typeface="Menlo Regular"/>
+                <a:sym typeface="Menlo Regular"/>
+              </a:rPr>
+              <a:t>/** Creates a new CellDesigner plugin with an entry in the menu bar. */</a:t>
+            </a:r>
+            <a:endParaRPr sz="1000">
+              <a:latin typeface="Menlo Regular"/>
+              <a:ea typeface="Menlo Regular"/>
+              <a:cs typeface="Menlo Regular"/>
+              <a:sym typeface="Menlo Regular"/>
+            </a:endParaRPr>
+          </a:p>
+          <a:p>
+            <a:pPr lvl="0" marL="0" indent="0" defTabSz="457200">
+              <a:spcBef>
+                <a:spcPts val="0"/>
+              </a:spcBef>
+              <a:buSzTx/>
+              <a:buNone/>
+              <a:tabLst>
+                <a:tab pos="330200" algn="l"/>
+              </a:tabLst>
+              <a:defRPr sz="1800"/>
+            </a:pPr>
+            <a:r>
+              <a:rPr sz="1000">
+                <a:latin typeface="Menlo Regular"/>
+                <a:ea typeface="Menlo Regular"/>
+                <a:cs typeface="Menlo Regular"/>
+                <a:sym typeface="Menlo Regular"/>
+              </a:rPr>
+              <a:t>  </a:t>
+            </a:r>
+            <a:r>
+              <a:rPr sz="1000">
+                <a:solidFill>
+                  <a:srgbClr val="BB2CA2"/>
+                </a:solidFill>
+                <a:latin typeface="Menlo Regular"/>
+                <a:ea typeface="Menlo Regular"/>
+                <a:cs typeface="Menlo Regular"/>
+                <a:sym typeface="Menlo Regular"/>
+              </a:rPr>
+              <a:t>public</a:t>
+            </a:r>
+            <a:r>
+              <a:rPr sz="1000">
+                <a:latin typeface="Menlo Regular"/>
+                <a:ea typeface="Menlo Regular"/>
+                <a:cs typeface="Menlo Regular"/>
+                <a:sym typeface="Menlo Regular"/>
+              </a:rPr>
+              <a:t> SimpleCellDesignerPlugin() {</a:t>
+            </a:r>
+            <a:endParaRPr sz="1000">
+              <a:latin typeface="Menlo Regular"/>
+              <a:ea typeface="Menlo Regular"/>
+              <a:cs typeface="Menlo Regular"/>
+              <a:sym typeface="Menlo Regular"/>
+            </a:endParaRPr>
+          </a:p>
+          <a:p>
+            <a:pPr lvl="0" marL="0" indent="0" defTabSz="457200">
+              <a:spcBef>
+                <a:spcPts val="0"/>
+              </a:spcBef>
+              <a:buSzTx/>
+              <a:buNone/>
+              <a:tabLst>
+                <a:tab pos="330200" algn="l"/>
+              </a:tabLst>
+              <a:defRPr sz="1800"/>
+            </a:pPr>
+            <a:r>
+              <a:rPr sz="1000">
+                <a:solidFill>
+                  <a:srgbClr val="BB2CA2"/>
+                </a:solidFill>
+                <a:latin typeface="Menlo Regular"/>
+                <a:ea typeface="Menlo Regular"/>
+                <a:cs typeface="Menlo Regular"/>
+                <a:sym typeface="Menlo Regular"/>
+              </a:rPr>
+              <a:t>   try </a:t>
+            </a:r>
+            <a:r>
+              <a:rPr sz="1000">
+                <a:latin typeface="Menlo Regular"/>
+                <a:ea typeface="Menlo Regular"/>
+                <a:cs typeface="Menlo Regular"/>
+                <a:sym typeface="Menlo Regular"/>
+              </a:rPr>
+              <a:t>{</a:t>
+            </a:r>
+            <a:endParaRPr sz="1000">
+              <a:latin typeface="Menlo Regular"/>
+              <a:ea typeface="Menlo Regular"/>
+              <a:cs typeface="Menlo Regular"/>
+              <a:sym typeface="Menlo Regular"/>
+            </a:endParaRPr>
+          </a:p>
+          <a:p>
+            <a:pPr lvl="0" marL="0" indent="0" defTabSz="457200">
+              <a:spcBef>
+                <a:spcPts val="0"/>
+              </a:spcBef>
+              <a:buSzTx/>
+              <a:buNone/>
+              <a:tabLst>
+                <a:tab pos="330200" algn="l"/>
+              </a:tabLst>
+              <a:defRPr sz="1800"/>
+            </a:pPr>
+            <a:r>
+              <a:rPr sz="1000">
+                <a:latin typeface="Menlo Regular"/>
+                <a:ea typeface="Menlo Regular"/>
+                <a:cs typeface="Menlo Regular"/>
+                <a:sym typeface="Menlo Regular"/>
+              </a:rPr>
+              <a:t>      reader = </a:t>
+            </a:r>
+            <a:r>
+              <a:rPr sz="1000">
+                <a:solidFill>
+                  <a:srgbClr val="BB2CA2"/>
+                </a:solidFill>
+                <a:latin typeface="Menlo Regular"/>
+                <a:ea typeface="Menlo Regular"/>
+                <a:cs typeface="Menlo Regular"/>
+                <a:sym typeface="Menlo Regular"/>
+              </a:rPr>
+              <a:t>new</a:t>
+            </a:r>
+            <a:r>
+              <a:rPr sz="1000">
+                <a:latin typeface="Menlo Regular"/>
+                <a:ea typeface="Menlo Regular"/>
+                <a:cs typeface="Menlo Regular"/>
+                <a:sym typeface="Menlo Regular"/>
+              </a:rPr>
+              <a:t> PluginSBMLReader(SBO.getPossibleEnzymes());</a:t>
+            </a:r>
+            <a:endParaRPr sz="1000">
+              <a:latin typeface="Menlo Regular"/>
+              <a:ea typeface="Menlo Regular"/>
+              <a:cs typeface="Menlo Regular"/>
+              <a:sym typeface="Menlo Regular"/>
+            </a:endParaRPr>
+          </a:p>
+          <a:p>
+            <a:pPr lvl="0" marL="0" indent="0" defTabSz="457200">
+              <a:spcBef>
+                <a:spcPts val="0"/>
+              </a:spcBef>
+              <a:buSzTx/>
+              <a:buNone/>
+              <a:tabLst>
+                <a:tab pos="330200" algn="l"/>
+              </a:tabLst>
+              <a:defRPr sz="1800"/>
+            </a:pPr>
+            <a:r>
+              <a:rPr sz="1000">
+                <a:latin typeface="Menlo Regular"/>
+                <a:ea typeface="Menlo Regular"/>
+                <a:cs typeface="Menlo Regular"/>
+                <a:sym typeface="Menlo Regular"/>
+              </a:rPr>
+              <a:t>      addPluginMenu();</a:t>
+            </a:r>
+            <a:endParaRPr sz="1000">
+              <a:latin typeface="Menlo Regular"/>
+              <a:ea typeface="Menlo Regular"/>
+              <a:cs typeface="Menlo Regular"/>
+              <a:sym typeface="Menlo Regular"/>
+            </a:endParaRPr>
+          </a:p>
+          <a:p>
+            <a:pPr lvl="0" marL="0" indent="0" defTabSz="457200">
+              <a:spcBef>
+                <a:spcPts val="0"/>
+              </a:spcBef>
+              <a:buSzTx/>
+              <a:buNone/>
+              <a:tabLst>
+                <a:tab pos="330200" algn="l"/>
+              </a:tabLst>
+              <a:defRPr sz="1800"/>
+            </a:pPr>
+            <a:r>
+              <a:rPr sz="1000">
+                <a:latin typeface="Menlo Regular"/>
+                <a:ea typeface="Menlo Regular"/>
+                <a:cs typeface="Menlo Regular"/>
+                <a:sym typeface="Menlo Regular"/>
+              </a:rPr>
+              <a:t>    } </a:t>
+            </a:r>
+            <a:r>
+              <a:rPr sz="1000">
+                <a:solidFill>
+                  <a:srgbClr val="BB2CA2"/>
+                </a:solidFill>
+                <a:latin typeface="Menlo Regular"/>
+                <a:ea typeface="Menlo Regular"/>
+                <a:cs typeface="Menlo Regular"/>
+                <a:sym typeface="Menlo Regular"/>
+              </a:rPr>
+              <a:t>catch</a:t>
+            </a:r>
+            <a:r>
+              <a:rPr sz="1000">
+                <a:latin typeface="Menlo Regular"/>
+                <a:ea typeface="Menlo Regular"/>
+                <a:cs typeface="Menlo Regular"/>
+                <a:sym typeface="Menlo Regular"/>
+              </a:rPr>
+              <a:t> (Throwable exc) {</a:t>
+            </a:r>
+            <a:endParaRPr sz="1000">
+              <a:latin typeface="Menlo Regular"/>
+              <a:ea typeface="Menlo Regular"/>
+              <a:cs typeface="Menlo Regular"/>
+              <a:sym typeface="Menlo Regular"/>
+            </a:endParaRPr>
+          </a:p>
+          <a:p>
+            <a:pPr lvl="0" marL="0" indent="0" defTabSz="457200">
+              <a:spcBef>
+                <a:spcPts val="0"/>
+              </a:spcBef>
+              <a:buSzTx/>
+              <a:buNone/>
+              <a:tabLst>
+                <a:tab pos="330200" algn="l"/>
+              </a:tabLst>
+              <a:defRPr sz="1800"/>
+            </a:pPr>
+            <a:r>
+              <a:rPr sz="1000">
+                <a:latin typeface="Menlo Regular"/>
+                <a:ea typeface="Menlo Regular"/>
+                <a:cs typeface="Menlo Regular"/>
+                <a:sym typeface="Menlo Regular"/>
+              </a:rPr>
+              <a:t>      exc.printStackTrace();</a:t>
+            </a:r>
+            <a:endParaRPr sz="1000">
+              <a:latin typeface="Menlo Regular"/>
+              <a:ea typeface="Menlo Regular"/>
+              <a:cs typeface="Menlo Regular"/>
+              <a:sym typeface="Menlo Regular"/>
+            </a:endParaRPr>
+          </a:p>
+          <a:p>
+            <a:pPr lvl="0" marL="0" indent="0" defTabSz="457200">
+              <a:spcBef>
+                <a:spcPts val="0"/>
+              </a:spcBef>
+              <a:buSzTx/>
+              <a:buNone/>
+              <a:tabLst>
+                <a:tab pos="330200" algn="l"/>
+              </a:tabLst>
+              <a:defRPr sz="1800"/>
+            </a:pPr>
+            <a:r>
+              <a:rPr sz="1000">
+                <a:latin typeface="Menlo Regular"/>
+                <a:ea typeface="Menlo Regular"/>
+                <a:cs typeface="Menlo Regular"/>
+                <a:sym typeface="Menlo Regular"/>
+              </a:rPr>
+              <a:t>    }</a:t>
+            </a:r>
+            <a:endParaRPr sz="1000">
+              <a:latin typeface="Menlo Regular"/>
+              <a:ea typeface="Menlo Regular"/>
+              <a:cs typeface="Menlo Regular"/>
+              <a:sym typeface="Menlo Regular"/>
+            </a:endParaRPr>
+          </a:p>
+          <a:p>
+            <a:pPr lvl="0" marL="0" indent="0" defTabSz="457200">
+              <a:spcBef>
+                <a:spcPts val="0"/>
+              </a:spcBef>
+              <a:buSzTx/>
+              <a:buNone/>
+              <a:tabLst>
+                <a:tab pos="330200" algn="l"/>
+              </a:tabLst>
+              <a:defRPr sz="1800"/>
+            </a:pPr>
+            <a:r>
+              <a:rPr sz="1000">
+                <a:latin typeface="Menlo Regular"/>
+                <a:ea typeface="Menlo Regular"/>
+                <a:cs typeface="Menlo Regular"/>
+                <a:sym typeface="Menlo Regular"/>
+              </a:rPr>
+              <a:t>  }</a:t>
+            </a:r>
+            <a:endParaRPr sz="1000">
+              <a:latin typeface="Menlo Regular"/>
+              <a:ea typeface="Menlo Regular"/>
+              <a:cs typeface="Menlo Regular"/>
+              <a:sym typeface="Menlo Regular"/>
+            </a:endParaRPr>
+          </a:p>
+          <a:p>
+            <a:pPr lvl="0" marL="0" indent="0" defTabSz="457200">
+              <a:spcBef>
+                <a:spcPts val="0"/>
+              </a:spcBef>
+              <a:buSzTx/>
+              <a:buNone/>
+              <a:tabLst>
+                <a:tab pos="330200" algn="l"/>
+              </a:tabLst>
+              <a:defRPr sz="1800"/>
+            </a:pPr>
+            <a:endParaRPr sz="1000">
+              <a:latin typeface="Menlo Regular"/>
+              <a:ea typeface="Menlo Regular"/>
+              <a:cs typeface="Menlo Regular"/>
+              <a:sym typeface="Menlo Regular"/>
+            </a:endParaRPr>
+          </a:p>
+          <a:p>
+            <a:pPr lvl="0" marL="0" indent="0" defTabSz="457200">
+              <a:spcBef>
+                <a:spcPts val="0"/>
+              </a:spcBef>
+              <a:buSzTx/>
+              <a:buNone/>
+              <a:tabLst>
+                <a:tab pos="330200" algn="l"/>
+              </a:tabLst>
+              <a:defRPr sz="1800"/>
+            </a:pPr>
+            <a:r>
+              <a:rPr sz="1000">
+                <a:latin typeface="Menlo Regular"/>
+                <a:ea typeface="Menlo Regular"/>
+                <a:cs typeface="Menlo Regular"/>
+                <a:sym typeface="Menlo Regular"/>
+              </a:rPr>
+              <a:t> </a:t>
+            </a:r>
+            <a:r>
+              <a:rPr sz="1000">
+                <a:solidFill>
+                  <a:srgbClr val="008400"/>
+                </a:solidFill>
+                <a:latin typeface="Menlo Regular"/>
+                <a:ea typeface="Menlo Regular"/>
+                <a:cs typeface="Menlo Regular"/>
+                <a:sym typeface="Menlo Regular"/>
+              </a:rPr>
+              <a:t> @Override</a:t>
+            </a:r>
+            <a:endParaRPr sz="1000">
+              <a:solidFill>
+                <a:srgbClr val="008400"/>
+              </a:solidFill>
+              <a:latin typeface="Menlo Regular"/>
+              <a:ea typeface="Menlo Regular"/>
+              <a:cs typeface="Menlo Regular"/>
+              <a:sym typeface="Menlo Regular"/>
+            </a:endParaRPr>
+          </a:p>
+          <a:p>
+            <a:pPr lvl="0" marL="0" indent="0" defTabSz="457200">
+              <a:spcBef>
+                <a:spcPts val="0"/>
+              </a:spcBef>
+              <a:buSzTx/>
+              <a:buNone/>
+              <a:tabLst>
+                <a:tab pos="330200" algn="l"/>
+              </a:tabLst>
+              <a:defRPr sz="1800"/>
+            </a:pPr>
+            <a:r>
+              <a:rPr sz="1000">
+                <a:latin typeface="Menlo Regular"/>
+                <a:ea typeface="Menlo Regular"/>
+                <a:cs typeface="Menlo Regular"/>
+                <a:sym typeface="Menlo Regular"/>
+              </a:rPr>
+              <a:t>  </a:t>
+            </a:r>
+            <a:r>
+              <a:rPr sz="1000">
+                <a:solidFill>
+                  <a:srgbClr val="BB2CA2"/>
+                </a:solidFill>
+                <a:latin typeface="Menlo Regular"/>
+                <a:ea typeface="Menlo Regular"/>
+                <a:cs typeface="Menlo Regular"/>
+                <a:sym typeface="Menlo Regular"/>
+              </a:rPr>
+              <a:t>public</a:t>
+            </a:r>
+            <a:r>
+              <a:rPr sz="1000">
+                <a:latin typeface="Menlo Regular"/>
+                <a:ea typeface="Menlo Regular"/>
+                <a:cs typeface="Menlo Regular"/>
+                <a:sym typeface="Menlo Regular"/>
+              </a:rPr>
+              <a:t> </a:t>
+            </a:r>
+            <a:r>
+              <a:rPr sz="1000">
+                <a:solidFill>
+                  <a:srgbClr val="BB2CA2"/>
+                </a:solidFill>
+                <a:latin typeface="Menlo Regular"/>
+                <a:ea typeface="Menlo Regular"/>
+                <a:cs typeface="Menlo Regular"/>
+                <a:sym typeface="Menlo Regular"/>
+              </a:rPr>
+              <a:t>void</a:t>
+            </a:r>
+            <a:r>
+              <a:rPr sz="1000">
+                <a:latin typeface="Menlo Regular"/>
+                <a:ea typeface="Menlo Regular"/>
+                <a:cs typeface="Menlo Regular"/>
+                <a:sym typeface="Menlo Regular"/>
+              </a:rPr>
+              <a:t> addPluginMenu() {</a:t>
+            </a:r>
+            <a:endParaRPr sz="1000">
+              <a:latin typeface="Menlo Regular"/>
+              <a:ea typeface="Menlo Regular"/>
+              <a:cs typeface="Menlo Regular"/>
+              <a:sym typeface="Menlo Regular"/>
+            </a:endParaRPr>
+          </a:p>
+          <a:p>
+            <a:pPr lvl="0" marL="0" indent="0" defTabSz="457200">
+              <a:spcBef>
+                <a:spcPts val="0"/>
+              </a:spcBef>
+              <a:buSzTx/>
+              <a:buNone/>
+              <a:tabLst>
+                <a:tab pos="330200" algn="l"/>
+              </a:tabLst>
+              <a:defRPr sz="1800"/>
+            </a:pPr>
+            <a:r>
+              <a:rPr sz="1000">
+                <a:latin typeface="Menlo Regular"/>
+                <a:ea typeface="Menlo Regular"/>
+                <a:cs typeface="Menlo Regular"/>
+                <a:sym typeface="Menlo Regular"/>
+              </a:rPr>
+              <a:t>    PluginMenu menu = </a:t>
+            </a:r>
+            <a:r>
+              <a:rPr sz="1000">
+                <a:solidFill>
+                  <a:srgbClr val="BB2CA2"/>
+                </a:solidFill>
+                <a:latin typeface="Menlo Regular"/>
+                <a:ea typeface="Menlo Regular"/>
+                <a:cs typeface="Menlo Regular"/>
+                <a:sym typeface="Menlo Regular"/>
+              </a:rPr>
+              <a:t>new</a:t>
+            </a:r>
+            <a:r>
+              <a:rPr sz="1000">
+                <a:latin typeface="Menlo Regular"/>
+                <a:ea typeface="Menlo Regular"/>
+                <a:cs typeface="Menlo Regular"/>
+                <a:sym typeface="Menlo Regular"/>
+              </a:rPr>
+              <a:t> PluginMenu(APPLICATION_NAME);</a:t>
+            </a:r>
+            <a:endParaRPr sz="1000">
+              <a:latin typeface="Menlo Regular"/>
+              <a:ea typeface="Menlo Regular"/>
+              <a:cs typeface="Menlo Regular"/>
+              <a:sym typeface="Menlo Regular"/>
+            </a:endParaRPr>
+          </a:p>
+          <a:p>
+            <a:pPr lvl="0" marL="0" indent="0" defTabSz="457200">
+              <a:spcBef>
+                <a:spcPts val="0"/>
+              </a:spcBef>
+              <a:buSzTx/>
+              <a:buNone/>
+              <a:tabLst>
+                <a:tab pos="330200" algn="l"/>
+              </a:tabLst>
+              <a:defRPr sz="1800"/>
+            </a:pPr>
+            <a:r>
+              <a:rPr sz="1000">
+                <a:latin typeface="Menlo Regular"/>
+                <a:ea typeface="Menlo Regular"/>
+                <a:cs typeface="Menlo Regular"/>
+                <a:sym typeface="Menlo Regular"/>
+              </a:rPr>
+              <a:t>    PluginMenuItem menuItem = </a:t>
+            </a:r>
+            <a:r>
+              <a:rPr sz="1000">
+                <a:solidFill>
+                  <a:srgbClr val="BB2CA2"/>
+                </a:solidFill>
+                <a:latin typeface="Menlo Regular"/>
+                <a:ea typeface="Menlo Regular"/>
+                <a:cs typeface="Menlo Regular"/>
+                <a:sym typeface="Menlo Regular"/>
+              </a:rPr>
+              <a:t>new</a:t>
+            </a:r>
+            <a:r>
+              <a:rPr sz="1000">
+                <a:latin typeface="Menlo Regular"/>
+                <a:ea typeface="Menlo Regular"/>
+                <a:cs typeface="Menlo Regular"/>
+                <a:sym typeface="Menlo Regular"/>
+              </a:rPr>
+              <a:t> PluginMenuItem(ACTION, </a:t>
+            </a:r>
+            <a:r>
+              <a:rPr sz="1000">
+                <a:solidFill>
+                  <a:srgbClr val="BB2CA2"/>
+                </a:solidFill>
+                <a:latin typeface="Menlo Regular"/>
+                <a:ea typeface="Menlo Regular"/>
+                <a:cs typeface="Menlo Regular"/>
+                <a:sym typeface="Menlo Regular"/>
+              </a:rPr>
+              <a:t>new</a:t>
+            </a:r>
+            <a:r>
+              <a:rPr sz="1000">
+                <a:latin typeface="Menlo Regular"/>
+                <a:ea typeface="Menlo Regular"/>
+                <a:cs typeface="Menlo Regular"/>
+                <a:sym typeface="Menlo Regular"/>
+              </a:rPr>
+              <a:t> SimpleCellDesignerPluginAction(</a:t>
+            </a:r>
+            <a:r>
+              <a:rPr sz="1000">
+                <a:solidFill>
+                  <a:srgbClr val="BB2CA2"/>
+                </a:solidFill>
+                <a:latin typeface="Menlo Regular"/>
+                <a:ea typeface="Menlo Regular"/>
+                <a:cs typeface="Menlo Regular"/>
+                <a:sym typeface="Menlo Regular"/>
+              </a:rPr>
+              <a:t>this</a:t>
+            </a:r>
+            <a:r>
+              <a:rPr sz="1000">
+                <a:latin typeface="Menlo Regular"/>
+                <a:ea typeface="Menlo Regular"/>
+                <a:cs typeface="Menlo Regular"/>
+                <a:sym typeface="Menlo Regular"/>
+              </a:rPr>
+              <a:t>));</a:t>
+            </a:r>
+            <a:endParaRPr sz="1000">
+              <a:latin typeface="Menlo Regular"/>
+              <a:ea typeface="Menlo Regular"/>
+              <a:cs typeface="Menlo Regular"/>
+              <a:sym typeface="Menlo Regular"/>
+            </a:endParaRPr>
+          </a:p>
+          <a:p>
+            <a:pPr lvl="0" marL="0" indent="0" defTabSz="457200">
+              <a:spcBef>
+                <a:spcPts val="0"/>
+              </a:spcBef>
+              <a:buSzTx/>
+              <a:buNone/>
+              <a:tabLst>
+                <a:tab pos="330200" algn="l"/>
+              </a:tabLst>
+              <a:defRPr sz="1800"/>
+            </a:pPr>
+            <a:r>
+              <a:rPr sz="1000">
+                <a:latin typeface="Menlo Regular"/>
+                <a:ea typeface="Menlo Regular"/>
+                <a:cs typeface="Menlo Regular"/>
+                <a:sym typeface="Menlo Regular"/>
+              </a:rPr>
+              <a:t>    menu.add(menuItem);</a:t>
+            </a:r>
+            <a:endParaRPr sz="1000">
+              <a:latin typeface="Menlo Regular"/>
+              <a:ea typeface="Menlo Regular"/>
+              <a:cs typeface="Menlo Regular"/>
+              <a:sym typeface="Menlo Regular"/>
+            </a:endParaRPr>
+          </a:p>
+          <a:p>
+            <a:pPr lvl="0" marL="0" indent="0" defTabSz="457200">
+              <a:spcBef>
+                <a:spcPts val="0"/>
+              </a:spcBef>
+              <a:buSzTx/>
+              <a:buNone/>
+              <a:tabLst>
+                <a:tab pos="330200" algn="l"/>
+              </a:tabLst>
+              <a:defRPr sz="1800"/>
+            </a:pPr>
+            <a:r>
+              <a:rPr sz="1000">
+                <a:latin typeface="Menlo Regular"/>
+                <a:ea typeface="Menlo Regular"/>
+                <a:cs typeface="Menlo Regular"/>
+                <a:sym typeface="Menlo Regular"/>
+              </a:rPr>
+              <a:t>  }</a:t>
+            </a:r>
+            <a:endParaRPr sz="1000">
+              <a:latin typeface="Menlo Regular"/>
+              <a:ea typeface="Menlo Regular"/>
+              <a:cs typeface="Menlo Regular"/>
+              <a:sym typeface="Menlo Regular"/>
+            </a:endParaRPr>
+          </a:p>
+          <a:p>
+            <a:pPr lvl="0" marL="0" indent="0" defTabSz="457200">
+              <a:spcBef>
+                <a:spcPts val="0"/>
+              </a:spcBef>
+              <a:buSzTx/>
+              <a:buNone/>
+              <a:tabLst>
+                <a:tab pos="330200" algn="l"/>
+              </a:tabLst>
+              <a:defRPr sz="1800"/>
+            </a:pPr>
+            <a:endParaRPr sz="1000">
+              <a:latin typeface="Menlo Regular"/>
+              <a:ea typeface="Menlo Regular"/>
+              <a:cs typeface="Menlo Regular"/>
+              <a:sym typeface="Menlo Regular"/>
+            </a:endParaRPr>
+          </a:p>
+          <a:p>
+            <a:pPr lvl="0" marL="0" indent="0" defTabSz="457200">
+              <a:spcBef>
+                <a:spcPts val="0"/>
+              </a:spcBef>
+              <a:buSzTx/>
+              <a:buNone/>
+              <a:tabLst>
+                <a:tab pos="330200" algn="l"/>
+              </a:tabLst>
+              <a:defRPr sz="1800"/>
+            </a:pPr>
+            <a:r>
+              <a:rPr sz="1000">
+                <a:latin typeface="Menlo Regular"/>
+                <a:ea typeface="Menlo Regular"/>
+                <a:cs typeface="Menlo Regular"/>
+                <a:sym typeface="Menlo Regular"/>
+              </a:rPr>
+              <a:t>  </a:t>
+            </a:r>
+            <a:r>
+              <a:rPr sz="1000">
+                <a:solidFill>
+                  <a:srgbClr val="008400"/>
+                </a:solidFill>
+                <a:latin typeface="Menlo Regular"/>
+                <a:ea typeface="Menlo Regular"/>
+                <a:cs typeface="Menlo Regular"/>
+                <a:sym typeface="Menlo Regular"/>
+              </a:rPr>
+              <a:t>/** Performs the action for which this plugin is designed.</a:t>
+            </a:r>
+            <a:endParaRPr sz="1000">
+              <a:solidFill>
+                <a:srgbClr val="008400"/>
+              </a:solidFill>
+              <a:latin typeface="Menlo Regular"/>
+              <a:ea typeface="Menlo Regular"/>
+              <a:cs typeface="Menlo Regular"/>
+              <a:sym typeface="Menlo Regular"/>
+            </a:endParaRPr>
+          </a:p>
+          <a:p>
+            <a:pPr lvl="0" marL="0" indent="0" defTabSz="457200">
+              <a:spcBef>
+                <a:spcPts val="0"/>
+              </a:spcBef>
+              <a:buSzTx/>
+              <a:buNone/>
+              <a:tabLst>
+                <a:tab pos="330200" algn="l"/>
+              </a:tabLst>
+              <a:defRPr sz="1800"/>
+            </a:pPr>
+            <a:r>
+              <a:rPr sz="1000">
+                <a:solidFill>
+                  <a:srgbClr val="008400"/>
+                </a:solidFill>
+                <a:latin typeface="Menlo Regular"/>
+                <a:ea typeface="Menlo Regular"/>
+                <a:cs typeface="Menlo Regular"/>
+                <a:sym typeface="Menlo Regular"/>
+              </a:rPr>
+              <a:t>   *  </a:t>
+            </a:r>
+            <a:r>
+              <a:rPr sz="1000">
+                <a:solidFill>
+                  <a:srgbClr val="004C14"/>
+                </a:solidFill>
+                <a:latin typeface="Menlo Regular"/>
+                <a:ea typeface="Menlo Regular"/>
+                <a:cs typeface="Menlo Regular"/>
+                <a:sym typeface="Menlo Regular"/>
+              </a:rPr>
+              <a:t>@throws</a:t>
+            </a:r>
+            <a:r>
+              <a:rPr sz="1000">
+                <a:solidFill>
+                  <a:srgbClr val="008400"/>
+                </a:solidFill>
+                <a:latin typeface="Menlo Regular"/>
+                <a:ea typeface="Menlo Regular"/>
+                <a:cs typeface="Menlo Regular"/>
+                <a:sym typeface="Menlo Regular"/>
+              </a:rPr>
+              <a:t> XMLStreamException If the given SBML model contains errors.</a:t>
+            </a:r>
+            <a:endParaRPr sz="1000">
+              <a:solidFill>
+                <a:srgbClr val="008400"/>
+              </a:solidFill>
+              <a:latin typeface="Menlo Regular"/>
+              <a:ea typeface="Menlo Regular"/>
+              <a:cs typeface="Menlo Regular"/>
+              <a:sym typeface="Menlo Regular"/>
+            </a:endParaRPr>
+          </a:p>
+          <a:p>
+            <a:pPr lvl="0" marL="0" indent="0" defTabSz="457200">
+              <a:spcBef>
+                <a:spcPts val="0"/>
+              </a:spcBef>
+              <a:buSzTx/>
+              <a:buNone/>
+              <a:tabLst>
+                <a:tab pos="330200" algn="l"/>
+              </a:tabLst>
+              <a:defRPr sz="1800"/>
+            </a:pPr>
+            <a:r>
+              <a:rPr sz="1000">
+                <a:solidFill>
+                  <a:srgbClr val="008400"/>
+                </a:solidFill>
+                <a:latin typeface="Menlo Regular"/>
+                <a:ea typeface="Menlo Regular"/>
+                <a:cs typeface="Menlo Regular"/>
+                <a:sym typeface="Menlo Regular"/>
+              </a:rPr>
+              <a:t>   */</a:t>
+            </a:r>
+            <a:endParaRPr sz="1000">
+              <a:latin typeface="Menlo Regular"/>
+              <a:ea typeface="Menlo Regular"/>
+              <a:cs typeface="Menlo Regular"/>
+              <a:sym typeface="Menlo Regular"/>
+            </a:endParaRPr>
+          </a:p>
+          <a:p>
+            <a:pPr lvl="0" marL="0" indent="0" defTabSz="457200">
+              <a:spcBef>
+                <a:spcPts val="0"/>
+              </a:spcBef>
+              <a:buSzTx/>
+              <a:buNone/>
+              <a:tabLst>
+                <a:tab pos="330200" algn="l"/>
+              </a:tabLst>
+              <a:defRPr sz="1800"/>
+            </a:pPr>
+            <a:r>
+              <a:rPr sz="1000">
+                <a:latin typeface="Menlo Regular"/>
+                <a:ea typeface="Menlo Regular"/>
+                <a:cs typeface="Menlo Regular"/>
+                <a:sym typeface="Menlo Regular"/>
+              </a:rPr>
+              <a:t>  </a:t>
+            </a:r>
+            <a:r>
+              <a:rPr sz="1000">
+                <a:solidFill>
+                  <a:srgbClr val="BB2CA2"/>
+                </a:solidFill>
+                <a:latin typeface="Menlo Regular"/>
+                <a:ea typeface="Menlo Regular"/>
+                <a:cs typeface="Menlo Regular"/>
+                <a:sym typeface="Menlo Regular"/>
+              </a:rPr>
+              <a:t>public</a:t>
+            </a:r>
+            <a:r>
+              <a:rPr sz="1000">
+                <a:latin typeface="Menlo Regular"/>
+                <a:ea typeface="Menlo Regular"/>
+                <a:cs typeface="Menlo Regular"/>
+                <a:sym typeface="Menlo Regular"/>
+              </a:rPr>
+              <a:t> </a:t>
+            </a:r>
+            <a:r>
+              <a:rPr sz="1000">
+                <a:solidFill>
+                  <a:srgbClr val="BB2CA2"/>
+                </a:solidFill>
+                <a:latin typeface="Menlo Regular"/>
+                <a:ea typeface="Menlo Regular"/>
+                <a:cs typeface="Menlo Regular"/>
+                <a:sym typeface="Menlo Regular"/>
+              </a:rPr>
+              <a:t>void</a:t>
+            </a:r>
+            <a:r>
+              <a:rPr sz="1000">
+                <a:latin typeface="Menlo Regular"/>
+                <a:ea typeface="Menlo Regular"/>
+                <a:cs typeface="Menlo Regular"/>
+                <a:sym typeface="Menlo Regular"/>
+              </a:rPr>
+              <a:t> startPlugin() </a:t>
+            </a:r>
+            <a:r>
+              <a:rPr sz="1000">
+                <a:solidFill>
+                  <a:srgbClr val="BB2CA2"/>
+                </a:solidFill>
+                <a:latin typeface="Menlo Regular"/>
+                <a:ea typeface="Menlo Regular"/>
+                <a:cs typeface="Menlo Regular"/>
+                <a:sym typeface="Menlo Regular"/>
+              </a:rPr>
+              <a:t>throws</a:t>
+            </a:r>
+            <a:r>
+              <a:rPr sz="1000">
+                <a:latin typeface="Menlo Regular"/>
+                <a:ea typeface="Menlo Regular"/>
+                <a:cs typeface="Menlo Regular"/>
+                <a:sym typeface="Menlo Regular"/>
+              </a:rPr>
+              <a:t> XMLStreamException {</a:t>
+            </a:r>
+            <a:endParaRPr sz="1000">
+              <a:latin typeface="Menlo Regular"/>
+              <a:ea typeface="Menlo Regular"/>
+              <a:cs typeface="Menlo Regular"/>
+              <a:sym typeface="Menlo Regular"/>
+            </a:endParaRPr>
+          </a:p>
+          <a:p>
+            <a:pPr lvl="0" marL="0" indent="0" defTabSz="457200">
+              <a:spcBef>
+                <a:spcPts val="0"/>
+              </a:spcBef>
+              <a:buSzTx/>
+              <a:buNone/>
+              <a:tabLst>
+                <a:tab pos="330200" algn="l"/>
+              </a:tabLst>
+              <a:defRPr sz="1800"/>
+            </a:pPr>
+            <a:r>
+              <a:rPr sz="1000">
+                <a:latin typeface="Menlo Regular"/>
+                <a:ea typeface="Menlo Regular"/>
+                <a:cs typeface="Menlo Regular"/>
+                <a:sym typeface="Menlo Regular"/>
+              </a:rPr>
+              <a:t>    Model model = reader.convertModel(getSelectedModel());</a:t>
+            </a:r>
+            <a:endParaRPr sz="1000">
+              <a:latin typeface="Menlo Regular"/>
+              <a:ea typeface="Menlo Regular"/>
+              <a:cs typeface="Menlo Regular"/>
+              <a:sym typeface="Menlo Regular"/>
+            </a:endParaRPr>
+          </a:p>
+          <a:p>
+            <a:pPr lvl="0" marL="0" indent="0" defTabSz="457200">
+              <a:spcBef>
+                <a:spcPts val="0"/>
+              </a:spcBef>
+              <a:buSzTx/>
+              <a:buNone/>
+              <a:tabLst>
+                <a:tab pos="330200" algn="l"/>
+              </a:tabLst>
+              <a:defRPr sz="1800"/>
+            </a:pPr>
+            <a:r>
+              <a:rPr sz="1000">
+                <a:latin typeface="Menlo Regular"/>
+                <a:ea typeface="Menlo Regular"/>
+                <a:cs typeface="Menlo Regular"/>
+                <a:sym typeface="Menlo Regular"/>
+              </a:rPr>
+              <a:t>    model.getSBMLDocument().addTreeNodeChangeListener(</a:t>
+            </a:r>
+            <a:r>
+              <a:rPr sz="1000">
+                <a:solidFill>
+                  <a:srgbClr val="BB2CA2"/>
+                </a:solidFill>
+                <a:latin typeface="Menlo Regular"/>
+                <a:ea typeface="Menlo Regular"/>
+                <a:cs typeface="Menlo Regular"/>
+                <a:sym typeface="Menlo Regular"/>
+              </a:rPr>
+              <a:t>new</a:t>
+            </a:r>
+            <a:r>
+              <a:rPr sz="1000">
+                <a:latin typeface="Menlo Regular"/>
+                <a:ea typeface="Menlo Regular"/>
+                <a:cs typeface="Menlo Regular"/>
+                <a:sym typeface="Menlo Regular"/>
+              </a:rPr>
+              <a:t> PluginChangeListener(</a:t>
+            </a:r>
+            <a:r>
+              <a:rPr sz="1000">
+                <a:solidFill>
+                  <a:srgbClr val="BB2CA2"/>
+                </a:solidFill>
+                <a:latin typeface="Menlo Regular"/>
+                <a:ea typeface="Menlo Regular"/>
+                <a:cs typeface="Menlo Regular"/>
+                <a:sym typeface="Menlo Regular"/>
+              </a:rPr>
+              <a:t>this</a:t>
+            </a:r>
+            <a:r>
+              <a:rPr sz="1000">
+                <a:latin typeface="Menlo Regular"/>
+                <a:ea typeface="Menlo Regular"/>
+                <a:cs typeface="Menlo Regular"/>
+                <a:sym typeface="Menlo Regular"/>
+              </a:rPr>
+              <a:t>));</a:t>
+            </a:r>
+            <a:endParaRPr sz="1000">
+              <a:latin typeface="Menlo Regular"/>
+              <a:ea typeface="Menlo Regular"/>
+              <a:cs typeface="Menlo Regular"/>
+              <a:sym typeface="Menlo Regular"/>
+            </a:endParaRPr>
+          </a:p>
+          <a:p>
+            <a:pPr lvl="0" marL="0" indent="0" defTabSz="457200">
+              <a:spcBef>
+                <a:spcPts val="0"/>
+              </a:spcBef>
+              <a:buSzTx/>
+              <a:buNone/>
+              <a:tabLst>
+                <a:tab pos="330200" algn="l"/>
+              </a:tabLst>
+              <a:defRPr sz="1800"/>
+            </a:pPr>
+            <a:r>
+              <a:rPr sz="1000">
+                <a:latin typeface="Menlo Regular"/>
+                <a:ea typeface="Menlo Regular"/>
+                <a:cs typeface="Menlo Regular"/>
+                <a:sym typeface="Menlo Regular"/>
+              </a:rPr>
+              <a:t>    </a:t>
+            </a:r>
+            <a:r>
+              <a:rPr sz="1000">
+                <a:solidFill>
+                  <a:srgbClr val="BB2CA2"/>
+                </a:solidFill>
+                <a:latin typeface="Menlo Regular"/>
+                <a:ea typeface="Menlo Regular"/>
+                <a:cs typeface="Menlo Regular"/>
+                <a:sym typeface="Menlo Regular"/>
+              </a:rPr>
+              <a:t>new</a:t>
+            </a:r>
+            <a:r>
+              <a:rPr sz="1000">
+                <a:latin typeface="Menlo Regular"/>
+                <a:ea typeface="Menlo Regular"/>
+                <a:cs typeface="Menlo Regular"/>
+                <a:sym typeface="Menlo Regular"/>
+              </a:rPr>
+              <a:t> JSBMLvisualizer(model.getSBMLDocument());</a:t>
+            </a:r>
+            <a:endParaRPr sz="1000">
+              <a:latin typeface="Menlo Regular"/>
+              <a:ea typeface="Menlo Regular"/>
+              <a:cs typeface="Menlo Regular"/>
+              <a:sym typeface="Menlo Regular"/>
+            </a:endParaRPr>
+          </a:p>
+          <a:p>
+            <a:pPr lvl="0" marL="0" indent="0" defTabSz="457200">
+              <a:spcBef>
+                <a:spcPts val="0"/>
+              </a:spcBef>
+              <a:buSzTx/>
+              <a:buNone/>
+              <a:tabLst>
+                <a:tab pos="330200" algn="l"/>
+              </a:tabLst>
+              <a:defRPr sz="1800"/>
+            </a:pPr>
+            <a:r>
+              <a:rPr sz="1000">
+                <a:latin typeface="Menlo Regular"/>
+                <a:ea typeface="Menlo Regular"/>
+                <a:cs typeface="Menlo Regular"/>
+                <a:sym typeface="Menlo Regular"/>
+              </a:rPr>
+              <a:t>  }</a:t>
+            </a:r>
+            <a:endParaRPr sz="1000">
+              <a:latin typeface="Menlo Regular"/>
+              <a:ea typeface="Menlo Regular"/>
+              <a:cs typeface="Menlo Regular"/>
+              <a:sym typeface="Menlo Regular"/>
+            </a:endParaRPr>
+          </a:p>
+          <a:p>
+            <a:pPr lvl="0" marL="0" indent="0" defTabSz="457200">
+              <a:spcBef>
+                <a:spcPts val="0"/>
+              </a:spcBef>
+              <a:buSzTx/>
+              <a:buNone/>
+              <a:tabLst>
+                <a:tab pos="330200" algn="l"/>
+              </a:tabLst>
+              <a:defRPr sz="1800"/>
+            </a:pPr>
+            <a:r>
+              <a:rPr sz="1000">
+                <a:latin typeface="Menlo Regular"/>
+                <a:ea typeface="Menlo Regular"/>
+                <a:cs typeface="Menlo Regular"/>
+                <a:sym typeface="Menlo Regular"/>
+              </a:rPr>
+              <a:t>}</a:t>
+            </a:r>
+            <a:endParaRPr sz="1000">
+              <a:latin typeface="Menlo Regular"/>
+              <a:ea typeface="Menlo Regular"/>
+              <a:cs typeface="Menlo Regular"/>
+              <a:sym typeface="Menlo Regular"/>
+            </a:endParaRPr>
+          </a:p>
+        </p:txBody>
+      </p:sp>
+      <p:sp>
+        <p:nvSpPr>
+          <p:cNvPr id="148" name="Shape 148"/>
+          <p:cNvSpPr/>
+          <p:nvPr>
+            <p:ph type="sldNum" sz="quarter" idx="2"/>
+          </p:nvPr>
+        </p:nvSpPr>
+        <p:spPr>
+          <a:prstGeom prst="rect">
+            <a:avLst/>
+          </a:prstGeom>
+          <a:extLst>
+            <a:ext uri="{C572A759-6A51-4108-AA02-DFA0A04FC94B}">
+              <ma14:wrappingTextBoxFlag xmlns:ma14="http://schemas.microsoft.com/office/mac/drawingml/2011/main" val="1"/>
+            </a:ext>
+          </a:extLst>
+        </p:spPr>
+        <p:txBody>
+          <a:bodyPr/>
+          <a:lstStyle/>
+          <a:p>
+            <a:pPr lvl="0">
+              <a:defRPr sz="1800"/>
+            </a:pPr>
+            <a:fld id="{86CB4B4D-7CA3-9044-876B-883B54F8677D}" type="slidenum">
+              <a:rPr sz="1400"/>
+            </a:fld>
+          </a:p>
+        </p:txBody>
+      </p:sp>
     </p:spTree>
   </p:cSld>
   <p:clrMapOvr>
@@ -8950,17 +11974,13 @@
       </p:grpSpPr>
       <p:sp>
         <p:nvSpPr>
-          <p:cNvPr id="145" name="Shape 145"/>
+          <p:cNvPr id="150" name="Shape 150"/>
           <p:cNvSpPr/>
           <p:nvPr>
             <p:ph type="body" idx="1"/>
           </p:nvPr>
         </p:nvSpPr>
         <p:spPr>
-          <a:xfrm>
-            <a:off x="722312" y="2906713"/>
-            <a:ext cx="7772401" cy="1500188"/>
-          </a:xfrm>
           <a:prstGeom prst="rect">
             <a:avLst/>
           </a:prstGeom>
@@ -8983,7 +12003,7 @@
       </p:sp>
       <p:pic>
         <p:nvPicPr>
-          <p:cNvPr id="146" name="image2.png" descr="E:\draeger\workspace\JSBML\doc\logo\JSBML.png"/>
+          <p:cNvPr id="151" name="image2.png" descr="E:\draeger\workspace\JSBML\doc\logo\JSBML.png"/>
           <p:cNvPicPr/>
           <p:nvPr/>
         </p:nvPicPr>
@@ -9043,7 +12063,7 @@
       </p:grpSpPr>
       <p:sp>
         <p:nvSpPr>
-          <p:cNvPr id="148" name="Shape 148"/>
+          <p:cNvPr id="153" name="Shape 153"/>
           <p:cNvSpPr/>
           <p:nvPr>
             <p:ph type="title"/>
@@ -9070,7 +12090,7 @@
       </p:sp>
       <p:sp>
         <p:nvSpPr>
-          <p:cNvPr id="149" name="Shape 149"/>
+          <p:cNvPr id="154" name="Shape 154"/>
           <p:cNvSpPr/>
           <p:nvPr>
             <p:ph type="body" idx="1"/>
@@ -9760,7 +12780,7 @@
       </p:sp>
       <p:sp>
         <p:nvSpPr>
-          <p:cNvPr id="150" name="Shape 150"/>
+          <p:cNvPr id="155" name="Shape 155"/>
           <p:cNvSpPr/>
           <p:nvPr>
             <p:ph type="sldNum" sz="quarter" idx="2"/>
@@ -9904,10 +12924,9 @@
             <a:endParaRPr sz="2200"/>
           </a:p>
           <a:p>
-            <a:pPr lvl="0" marL="342899" indent="-342899">
-              <a:defRPr sz="1800"/>
-            </a:pPr>
-            <a:endParaRPr sz="2200"/>
+            <a:pPr lvl="0">
+              <a:defRPr sz="1800"/>
+            </a:pPr>
           </a:p>
           <a:p>
             <a:pPr lvl="0" marL="0" indent="0">
@@ -9931,24 +12950,55 @@
               </a:spcBef>
               <a:defRPr sz="1800"/>
             </a:pPr>
+            <a:endParaRPr sz="2200"/>
+          </a:p>
+          <a:p>
+            <a:pPr lvl="0" marL="220578" indent="-220578">
+              <a:spcBef>
+                <a:spcPts val="500"/>
+              </a:spcBef>
+              <a:defRPr sz="1800"/>
+            </a:pPr>
+            <a:endParaRPr sz="2200"/>
+          </a:p>
+          <a:p>
+            <a:pPr lvl="0" marL="220578" indent="-220578">
+              <a:spcBef>
+                <a:spcPts val="500"/>
+              </a:spcBef>
+              <a:defRPr sz="1800"/>
+            </a:pPr>
+            <a:endParaRPr sz="2200"/>
+          </a:p>
+          <a:p>
+            <a:pPr lvl="0" marL="0" indent="0">
+              <a:spcBef>
+                <a:spcPts val="500"/>
+              </a:spcBef>
+              <a:buSzTx/>
+              <a:buNone/>
+              <a:defRPr sz="1800"/>
+            </a:pPr>
             <a:r>
               <a:rPr sz="2200"/>
-              <a:t>Nicolas Rodriguez, Alex Thomas, and Andreas Dräger</a:t>
+              <a:t>        Nicolas Rodriguez,     Alex Thomas,      Andreas Dräger</a:t>
             </a:r>
             <a:endParaRPr sz="2200"/>
           </a:p>
           <a:p>
-            <a:pPr lvl="0" marL="220578" indent="-220578">
+            <a:pPr lvl="0" marL="0" indent="0">
               <a:spcBef>
                 <a:spcPts val="500"/>
               </a:spcBef>
-              <a:defRPr sz="1800"/>
-            </a:pPr>
-            <a:r>
-              <a:rPr sz="2200"/>
+              <a:buSzTx/>
+              <a:buNone/>
+              <a:defRPr sz="1800"/>
+            </a:pPr>
+            <a:r>
+              <a:rPr b="1" sz="2200"/>
               <a:t>Mailing lists:</a:t>
             </a:r>
-            <a:endParaRPr sz="2200"/>
+            <a:endParaRPr b="1" sz="2200"/>
           </a:p>
           <a:p>
             <a:pPr lvl="1" marL="601578" indent="-220578">
@@ -10034,6 +13084,87 @@
           </a:p>
         </p:txBody>
       </p:sp>
+      <p:pic>
+        <p:nvPicPr>
+          <p:cNvPr id="58" name="pasted-image.png"/>
+          <p:cNvPicPr/>
+          <p:nvPr/>
+        </p:nvPicPr>
+        <p:blipFill>
+          <a:blip r:embed="rId4">
+            <a:extLst/>
+          </a:blip>
+          <a:stretch>
+            <a:fillRect/>
+          </a:stretch>
+        </p:blipFill>
+        <p:spPr>
+          <a:xfrm>
+            <a:off x="1772329" y="3594100"/>
+            <a:ext cx="1270001" cy="1270000"/>
+          </a:xfrm>
+          <a:prstGeom prst="rect">
+            <a:avLst/>
+          </a:prstGeom>
+          <a:ln w="12700">
+            <a:miter lim="400000"/>
+          </a:ln>
+        </p:spPr>
+      </p:pic>
+      <p:pic>
+        <p:nvPicPr>
+          <p:cNvPr id="59" name="pasted-image.png"/>
+          <p:cNvPicPr/>
+          <p:nvPr/>
+        </p:nvPicPr>
+        <p:blipFill>
+          <a:blip r:embed="rId5">
+            <a:extLst/>
+          </a:blip>
+          <a:stretch>
+            <a:fillRect/>
+          </a:stretch>
+        </p:blipFill>
+        <p:spPr>
+          <a:xfrm>
+            <a:off x="4184872" y="3599457"/>
+            <a:ext cx="1063167" cy="1259286"/>
+          </a:xfrm>
+          <a:prstGeom prst="rect">
+            <a:avLst/>
+          </a:prstGeom>
+          <a:ln w="12700">
+            <a:miter lim="400000"/>
+          </a:ln>
+        </p:spPr>
+      </p:pic>
+      <p:pic>
+        <p:nvPicPr>
+          <p:cNvPr id="60" name="pasted-image.png"/>
+          <p:cNvPicPr/>
+          <p:nvPr/>
+        </p:nvPicPr>
+        <p:blipFill>
+          <a:blip r:embed="rId6">
+            <a:extLst/>
+          </a:blip>
+          <a:stretch>
+            <a:fillRect/>
+          </a:stretch>
+        </p:blipFill>
+        <p:spPr>
+          <a:xfrm>
+            <a:off x="6390580" y="3599567"/>
+            <a:ext cx="981090" cy="1259066"/>
+          </a:xfrm>
+          <a:prstGeom prst="rect">
+            <a:avLst/>
+          </a:prstGeom>
+          <a:ln w="12700">
+            <a:miter lim="400000"/>
+          </a:ln>
+        </p:spPr>
+      </p:pic>
     </p:spTree>
   </p:cSld>
   <p:clrMapOvr>
@@ -10062,7 +13193,7 @@
       </p:grpSpPr>
       <p:sp>
         <p:nvSpPr>
-          <p:cNvPr id="152" name="Shape 152"/>
+          <p:cNvPr id="157" name="Shape 157"/>
           <p:cNvSpPr/>
           <p:nvPr>
             <p:ph type="title"/>
@@ -10095,7 +13226,7 @@
       </p:sp>
       <p:sp>
         <p:nvSpPr>
-          <p:cNvPr id="153" name="Shape 153"/>
+          <p:cNvPr id="158" name="Shape 158"/>
           <p:cNvSpPr/>
           <p:nvPr>
             <p:ph type="body" idx="1"/>
@@ -10438,7 +13569,7 @@
       </p:grpSpPr>
       <p:sp>
         <p:nvSpPr>
-          <p:cNvPr id="155" name="Shape 155"/>
+          <p:cNvPr id="160" name="Shape 160"/>
           <p:cNvSpPr/>
           <p:nvPr>
             <p:ph type="title"/>
@@ -10483,7 +13614,7 @@
       </p:sp>
       <p:pic>
         <p:nvPicPr>
-          <p:cNvPr id="156" name="image10.png"/>
+          <p:cNvPr id="161" name="image10.png"/>
           <p:cNvPicPr/>
           <p:nvPr/>
         </p:nvPicPr>
@@ -10517,2130 +13648,6 @@
 </p:sld>
 </file>
 
-<file path=ppt/slides/slide22.xml><?xml version="1.0" encoding="utf-8"?>
-<p:sld xmlns:a="http://schemas.openxmlformats.org/drawingml/2006/main" xmlns:r="http://schemas.openxmlformats.org/officeDocument/2006/relationships" xmlns:p="http://schemas.openxmlformats.org/presentationml/2006/main" showMasterSp="1" showMasterPhAnim="1">
-  <p:cSld>
-    <p:spTree>
-      <p:nvGrpSpPr>
-        <p:cNvPr id="1" name=""/>
-        <p:cNvGrpSpPr/>
-        <p:nvPr/>
-      </p:nvGrpSpPr>
-      <p:grpSpPr>
-        <a:xfrm>
-          <a:off x="0" y="0"/>
-          <a:ext cx="0" cy="0"/>
-          <a:chOff x="0" y="0"/>
-          <a:chExt cx="0" cy="0"/>
-        </a:xfrm>
-      </p:grpSpPr>
-      <p:sp>
-        <p:nvSpPr>
-          <p:cNvPr id="158" name="Shape 158"/>
-          <p:cNvSpPr/>
-          <p:nvPr>
-            <p:ph type="title"/>
-          </p:nvPr>
-        </p:nvSpPr>
-        <p:spPr>
-          <a:xfrm>
-            <a:off x="457200" y="274638"/>
-            <a:ext cx="8229600" cy="1143001"/>
-          </a:xfrm>
-          <a:prstGeom prst="rect">
-            <a:avLst/>
-          </a:prstGeom>
-        </p:spPr>
-        <p:txBody>
-          <a:bodyPr lIns="0" tIns="0" rIns="0" bIns="0">
-            <a:normAutofit fontScale="100000" lnSpcReduction="0"/>
-          </a:bodyPr>
-          <a:lstStyle/>
-          <a:p>
-            <a:pPr lvl="0"/>
-          </a:p>
-        </p:txBody>
-      </p:sp>
-      <p:sp>
-        <p:nvSpPr>
-          <p:cNvPr id="159" name="Shape 159"/>
-          <p:cNvSpPr/>
-          <p:nvPr>
-            <p:ph type="body" idx="1"/>
-          </p:nvPr>
-        </p:nvSpPr>
-        <p:spPr>
-          <a:xfrm>
-            <a:off x="457200" y="1600200"/>
-            <a:ext cx="8229600" cy="4525963"/>
-          </a:xfrm>
-          <a:prstGeom prst="rect">
-            <a:avLst/>
-          </a:prstGeom>
-        </p:spPr>
-        <p:txBody>
-          <a:bodyPr lIns="0" tIns="0" rIns="0" bIns="0">
-            <a:normAutofit fontScale="100000" lnSpcReduction="0"/>
-          </a:bodyPr>
-          <a:lstStyle/>
-          <a:p>
-            <a:pPr lvl="0"/>
-          </a:p>
-        </p:txBody>
-      </p:sp>
-    </p:spTree>
-  </p:cSld>
-  <p:clrMapOvr>
-    <a:masterClrMapping/>
-  </p:clrMapOvr>
-  <p:transition spd="med" advClick="1"/>
-</p:sld>
-</file>
-
-<file path=ppt/slides/slide23.xml><?xml version="1.0" encoding="utf-8"?>
-<p:sld xmlns:a="http://schemas.openxmlformats.org/drawingml/2006/main" xmlns:r="http://schemas.openxmlformats.org/officeDocument/2006/relationships" xmlns:p="http://schemas.openxmlformats.org/presentationml/2006/main" showMasterSp="1" showMasterPhAnim="1">
-  <p:cSld>
-    <p:spTree>
-      <p:nvGrpSpPr>
-        <p:cNvPr id="1" name=""/>
-        <p:cNvGrpSpPr/>
-        <p:nvPr/>
-      </p:nvGrpSpPr>
-      <p:grpSpPr>
-        <a:xfrm>
-          <a:off x="0" y="0"/>
-          <a:ext cx="0" cy="0"/>
-          <a:chOff x="0" y="0"/>
-          <a:chExt cx="0" cy="0"/>
-        </a:xfrm>
-      </p:grpSpPr>
-      <p:sp>
-        <p:nvSpPr>
-          <p:cNvPr id="161" name="Shape 161"/>
-          <p:cNvSpPr/>
-          <p:nvPr>
-            <p:ph type="body" idx="4294967295"/>
-          </p:nvPr>
-        </p:nvSpPr>
-        <p:spPr>
-          <a:xfrm>
-            <a:off x="722312" y="2906713"/>
-            <a:ext cx="7772401" cy="1500188"/>
-          </a:xfrm>
-          <a:prstGeom prst="rect">
-            <a:avLst/>
-          </a:prstGeom>
-        </p:spPr>
-        <p:txBody>
-          <a:bodyPr lIns="0" tIns="0" rIns="0" bIns="0" anchor="b">
-            <a:normAutofit fontScale="100000" lnSpcReduction="0"/>
-          </a:bodyPr>
-          <a:lstStyle>
-            <a:lvl1pPr marL="0" indent="0">
-              <a:spcBef>
-                <a:spcPts val="400"/>
-              </a:spcBef>
-              <a:buSzTx/>
-              <a:buNone/>
-              <a:defRPr sz="2000"/>
-            </a:lvl1pPr>
-          </a:lstStyle>
-          <a:p>
-            <a:pPr lvl="0">
-              <a:defRPr sz="1800"/>
-            </a:pPr>
-            <a:r>
-              <a:rPr sz="2000"/>
-              <a:t>Data types</a:t>
-            </a:r>
-          </a:p>
-        </p:txBody>
-      </p:sp>
-      <p:pic>
-        <p:nvPicPr>
-          <p:cNvPr id="162" name="image2.png" descr="E:\draeger\workspace\JSBML\doc\logo\JSBML.png"/>
-          <p:cNvPicPr/>
-          <p:nvPr/>
-        </p:nvPicPr>
-        <p:blipFill>
-          <a:blip r:embed="rId2">
-            <a:extLst/>
-          </a:blip>
-          <a:stretch>
-            <a:fillRect/>
-          </a:stretch>
-        </p:blipFill>
-        <p:spPr>
-          <a:xfrm>
-            <a:off x="785812" y="3714750"/>
-            <a:ext cx="857251" cy="315914"/>
-          </a:xfrm>
-          <a:prstGeom prst="rect">
-            <a:avLst/>
-          </a:prstGeom>
-          <a:ln w="12700">
-            <a:miter lim="400000"/>
-          </a:ln>
-          <a:effectLst>
-            <a:outerShdw sx="100000" sy="100000" kx="0" ky="0" algn="b" rotWithShape="0" blurRad="292100" dist="139700" dir="2700000">
-              <a:srgbClr val="333333">
-                <a:alpha val="64999"/>
-              </a:srgbClr>
-            </a:outerShdw>
-          </a:effectLst>
-        </p:spPr>
-      </p:pic>
-    </p:spTree>
-  </p:cSld>
-  <p:clrMapOvr>
-    <a:masterClrMapping/>
-  </p:clrMapOvr>
-  <p:transition spd="med" advClick="1"/>
-</p:sld>
-</file>
-
-<file path=ppt/slides/slide24.xml><?xml version="1.0" encoding="utf-8"?>
-<p:sld xmlns:a="http://schemas.openxmlformats.org/drawingml/2006/main" xmlns:r="http://schemas.openxmlformats.org/officeDocument/2006/relationships" xmlns:p="http://schemas.openxmlformats.org/presentationml/2006/main" showMasterSp="1" showMasterPhAnim="1">
-  <p:cSld>
-    <p:spTree>
-      <p:nvGrpSpPr>
-        <p:cNvPr id="1" name=""/>
-        <p:cNvGrpSpPr/>
-        <p:nvPr/>
-      </p:nvGrpSpPr>
-      <p:grpSpPr>
-        <a:xfrm>
-          <a:off x="0" y="0"/>
-          <a:ext cx="0" cy="0"/>
-          <a:chOff x="0" y="0"/>
-          <a:chExt cx="0" cy="0"/>
-        </a:xfrm>
-      </p:grpSpPr>
-      <p:sp>
-        <p:nvSpPr>
-          <p:cNvPr id="164" name="Shape 164"/>
-          <p:cNvSpPr/>
-          <p:nvPr>
-            <p:ph type="title" idx="4294967295"/>
-          </p:nvPr>
-        </p:nvSpPr>
-        <p:spPr>
-          <a:xfrm>
-            <a:off x="457200" y="274638"/>
-            <a:ext cx="8229600" cy="1143001"/>
-          </a:xfrm>
-          <a:prstGeom prst="rect">
-            <a:avLst/>
-          </a:prstGeom>
-        </p:spPr>
-        <p:txBody>
-          <a:bodyPr lIns="0" tIns="0" rIns="0" bIns="0">
-            <a:normAutofit fontScale="100000" lnSpcReduction="0"/>
-          </a:bodyPr>
-          <a:lstStyle/>
-          <a:p>
-            <a:pPr lvl="0">
-              <a:defRPr sz="1800"/>
-            </a:pPr>
-            <a:r>
-              <a:rPr sz="4400"/>
-              <a:t>Type hierarchy</a:t>
-            </a:r>
-          </a:p>
-        </p:txBody>
-      </p:sp>
-      <p:pic>
-        <p:nvPicPr>
-          <p:cNvPr id="165" name="image11.png" descr="FullTypeHierarchy.png"/>
-          <p:cNvPicPr/>
-          <p:nvPr/>
-        </p:nvPicPr>
-        <p:blipFill>
-          <a:blip r:embed="rId2">
-            <a:extLst/>
-          </a:blip>
-          <a:stretch>
-            <a:fillRect/>
-          </a:stretch>
-        </p:blipFill>
-        <p:spPr>
-          <a:xfrm>
-            <a:off x="1587" y="188912"/>
-            <a:ext cx="9140826" cy="5681664"/>
-          </a:xfrm>
-          <a:prstGeom prst="rect">
-            <a:avLst/>
-          </a:prstGeom>
-          <a:ln w="12700">
-            <a:miter lim="400000"/>
-          </a:ln>
-        </p:spPr>
-      </p:pic>
-    </p:spTree>
-  </p:cSld>
-  <p:clrMapOvr>
-    <a:masterClrMapping/>
-  </p:clrMapOvr>
-  <p:transition spd="med" advClick="1"/>
-</p:sld>
-</file>
-
-<file path=ppt/slides/slide25.xml><?xml version="1.0" encoding="utf-8"?>
-<p:sld xmlns:a="http://schemas.openxmlformats.org/drawingml/2006/main" xmlns:r="http://schemas.openxmlformats.org/officeDocument/2006/relationships" xmlns:p="http://schemas.openxmlformats.org/presentationml/2006/main" showMasterSp="1" showMasterPhAnim="1">
-  <p:cSld>
-    <p:spTree>
-      <p:nvGrpSpPr>
-        <p:cNvPr id="1" name=""/>
-        <p:cNvGrpSpPr/>
-        <p:nvPr/>
-      </p:nvGrpSpPr>
-      <p:grpSpPr>
-        <a:xfrm>
-          <a:off x="0" y="0"/>
-          <a:ext cx="0" cy="0"/>
-          <a:chOff x="0" y="0"/>
-          <a:chExt cx="0" cy="0"/>
-        </a:xfrm>
-      </p:grpSpPr>
-      <p:sp>
-        <p:nvSpPr>
-          <p:cNvPr id="167" name="Shape 167"/>
-          <p:cNvSpPr/>
-          <p:nvPr/>
-        </p:nvSpPr>
-        <p:spPr>
-          <a:xfrm>
-            <a:off x="303212" y="180975"/>
-            <a:ext cx="4652329" cy="450910"/>
-          </a:xfrm>
-          <a:prstGeom prst="rect">
-            <a:avLst/>
-          </a:prstGeom>
-          <a:ln w="12700">
-            <a:miter lim="400000"/>
-          </a:ln>
-          <a:extLst>
-            <a:ext uri="{C572A759-6A51-4108-AA02-DFA0A04FC94B}">
-              <ma14:wrappingTextBoxFlag xmlns:ma14="http://schemas.microsoft.com/office/mac/drawingml/2011/main" val="1"/>
-            </a:ext>
-          </a:extLst>
-        </p:spPr>
-        <p:txBody>
-          <a:bodyPr wrap="none" lIns="45719" rIns="45719">
-            <a:spAutoFit/>
-          </a:bodyPr>
-          <a:lstStyle/>
-          <a:p>
-            <a:pPr lvl="0"/>
-            <a:r>
-              <a:rPr sz="2400"/>
-              <a:t>Closer look at the interface </a:t>
-            </a:r>
-            <a:r>
-              <a:rPr sz="2400">
-                <a:latin typeface="Consolas"/>
-                <a:ea typeface="Consolas"/>
-                <a:cs typeface="Consolas"/>
-                <a:sym typeface="Consolas"/>
-              </a:rPr>
-              <a:t>SBase</a:t>
-            </a:r>
-          </a:p>
-        </p:txBody>
-      </p:sp>
-      <p:pic>
-        <p:nvPicPr>
-          <p:cNvPr id="168" name="image12.png" descr="SBase.png"/>
-          <p:cNvPicPr/>
-          <p:nvPr/>
-        </p:nvPicPr>
-        <p:blipFill>
-          <a:blip r:embed="rId2">
-            <a:extLst/>
-          </a:blip>
-          <a:stretch>
-            <a:fillRect/>
-          </a:stretch>
-        </p:blipFill>
-        <p:spPr>
-          <a:xfrm>
-            <a:off x="6350" y="785812"/>
-            <a:ext cx="9134475" cy="5745164"/>
-          </a:xfrm>
-          <a:prstGeom prst="rect">
-            <a:avLst/>
-          </a:prstGeom>
-          <a:ln w="12700">
-            <a:miter lim="400000"/>
-          </a:ln>
-        </p:spPr>
-      </p:pic>
-    </p:spTree>
-  </p:cSld>
-  <p:clrMapOvr>
-    <a:masterClrMapping/>
-  </p:clrMapOvr>
-  <p:transition spd="med" advClick="1"/>
-</p:sld>
-</file>
-
-<file path=ppt/slides/slide26.xml><?xml version="1.0" encoding="utf-8"?>
-<p:sld xmlns:a="http://schemas.openxmlformats.org/drawingml/2006/main" xmlns:r="http://schemas.openxmlformats.org/officeDocument/2006/relationships" xmlns:p="http://schemas.openxmlformats.org/presentationml/2006/main" showMasterSp="1" showMasterPhAnim="1">
-  <p:cSld>
-    <p:spTree>
-      <p:nvGrpSpPr>
-        <p:cNvPr id="1" name=""/>
-        <p:cNvGrpSpPr/>
-        <p:nvPr/>
-      </p:nvGrpSpPr>
-      <p:grpSpPr>
-        <a:xfrm>
-          <a:off x="0" y="0"/>
-          <a:ext cx="0" cy="0"/>
-          <a:chOff x="0" y="0"/>
-          <a:chExt cx="0" cy="0"/>
-        </a:xfrm>
-      </p:grpSpPr>
-      <p:pic>
-        <p:nvPicPr>
-          <p:cNvPr id="170" name="image13.png" descr="MathContainerClass1.png"/>
-          <p:cNvPicPr/>
-          <p:nvPr/>
-        </p:nvPicPr>
-        <p:blipFill>
-          <a:blip r:embed="rId2">
-            <a:extLst/>
-          </a:blip>
-          <a:stretch>
-            <a:fillRect/>
-          </a:stretch>
-        </p:blipFill>
-        <p:spPr>
-          <a:xfrm>
-            <a:off x="1417637" y="642937"/>
-            <a:ext cx="6308726" cy="5851526"/>
-          </a:xfrm>
-          <a:prstGeom prst="rect">
-            <a:avLst/>
-          </a:prstGeom>
-          <a:ln w="12700">
-            <a:miter lim="400000"/>
-          </a:ln>
-        </p:spPr>
-      </p:pic>
-      <p:sp>
-        <p:nvSpPr>
-          <p:cNvPr id="171" name="Shape 171"/>
-          <p:cNvSpPr/>
-          <p:nvPr/>
-        </p:nvSpPr>
-        <p:spPr>
-          <a:xfrm>
-            <a:off x="303213" y="180975"/>
-            <a:ext cx="7478425" cy="450910"/>
-          </a:xfrm>
-          <a:prstGeom prst="rect">
-            <a:avLst/>
-          </a:prstGeom>
-          <a:ln w="12700">
-            <a:miter lim="400000"/>
-          </a:ln>
-          <a:extLst>
-            <a:ext uri="{C572A759-6A51-4108-AA02-DFA0A04FC94B}">
-              <ma14:wrappingTextBoxFlag xmlns:ma14="http://schemas.microsoft.com/office/mac/drawingml/2011/main" val="1"/>
-            </a:ext>
-          </a:extLst>
-        </p:spPr>
-        <p:txBody>
-          <a:bodyPr wrap="none" lIns="45719" rIns="45719">
-            <a:spAutoFit/>
-          </a:bodyPr>
-          <a:lstStyle/>
-          <a:p>
-            <a:pPr lvl="0"/>
-            <a:r>
-              <a:rPr sz="2400"/>
-              <a:t>Representation of mathematical equations as </a:t>
-            </a:r>
-            <a:r>
-              <a:rPr sz="2400">
-                <a:latin typeface="Consolas"/>
-                <a:ea typeface="Consolas"/>
-                <a:cs typeface="Consolas"/>
-                <a:sym typeface="Consolas"/>
-              </a:rPr>
-              <a:t>ASTNode</a:t>
-            </a:r>
-          </a:p>
-        </p:txBody>
-      </p:sp>
-    </p:spTree>
-  </p:cSld>
-  <p:clrMapOvr>
-    <a:masterClrMapping/>
-  </p:clrMapOvr>
-  <p:transition spd="med" advClick="1"/>
-</p:sld>
-</file>
-
-<file path=ppt/slides/slide27.xml><?xml version="1.0" encoding="utf-8"?>
-<p:sld xmlns:a="http://schemas.openxmlformats.org/drawingml/2006/main" xmlns:r="http://schemas.openxmlformats.org/officeDocument/2006/relationships" xmlns:p="http://schemas.openxmlformats.org/presentationml/2006/main" showMasterSp="1" showMasterPhAnim="1">
-  <p:cSld>
-    <p:spTree>
-      <p:nvGrpSpPr>
-        <p:cNvPr id="1" name=""/>
-        <p:cNvGrpSpPr/>
-        <p:nvPr/>
-      </p:nvGrpSpPr>
-      <p:grpSpPr>
-        <a:xfrm>
-          <a:off x="0" y="0"/>
-          <a:ext cx="0" cy="0"/>
-          <a:chOff x="0" y="0"/>
-          <a:chExt cx="0" cy="0"/>
-        </a:xfrm>
-      </p:grpSpPr>
-      <p:sp>
-        <p:nvSpPr>
-          <p:cNvPr id="173" name="Shape 173"/>
-          <p:cNvSpPr/>
-          <p:nvPr/>
-        </p:nvSpPr>
-        <p:spPr>
-          <a:xfrm>
-            <a:off x="303212" y="180975"/>
-            <a:ext cx="5992973" cy="450910"/>
-          </a:xfrm>
-          <a:prstGeom prst="rect">
-            <a:avLst/>
-          </a:prstGeom>
-          <a:ln w="12700">
-            <a:miter lim="400000"/>
-          </a:ln>
-          <a:extLst>
-            <a:ext uri="{C572A759-6A51-4108-AA02-DFA0A04FC94B}">
-              <ma14:wrappingTextBoxFlag xmlns:ma14="http://schemas.microsoft.com/office/mac/drawingml/2011/main" val="1"/>
-            </a:ext>
-          </a:extLst>
-        </p:spPr>
-        <p:txBody>
-          <a:bodyPr wrap="none" lIns="45719" rIns="45719">
-            <a:spAutoFit/>
-          </a:bodyPr>
-          <a:lstStyle/>
-          <a:p>
-            <a:pPr lvl="0"/>
-            <a:r>
-              <a:rPr sz="2400"/>
-              <a:t>Closer look at the interface </a:t>
-            </a:r>
-            <a:r>
-              <a:rPr sz="2400">
-                <a:latin typeface="Consolas"/>
-                <a:ea typeface="Consolas"/>
-                <a:cs typeface="Consolas"/>
-                <a:sym typeface="Consolas"/>
-              </a:rPr>
-              <a:t>MathContainer</a:t>
-            </a:r>
-          </a:p>
-        </p:txBody>
-      </p:sp>
-      <p:pic>
-        <p:nvPicPr>
-          <p:cNvPr id="174" name="image14.png" descr="MathContainer.png"/>
-          <p:cNvPicPr/>
-          <p:nvPr/>
-        </p:nvPicPr>
-        <p:blipFill>
-          <a:blip r:embed="rId2">
-            <a:extLst/>
-          </a:blip>
-          <a:stretch>
-            <a:fillRect/>
-          </a:stretch>
-        </p:blipFill>
-        <p:spPr>
-          <a:xfrm>
-            <a:off x="0" y="1352550"/>
-            <a:ext cx="9118600" cy="4094163"/>
-          </a:xfrm>
-          <a:prstGeom prst="rect">
-            <a:avLst/>
-          </a:prstGeom>
-          <a:ln w="12700">
-            <a:miter lim="400000"/>
-          </a:ln>
-        </p:spPr>
-      </p:pic>
-    </p:spTree>
-  </p:cSld>
-  <p:clrMapOvr>
-    <a:masterClrMapping/>
-  </p:clrMapOvr>
-  <p:transition spd="med" advClick="1"/>
-</p:sld>
-</file>
-
-<file path=ppt/slides/slide28.xml><?xml version="1.0" encoding="utf-8"?>
-<p:sld xmlns:a="http://schemas.openxmlformats.org/drawingml/2006/main" xmlns:r="http://schemas.openxmlformats.org/officeDocument/2006/relationships" xmlns:p="http://schemas.openxmlformats.org/presentationml/2006/main" showMasterSp="1" showMasterPhAnim="1">
-  <p:cSld>
-    <p:spTree>
-      <p:nvGrpSpPr>
-        <p:cNvPr id="1" name=""/>
-        <p:cNvGrpSpPr/>
-        <p:nvPr/>
-      </p:nvGrpSpPr>
-      <p:grpSpPr>
-        <a:xfrm>
-          <a:off x="0" y="0"/>
-          <a:ext cx="0" cy="0"/>
-          <a:chOff x="0" y="0"/>
-          <a:chExt cx="0" cy="0"/>
-        </a:xfrm>
-      </p:grpSpPr>
-      <p:pic>
-        <p:nvPicPr>
-          <p:cNvPr id="176" name="image15.png" descr="Symbol.png"/>
-          <p:cNvPicPr/>
-          <p:nvPr/>
-        </p:nvPicPr>
-        <p:blipFill>
-          <a:blip r:embed="rId2">
-            <a:extLst/>
-          </a:blip>
-          <a:stretch>
-            <a:fillRect/>
-          </a:stretch>
-        </p:blipFill>
-        <p:spPr>
-          <a:xfrm>
-            <a:off x="11113" y="306388"/>
-            <a:ext cx="9132887" cy="6424613"/>
-          </a:xfrm>
-          <a:prstGeom prst="rect">
-            <a:avLst/>
-          </a:prstGeom>
-          <a:ln w="12700">
-            <a:miter lim="400000"/>
-          </a:ln>
-        </p:spPr>
-      </p:pic>
-      <p:sp>
-        <p:nvSpPr>
-          <p:cNvPr id="177" name="Shape 177"/>
-          <p:cNvSpPr/>
-          <p:nvPr/>
-        </p:nvSpPr>
-        <p:spPr>
-          <a:xfrm>
-            <a:off x="303213" y="180975"/>
-            <a:ext cx="8408601" cy="450910"/>
-          </a:xfrm>
-          <a:prstGeom prst="rect">
-            <a:avLst/>
-          </a:prstGeom>
-          <a:ln w="12700">
-            <a:miter lim="400000"/>
-          </a:ln>
-          <a:extLst>
-            <a:ext uri="{C572A759-6A51-4108-AA02-DFA0A04FC94B}">
-              <ma14:wrappingTextBoxFlag xmlns:ma14="http://schemas.microsoft.com/office/mac/drawingml/2011/main" val="1"/>
-            </a:ext>
-          </a:extLst>
-        </p:spPr>
-        <p:txBody>
-          <a:bodyPr wrap="none" lIns="45719" rIns="45719">
-            <a:spAutoFit/>
-          </a:bodyPr>
-          <a:lstStyle/>
-          <a:p>
-            <a:pPr lvl="0"/>
-            <a:r>
-              <a:rPr sz="2400"/>
-              <a:t>The relationship between instances of the interface </a:t>
-            </a:r>
-            <a:r>
-              <a:rPr sz="2400">
-                <a:latin typeface="Consolas"/>
-                <a:ea typeface="Consolas"/>
-                <a:cs typeface="Consolas"/>
-                <a:sym typeface="Consolas"/>
-              </a:rPr>
-              <a:t>Variable</a:t>
-            </a:r>
-          </a:p>
-        </p:txBody>
-      </p:sp>
-    </p:spTree>
-  </p:cSld>
-  <p:clrMapOvr>
-    <a:masterClrMapping/>
-  </p:clrMapOvr>
-  <p:transition spd="med" advClick="1"/>
-</p:sld>
-</file>
-
-<file path=ppt/slides/slide29.xml><?xml version="1.0" encoding="utf-8"?>
-<p:sld xmlns:a="http://schemas.openxmlformats.org/drawingml/2006/main" xmlns:r="http://schemas.openxmlformats.org/officeDocument/2006/relationships" xmlns:p="http://schemas.openxmlformats.org/presentationml/2006/main" showMasterSp="1" showMasterPhAnim="1">
-  <p:cSld>
-    <p:spTree>
-      <p:nvGrpSpPr>
-        <p:cNvPr id="1" name=""/>
-        <p:cNvGrpSpPr/>
-        <p:nvPr/>
-      </p:nvGrpSpPr>
-      <p:grpSpPr>
-        <a:xfrm>
-          <a:off x="0" y="0"/>
-          <a:ext cx="0" cy="0"/>
-          <a:chOff x="0" y="0"/>
-          <a:chExt cx="0" cy="0"/>
-        </a:xfrm>
-      </p:grpSpPr>
-      <p:sp>
-        <p:nvSpPr>
-          <p:cNvPr id="179" name="Shape 179"/>
-          <p:cNvSpPr/>
-          <p:nvPr>
-            <p:ph type="title" idx="4294967295"/>
-          </p:nvPr>
-        </p:nvSpPr>
-        <p:spPr>
-          <a:xfrm>
-            <a:off x="457200" y="274638"/>
-            <a:ext cx="8229600" cy="1143001"/>
-          </a:xfrm>
-          <a:prstGeom prst="rect">
-            <a:avLst/>
-          </a:prstGeom>
-        </p:spPr>
-        <p:txBody>
-          <a:bodyPr lIns="0" tIns="0" rIns="0" bIns="0">
-            <a:normAutofit fontScale="100000" lnSpcReduction="0"/>
-          </a:bodyPr>
-          <a:lstStyle/>
-          <a:p>
-            <a:pPr lvl="0">
-              <a:defRPr sz="1800"/>
-            </a:pPr>
-            <a:r>
-              <a:rPr sz="4400"/>
-              <a:t>Package structure</a:t>
-            </a:r>
-          </a:p>
-        </p:txBody>
-      </p:sp>
-      <p:pic>
-        <p:nvPicPr>
-          <p:cNvPr id="180" name="image16.png" descr="E:\draeger\Documents\Praesentationen\2011-04-18_HARMONY\JSBML_main_package.png"/>
-          <p:cNvPicPr/>
-          <p:nvPr/>
-        </p:nvPicPr>
-        <p:blipFill>
-          <a:blip r:embed="rId2">
-            <a:extLst/>
-          </a:blip>
-          <a:stretch>
-            <a:fillRect/>
-          </a:stretch>
-        </p:blipFill>
-        <p:spPr>
-          <a:xfrm>
-            <a:off x="5715000" y="1285875"/>
-            <a:ext cx="2428875" cy="5210175"/>
-          </a:xfrm>
-          <a:prstGeom prst="rect">
-            <a:avLst/>
-          </a:prstGeom>
-          <a:ln w="12700">
-            <a:miter lim="400000"/>
-          </a:ln>
-        </p:spPr>
-      </p:pic>
-      <p:pic>
-        <p:nvPicPr>
-          <p:cNvPr id="181" name="image17.png" descr="E:\draeger\Documents\Praesentationen\2011-04-18_HARMONY\JSBML_extension.png"/>
-          <p:cNvPicPr/>
-          <p:nvPr/>
-        </p:nvPicPr>
-        <p:blipFill>
-          <a:blip r:embed="rId3">
-            <a:extLst/>
-          </a:blip>
-          <a:stretch>
-            <a:fillRect/>
-          </a:stretch>
-        </p:blipFill>
-        <p:spPr>
-          <a:xfrm>
-            <a:off x="5500687" y="1571625"/>
-            <a:ext cx="2786063" cy="4284663"/>
-          </a:xfrm>
-          <a:prstGeom prst="rect">
-            <a:avLst/>
-          </a:prstGeom>
-          <a:ln w="12700">
-            <a:miter lim="400000"/>
-          </a:ln>
-        </p:spPr>
-      </p:pic>
-      <p:pic>
-        <p:nvPicPr>
-          <p:cNvPr id="182" name="image18.png" descr="E:\draeger\Documents\Praesentationen\2011-04-18_HARMONY\JSBML_resources.png"/>
-          <p:cNvPicPr/>
-          <p:nvPr/>
-        </p:nvPicPr>
-        <p:blipFill>
-          <a:blip r:embed="rId4">
-            <a:extLst/>
-          </a:blip>
-          <a:stretch>
-            <a:fillRect/>
-          </a:stretch>
-        </p:blipFill>
-        <p:spPr>
-          <a:xfrm>
-            <a:off x="5429250" y="2286000"/>
-            <a:ext cx="3286125" cy="3038475"/>
-          </a:xfrm>
-          <a:prstGeom prst="rect">
-            <a:avLst/>
-          </a:prstGeom>
-          <a:ln w="12700">
-            <a:miter lim="400000"/>
-          </a:ln>
-        </p:spPr>
-      </p:pic>
-      <p:pic>
-        <p:nvPicPr>
-          <p:cNvPr id="183" name="image19.png" descr="E:\draeger\Documents\Praesentationen\2011-04-18_HARMONY\JSBML_text_parser.png"/>
-          <p:cNvPicPr/>
-          <p:nvPr/>
-        </p:nvPicPr>
-        <p:blipFill>
-          <a:blip r:embed="rId5">
-            <a:extLst/>
-          </a:blip>
-          <a:stretch>
-            <a:fillRect/>
-          </a:stretch>
-        </p:blipFill>
-        <p:spPr>
-          <a:xfrm>
-            <a:off x="5143500" y="2500313"/>
-            <a:ext cx="3314700" cy="2214562"/>
-          </a:xfrm>
-          <a:prstGeom prst="rect">
-            <a:avLst/>
-          </a:prstGeom>
-          <a:ln w="12700">
-            <a:miter lim="400000"/>
-          </a:ln>
-        </p:spPr>
-      </p:pic>
-      <p:pic>
-        <p:nvPicPr>
-          <p:cNvPr id="184" name="image20.png" descr="E:\draeger\Documents\Praesentationen\2011-04-18_HARMONY\JSBML_util.png"/>
-          <p:cNvPicPr/>
-          <p:nvPr/>
-        </p:nvPicPr>
-        <p:blipFill>
-          <a:blip r:embed="rId6">
-            <a:extLst/>
-          </a:blip>
-          <a:stretch>
-            <a:fillRect/>
-          </a:stretch>
-        </p:blipFill>
-        <p:spPr>
-          <a:xfrm>
-            <a:off x="5286375" y="1252537"/>
-            <a:ext cx="3071814" cy="5105401"/>
-          </a:xfrm>
-          <a:prstGeom prst="rect">
-            <a:avLst/>
-          </a:prstGeom>
-          <a:ln w="12700">
-            <a:miter lim="400000"/>
-          </a:ln>
-        </p:spPr>
-      </p:pic>
-      <p:pic>
-        <p:nvPicPr>
-          <p:cNvPr id="185" name="image21.png" descr="E:\draeger\Documents\Praesentationen\2011-04-18_HARMONY\JSBML_validator.png"/>
-          <p:cNvPicPr/>
-          <p:nvPr/>
-        </p:nvPicPr>
-        <p:blipFill>
-          <a:blip r:embed="rId7">
-            <a:extLst/>
-          </a:blip>
-          <a:stretch>
-            <a:fillRect/>
-          </a:stretch>
-        </p:blipFill>
-        <p:spPr>
-          <a:xfrm>
-            <a:off x="4429125" y="2857500"/>
-            <a:ext cx="4572000" cy="1355725"/>
-          </a:xfrm>
-          <a:prstGeom prst="rect">
-            <a:avLst/>
-          </a:prstGeom>
-          <a:ln w="12700">
-            <a:miter lim="400000"/>
-          </a:ln>
-        </p:spPr>
-      </p:pic>
-      <p:pic>
-        <p:nvPicPr>
-          <p:cNvPr id="186" name="image22.png" descr="E:\draeger\Documents\Praesentationen\2011-04-18_HARMONY\JSBML_XML.png"/>
-          <p:cNvPicPr/>
-          <p:nvPr/>
-        </p:nvPicPr>
-        <p:blipFill>
-          <a:blip r:embed="rId8">
-            <a:extLst/>
-          </a:blip>
-          <a:stretch>
-            <a:fillRect/>
-          </a:stretch>
-        </p:blipFill>
-        <p:spPr>
-          <a:xfrm>
-            <a:off x="5000625" y="1357312"/>
-            <a:ext cx="3214689" cy="5067301"/>
-          </a:xfrm>
-          <a:prstGeom prst="rect">
-            <a:avLst/>
-          </a:prstGeom>
-          <a:ln w="12700">
-            <a:miter lim="400000"/>
-          </a:ln>
-        </p:spPr>
-      </p:pic>
-      <p:pic>
-        <p:nvPicPr>
-          <p:cNvPr id="187" name="image23.png" descr="JSBML_package_structure.png"/>
-          <p:cNvPicPr/>
-          <p:nvPr/>
-        </p:nvPicPr>
-        <p:blipFill>
-          <a:blip r:embed="rId9">
-            <a:extLst/>
-          </a:blip>
-          <a:stretch>
-            <a:fillRect/>
-          </a:stretch>
-        </p:blipFill>
-        <p:spPr>
-          <a:xfrm>
-            <a:off x="1000125" y="1292225"/>
-            <a:ext cx="2951164" cy="5137150"/>
-          </a:xfrm>
-          <a:prstGeom prst="rect">
-            <a:avLst/>
-          </a:prstGeom>
-          <a:ln w="12700">
-            <a:miter lim="400000"/>
-          </a:ln>
-        </p:spPr>
-      </p:pic>
-    </p:spTree>
-  </p:cSld>
-  <p:clrMapOvr>
-    <a:masterClrMapping/>
-  </p:clrMapOvr>
-  <p:transition spd="med" advClick="1"/>
-  <p:timing>
-    <p:tnLst>
-      <p:par>
-        <p:cTn id="1" nodeType="tmRoot" restart="never" dur="indefinite" fill="hold">
-          <p:childTnLst>
-            <p:seq concurrent="1" prevAc="none" nextAc="seek">
-              <p:cTn id="2" nodeType="mainSeq" dur="indefinite" fill="hold">
-                <p:childTnLst>
-                  <p:par>
-                    <p:cTn id="3" fill="hold">
-                      <p:stCondLst>
-                        <p:cond delay="indefinite"/>
-                      </p:stCondLst>
-                      <p:childTnLst>
-                        <p:par>
-                          <p:cTn id="4" fill="hold">
-                            <p:stCondLst>
-                              <p:cond delay="0"/>
-                            </p:stCondLst>
-                            <p:childTnLst>
-                              <p:par>
-                                <p:cTn id="5" nodeType="clickEffect" presetClass="entr" presetSubtype="32" presetID="23" grpId="1" fill="hold">
-                                  <p:stCondLst>
-                                    <p:cond delay="0"/>
-                                  </p:stCondLst>
-                                  <p:iterate type="el" backwards="0">
-                                    <p:tmAbs val="0"/>
-                                  </p:iterate>
-                                  <p:childTnLst>
-                                    <p:set>
-                                      <p:cBhvr>
-                                        <p:cTn id="6" fill="hold"/>
-                                        <p:tgtEl>
-                                          <p:spTgt spid="180"/>
-                                        </p:tgtEl>
-                                        <p:attrNameLst>
-                                          <p:attrName>style.visibility</p:attrName>
-                                        </p:attrNameLst>
-                                      </p:cBhvr>
-                                      <p:to>
-                                        <p:strVal val="visible"/>
-                                      </p:to>
-                                    </p:set>
-                                    <p:anim calcmode="lin" valueType="num">
-                                      <p:cBhvr>
-                                        <p:cTn id="7" dur="500" fill="hold"/>
-                                        <p:tgtEl>
-                                          <p:spTgt spid="180"/>
-                                        </p:tgtEl>
-                                        <p:attrNameLst>
-                                          <p:attrName>ppt_w</p:attrName>
-                                        </p:attrNameLst>
-                                      </p:cBhvr>
-                                      <p:tavLst>
-                                        <p:tav tm="0">
-                                          <p:val>
-                                            <p:fltVal val="0"/>
-                                          </p:val>
-                                        </p:tav>
-                                        <p:tav tm="100000">
-                                          <p:val>
-                                            <p:strVal val="#ppt_w"/>
-                                          </p:val>
-                                        </p:tav>
-                                      </p:tavLst>
-                                    </p:anim>
-                                    <p:anim calcmode="lin" valueType="num">
-                                      <p:cBhvr>
-                                        <p:cTn id="8" dur="500" fill="hold"/>
-                                        <p:tgtEl>
-                                          <p:spTgt spid="180"/>
-                                        </p:tgtEl>
-                                        <p:attrNameLst>
-                                          <p:attrName>ppt_h</p:attrName>
-                                        </p:attrNameLst>
-                                      </p:cBhvr>
-                                      <p:tavLst>
-                                        <p:tav tm="0">
-                                          <p:val>
-                                            <p:fltVal val="0"/>
-                                          </p:val>
-                                        </p:tav>
-                                        <p:tav tm="100000">
-                                          <p:val>
-                                            <p:strVal val="#ppt_h"/>
-                                          </p:val>
-                                        </p:tav>
-                                      </p:tavLst>
-                                    </p:anim>
-                                  </p:childTnLst>
-                                </p:cTn>
-                              </p:par>
-                            </p:childTnLst>
-                          </p:cTn>
-                        </p:par>
-                      </p:childTnLst>
-                    </p:cTn>
-                  </p:par>
-                  <p:par>
-                    <p:cTn id="9" fill="hold">
-                      <p:stCondLst>
-                        <p:cond delay="indefinite"/>
-                      </p:stCondLst>
-                      <p:childTnLst>
-                        <p:par>
-                          <p:cTn id="10" fill="hold">
-                            <p:stCondLst>
-                              <p:cond delay="0"/>
-                            </p:stCondLst>
-                            <p:childTnLst>
-                              <p:par>
-                                <p:cTn id="11" nodeType="clickEffect" presetClass="exit" presetSubtype="16" presetID="23" grpId="2" fill="hold">
-                                  <p:stCondLst>
-                                    <p:cond delay="0"/>
-                                  </p:stCondLst>
-                                  <p:iterate type="el" backwards="0">
-                                    <p:tmAbs val="0"/>
-                                  </p:iterate>
-                                  <p:childTnLst>
-                                    <p:anim calcmode="lin" valueType="num">
-                                      <p:cBhvr>
-                                        <p:cTn id="12" dur="500" fill="hold"/>
-                                        <p:tgtEl>
-                                          <p:spTgt spid="180"/>
-                                        </p:tgtEl>
-                                        <p:attrNameLst>
-                                          <p:attrName>ppt_w</p:attrName>
-                                        </p:attrNameLst>
-                                      </p:cBhvr>
-                                      <p:tavLst>
-                                        <p:tav tm="0">
-                                          <p:val>
-                                            <p:strVal val="ppt_w"/>
-                                          </p:val>
-                                        </p:tav>
-                                        <p:tav tm="100000">
-                                          <p:val>
-                                            <p:fltVal val="0"/>
-                                          </p:val>
-                                        </p:tav>
-                                      </p:tavLst>
-                                    </p:anim>
-                                    <p:anim calcmode="lin" valueType="num">
-                                      <p:cBhvr>
-                                        <p:cTn id="13" dur="500" fill="hold"/>
-                                        <p:tgtEl>
-                                          <p:spTgt spid="180"/>
-                                        </p:tgtEl>
-                                        <p:attrNameLst>
-                                          <p:attrName>ppt_h</p:attrName>
-                                        </p:attrNameLst>
-                                      </p:cBhvr>
-                                      <p:tavLst>
-                                        <p:tav tm="0">
-                                          <p:val>
-                                            <p:strVal val="ppt_h"/>
-                                          </p:val>
-                                        </p:tav>
-                                        <p:tav tm="100000">
-                                          <p:val>
-                                            <p:fltVal val="0"/>
-                                          </p:val>
-                                        </p:tav>
-                                      </p:tavLst>
-                                    </p:anim>
-                                    <p:set>
-                                      <p:cBhvr>
-                                        <p:cTn id="14" fill="hold">
-                                          <p:stCondLst>
-                                            <p:cond delay="499"/>
-                                          </p:stCondLst>
-                                        </p:cTn>
-                                        <p:tgtEl>
-                                          <p:spTgt spid="180"/>
-                                        </p:tgtEl>
-                                        <p:attrNameLst>
-                                          <p:attrName>style.visibility</p:attrName>
-                                        </p:attrNameLst>
-                                      </p:cBhvr>
-                                      <p:to>
-                                        <p:strVal val="hidden"/>
-                                      </p:to>
-                                    </p:set>
-                                  </p:childTnLst>
-                                </p:cTn>
-                              </p:par>
-                            </p:childTnLst>
-                          </p:cTn>
-                        </p:par>
-                        <p:par>
-                          <p:cTn id="15" fill="hold">
-                            <p:stCondLst>
-                              <p:cond delay="500"/>
-                            </p:stCondLst>
-                            <p:childTnLst>
-                              <p:par>
-                                <p:cTn id="16" nodeType="afterEffect" presetClass="entr" presetSubtype="32" presetID="23" grpId="3" fill="hold">
-                                  <p:stCondLst>
-                                    <p:cond delay="0"/>
-                                  </p:stCondLst>
-                                  <p:iterate type="el" backwards="0">
-                                    <p:tmAbs val="0"/>
-                                  </p:iterate>
-                                  <p:childTnLst>
-                                    <p:set>
-                                      <p:cBhvr>
-                                        <p:cTn id="17" fill="hold"/>
-                                        <p:tgtEl>
-                                          <p:spTgt spid="181"/>
-                                        </p:tgtEl>
-                                        <p:attrNameLst>
-                                          <p:attrName>style.visibility</p:attrName>
-                                        </p:attrNameLst>
-                                      </p:cBhvr>
-                                      <p:to>
-                                        <p:strVal val="visible"/>
-                                      </p:to>
-                                    </p:set>
-                                    <p:anim calcmode="lin" valueType="num">
-                                      <p:cBhvr>
-                                        <p:cTn id="18" dur="500" fill="hold"/>
-                                        <p:tgtEl>
-                                          <p:spTgt spid="181"/>
-                                        </p:tgtEl>
-                                        <p:attrNameLst>
-                                          <p:attrName>ppt_w</p:attrName>
-                                        </p:attrNameLst>
-                                      </p:cBhvr>
-                                      <p:tavLst>
-                                        <p:tav tm="0">
-                                          <p:val>
-                                            <p:fltVal val="0"/>
-                                          </p:val>
-                                        </p:tav>
-                                        <p:tav tm="100000">
-                                          <p:val>
-                                            <p:strVal val="#ppt_w"/>
-                                          </p:val>
-                                        </p:tav>
-                                      </p:tavLst>
-                                    </p:anim>
-                                    <p:anim calcmode="lin" valueType="num">
-                                      <p:cBhvr>
-                                        <p:cTn id="19" dur="500" fill="hold"/>
-                                        <p:tgtEl>
-                                          <p:spTgt spid="181"/>
-                                        </p:tgtEl>
-                                        <p:attrNameLst>
-                                          <p:attrName>ppt_h</p:attrName>
-                                        </p:attrNameLst>
-                                      </p:cBhvr>
-                                      <p:tavLst>
-                                        <p:tav tm="0">
-                                          <p:val>
-                                            <p:fltVal val="0"/>
-                                          </p:val>
-                                        </p:tav>
-                                        <p:tav tm="100000">
-                                          <p:val>
-                                            <p:strVal val="#ppt_h"/>
-                                          </p:val>
-                                        </p:tav>
-                                      </p:tavLst>
-                                    </p:anim>
-                                  </p:childTnLst>
-                                </p:cTn>
-                              </p:par>
-                            </p:childTnLst>
-                          </p:cTn>
-                        </p:par>
-                      </p:childTnLst>
-                    </p:cTn>
-                  </p:par>
-                  <p:par>
-                    <p:cTn id="20" fill="hold">
-                      <p:stCondLst>
-                        <p:cond delay="indefinite"/>
-                      </p:stCondLst>
-                      <p:childTnLst>
-                        <p:par>
-                          <p:cTn id="21" fill="hold">
-                            <p:stCondLst>
-                              <p:cond delay="0"/>
-                            </p:stCondLst>
-                            <p:childTnLst>
-                              <p:par>
-                                <p:cTn id="22" nodeType="clickEffect" presetClass="exit" presetSubtype="16" presetID="23" grpId="4" fill="hold">
-                                  <p:stCondLst>
-                                    <p:cond delay="0"/>
-                                  </p:stCondLst>
-                                  <p:iterate type="el" backwards="0">
-                                    <p:tmAbs val="0"/>
-                                  </p:iterate>
-                                  <p:childTnLst>
-                                    <p:anim calcmode="lin" valueType="num">
-                                      <p:cBhvr>
-                                        <p:cTn id="23" dur="500" fill="hold"/>
-                                        <p:tgtEl>
-                                          <p:spTgt spid="181"/>
-                                        </p:tgtEl>
-                                        <p:attrNameLst>
-                                          <p:attrName>ppt_w</p:attrName>
-                                        </p:attrNameLst>
-                                      </p:cBhvr>
-                                      <p:tavLst>
-                                        <p:tav tm="0">
-                                          <p:val>
-                                            <p:strVal val="ppt_w"/>
-                                          </p:val>
-                                        </p:tav>
-                                        <p:tav tm="100000">
-                                          <p:val>
-                                            <p:fltVal val="0"/>
-                                          </p:val>
-                                        </p:tav>
-                                      </p:tavLst>
-                                    </p:anim>
-                                    <p:anim calcmode="lin" valueType="num">
-                                      <p:cBhvr>
-                                        <p:cTn id="24" dur="500" fill="hold"/>
-                                        <p:tgtEl>
-                                          <p:spTgt spid="181"/>
-                                        </p:tgtEl>
-                                        <p:attrNameLst>
-                                          <p:attrName>ppt_h</p:attrName>
-                                        </p:attrNameLst>
-                                      </p:cBhvr>
-                                      <p:tavLst>
-                                        <p:tav tm="0">
-                                          <p:val>
-                                            <p:strVal val="ppt_h"/>
-                                          </p:val>
-                                        </p:tav>
-                                        <p:tav tm="100000">
-                                          <p:val>
-                                            <p:fltVal val="0"/>
-                                          </p:val>
-                                        </p:tav>
-                                      </p:tavLst>
-                                    </p:anim>
-                                    <p:set>
-                                      <p:cBhvr>
-                                        <p:cTn id="25" fill="hold">
-                                          <p:stCondLst>
-                                            <p:cond delay="499"/>
-                                          </p:stCondLst>
-                                        </p:cTn>
-                                        <p:tgtEl>
-                                          <p:spTgt spid="181"/>
-                                        </p:tgtEl>
-                                        <p:attrNameLst>
-                                          <p:attrName>style.visibility</p:attrName>
-                                        </p:attrNameLst>
-                                      </p:cBhvr>
-                                      <p:to>
-                                        <p:strVal val="hidden"/>
-                                      </p:to>
-                                    </p:set>
-                                  </p:childTnLst>
-                                </p:cTn>
-                              </p:par>
-                            </p:childTnLst>
-                          </p:cTn>
-                        </p:par>
-                        <p:par>
-                          <p:cTn id="26" fill="hold">
-                            <p:stCondLst>
-                              <p:cond delay="500"/>
-                            </p:stCondLst>
-                            <p:childTnLst>
-                              <p:par>
-                                <p:cTn id="27" nodeType="afterEffect" presetClass="entr" presetSubtype="32" presetID="23" grpId="5" fill="hold">
-                                  <p:stCondLst>
-                                    <p:cond delay="0"/>
-                                  </p:stCondLst>
-                                  <p:iterate type="el" backwards="0">
-                                    <p:tmAbs val="0"/>
-                                  </p:iterate>
-                                  <p:childTnLst>
-                                    <p:set>
-                                      <p:cBhvr>
-                                        <p:cTn id="28" fill="hold"/>
-                                        <p:tgtEl>
-                                          <p:spTgt spid="182"/>
-                                        </p:tgtEl>
-                                        <p:attrNameLst>
-                                          <p:attrName>style.visibility</p:attrName>
-                                        </p:attrNameLst>
-                                      </p:cBhvr>
-                                      <p:to>
-                                        <p:strVal val="visible"/>
-                                      </p:to>
-                                    </p:set>
-                                    <p:anim calcmode="lin" valueType="num">
-                                      <p:cBhvr>
-                                        <p:cTn id="29" dur="500" fill="hold"/>
-                                        <p:tgtEl>
-                                          <p:spTgt spid="182"/>
-                                        </p:tgtEl>
-                                        <p:attrNameLst>
-                                          <p:attrName>ppt_w</p:attrName>
-                                        </p:attrNameLst>
-                                      </p:cBhvr>
-                                      <p:tavLst>
-                                        <p:tav tm="0">
-                                          <p:val>
-                                            <p:fltVal val="0"/>
-                                          </p:val>
-                                        </p:tav>
-                                        <p:tav tm="100000">
-                                          <p:val>
-                                            <p:strVal val="#ppt_w"/>
-                                          </p:val>
-                                        </p:tav>
-                                      </p:tavLst>
-                                    </p:anim>
-                                    <p:anim calcmode="lin" valueType="num">
-                                      <p:cBhvr>
-                                        <p:cTn id="30" dur="500" fill="hold"/>
-                                        <p:tgtEl>
-                                          <p:spTgt spid="182"/>
-                                        </p:tgtEl>
-                                        <p:attrNameLst>
-                                          <p:attrName>ppt_h</p:attrName>
-                                        </p:attrNameLst>
-                                      </p:cBhvr>
-                                      <p:tavLst>
-                                        <p:tav tm="0">
-                                          <p:val>
-                                            <p:fltVal val="0"/>
-                                          </p:val>
-                                        </p:tav>
-                                        <p:tav tm="100000">
-                                          <p:val>
-                                            <p:strVal val="#ppt_h"/>
-                                          </p:val>
-                                        </p:tav>
-                                      </p:tavLst>
-                                    </p:anim>
-                                  </p:childTnLst>
-                                </p:cTn>
-                              </p:par>
-                            </p:childTnLst>
-                          </p:cTn>
-                        </p:par>
-                      </p:childTnLst>
-                    </p:cTn>
-                  </p:par>
-                  <p:par>
-                    <p:cTn id="31" fill="hold">
-                      <p:stCondLst>
-                        <p:cond delay="indefinite"/>
-                      </p:stCondLst>
-                      <p:childTnLst>
-                        <p:par>
-                          <p:cTn id="32" fill="hold">
-                            <p:stCondLst>
-                              <p:cond delay="0"/>
-                            </p:stCondLst>
-                            <p:childTnLst>
-                              <p:par>
-                                <p:cTn id="33" nodeType="clickEffect" presetClass="exit" presetSubtype="16" presetID="23" grpId="6" fill="hold">
-                                  <p:stCondLst>
-                                    <p:cond delay="0"/>
-                                  </p:stCondLst>
-                                  <p:iterate type="el" backwards="0">
-                                    <p:tmAbs val="0"/>
-                                  </p:iterate>
-                                  <p:childTnLst>
-                                    <p:anim calcmode="lin" valueType="num">
-                                      <p:cBhvr>
-                                        <p:cTn id="34" dur="500" fill="hold"/>
-                                        <p:tgtEl>
-                                          <p:spTgt spid="182"/>
-                                        </p:tgtEl>
-                                        <p:attrNameLst>
-                                          <p:attrName>ppt_w</p:attrName>
-                                        </p:attrNameLst>
-                                      </p:cBhvr>
-                                      <p:tavLst>
-                                        <p:tav tm="0">
-                                          <p:val>
-                                            <p:strVal val="ppt_w"/>
-                                          </p:val>
-                                        </p:tav>
-                                        <p:tav tm="100000">
-                                          <p:val>
-                                            <p:fltVal val="0"/>
-                                          </p:val>
-                                        </p:tav>
-                                      </p:tavLst>
-                                    </p:anim>
-                                    <p:anim calcmode="lin" valueType="num">
-                                      <p:cBhvr>
-                                        <p:cTn id="35" dur="500" fill="hold"/>
-                                        <p:tgtEl>
-                                          <p:spTgt spid="182"/>
-                                        </p:tgtEl>
-                                        <p:attrNameLst>
-                                          <p:attrName>ppt_h</p:attrName>
-                                        </p:attrNameLst>
-                                      </p:cBhvr>
-                                      <p:tavLst>
-                                        <p:tav tm="0">
-                                          <p:val>
-                                            <p:strVal val="ppt_h"/>
-                                          </p:val>
-                                        </p:tav>
-                                        <p:tav tm="100000">
-                                          <p:val>
-                                            <p:fltVal val="0"/>
-                                          </p:val>
-                                        </p:tav>
-                                      </p:tavLst>
-                                    </p:anim>
-                                    <p:set>
-                                      <p:cBhvr>
-                                        <p:cTn id="36" fill="hold">
-                                          <p:stCondLst>
-                                            <p:cond delay="499"/>
-                                          </p:stCondLst>
-                                        </p:cTn>
-                                        <p:tgtEl>
-                                          <p:spTgt spid="182"/>
-                                        </p:tgtEl>
-                                        <p:attrNameLst>
-                                          <p:attrName>style.visibility</p:attrName>
-                                        </p:attrNameLst>
-                                      </p:cBhvr>
-                                      <p:to>
-                                        <p:strVal val="hidden"/>
-                                      </p:to>
-                                    </p:set>
-                                  </p:childTnLst>
-                                </p:cTn>
-                              </p:par>
-                            </p:childTnLst>
-                          </p:cTn>
-                        </p:par>
-                        <p:par>
-                          <p:cTn id="37" fill="hold">
-                            <p:stCondLst>
-                              <p:cond delay="500"/>
-                            </p:stCondLst>
-                            <p:childTnLst>
-                              <p:par>
-                                <p:cTn id="38" nodeType="afterEffect" presetClass="entr" presetSubtype="32" presetID="23" grpId="7" fill="hold">
-                                  <p:stCondLst>
-                                    <p:cond delay="0"/>
-                                  </p:stCondLst>
-                                  <p:iterate type="el" backwards="0">
-                                    <p:tmAbs val="0"/>
-                                  </p:iterate>
-                                  <p:childTnLst>
-                                    <p:set>
-                                      <p:cBhvr>
-                                        <p:cTn id="39" fill="hold"/>
-                                        <p:tgtEl>
-                                          <p:spTgt spid="183"/>
-                                        </p:tgtEl>
-                                        <p:attrNameLst>
-                                          <p:attrName>style.visibility</p:attrName>
-                                        </p:attrNameLst>
-                                      </p:cBhvr>
-                                      <p:to>
-                                        <p:strVal val="visible"/>
-                                      </p:to>
-                                    </p:set>
-                                    <p:anim calcmode="lin" valueType="num">
-                                      <p:cBhvr>
-                                        <p:cTn id="40" dur="500" fill="hold"/>
-                                        <p:tgtEl>
-                                          <p:spTgt spid="183"/>
-                                        </p:tgtEl>
-                                        <p:attrNameLst>
-                                          <p:attrName>ppt_w</p:attrName>
-                                        </p:attrNameLst>
-                                      </p:cBhvr>
-                                      <p:tavLst>
-                                        <p:tav tm="0">
-                                          <p:val>
-                                            <p:fltVal val="0"/>
-                                          </p:val>
-                                        </p:tav>
-                                        <p:tav tm="100000">
-                                          <p:val>
-                                            <p:strVal val="#ppt_w"/>
-                                          </p:val>
-                                        </p:tav>
-                                      </p:tavLst>
-                                    </p:anim>
-                                    <p:anim calcmode="lin" valueType="num">
-                                      <p:cBhvr>
-                                        <p:cTn id="41" dur="500" fill="hold"/>
-                                        <p:tgtEl>
-                                          <p:spTgt spid="183"/>
-                                        </p:tgtEl>
-                                        <p:attrNameLst>
-                                          <p:attrName>ppt_h</p:attrName>
-                                        </p:attrNameLst>
-                                      </p:cBhvr>
-                                      <p:tavLst>
-                                        <p:tav tm="0">
-                                          <p:val>
-                                            <p:fltVal val="0"/>
-                                          </p:val>
-                                        </p:tav>
-                                        <p:tav tm="100000">
-                                          <p:val>
-                                            <p:strVal val="#ppt_h"/>
-                                          </p:val>
-                                        </p:tav>
-                                      </p:tavLst>
-                                    </p:anim>
-                                  </p:childTnLst>
-                                </p:cTn>
-                              </p:par>
-                            </p:childTnLst>
-                          </p:cTn>
-                        </p:par>
-                      </p:childTnLst>
-                    </p:cTn>
-                  </p:par>
-                  <p:par>
-                    <p:cTn id="42" fill="hold">
-                      <p:stCondLst>
-                        <p:cond delay="indefinite"/>
-                      </p:stCondLst>
-                      <p:childTnLst>
-                        <p:par>
-                          <p:cTn id="43" fill="hold">
-                            <p:stCondLst>
-                              <p:cond delay="0"/>
-                            </p:stCondLst>
-                            <p:childTnLst>
-                              <p:par>
-                                <p:cTn id="44" nodeType="clickEffect" presetClass="exit" presetSubtype="16" presetID="23" grpId="8" fill="hold">
-                                  <p:stCondLst>
-                                    <p:cond delay="0"/>
-                                  </p:stCondLst>
-                                  <p:iterate type="el" backwards="0">
-                                    <p:tmAbs val="0"/>
-                                  </p:iterate>
-                                  <p:childTnLst>
-                                    <p:anim calcmode="lin" valueType="num">
-                                      <p:cBhvr>
-                                        <p:cTn id="45" dur="500" fill="hold"/>
-                                        <p:tgtEl>
-                                          <p:spTgt spid="183"/>
-                                        </p:tgtEl>
-                                        <p:attrNameLst>
-                                          <p:attrName>ppt_w</p:attrName>
-                                        </p:attrNameLst>
-                                      </p:cBhvr>
-                                      <p:tavLst>
-                                        <p:tav tm="0">
-                                          <p:val>
-                                            <p:strVal val="ppt_w"/>
-                                          </p:val>
-                                        </p:tav>
-                                        <p:tav tm="100000">
-                                          <p:val>
-                                            <p:fltVal val="0"/>
-                                          </p:val>
-                                        </p:tav>
-                                      </p:tavLst>
-                                    </p:anim>
-                                    <p:anim calcmode="lin" valueType="num">
-                                      <p:cBhvr>
-                                        <p:cTn id="46" dur="500" fill="hold"/>
-                                        <p:tgtEl>
-                                          <p:spTgt spid="183"/>
-                                        </p:tgtEl>
-                                        <p:attrNameLst>
-                                          <p:attrName>ppt_h</p:attrName>
-                                        </p:attrNameLst>
-                                      </p:cBhvr>
-                                      <p:tavLst>
-                                        <p:tav tm="0">
-                                          <p:val>
-                                            <p:strVal val="ppt_h"/>
-                                          </p:val>
-                                        </p:tav>
-                                        <p:tav tm="100000">
-                                          <p:val>
-                                            <p:fltVal val="0"/>
-                                          </p:val>
-                                        </p:tav>
-                                      </p:tavLst>
-                                    </p:anim>
-                                    <p:set>
-                                      <p:cBhvr>
-                                        <p:cTn id="47" fill="hold">
-                                          <p:stCondLst>
-                                            <p:cond delay="499"/>
-                                          </p:stCondLst>
-                                        </p:cTn>
-                                        <p:tgtEl>
-                                          <p:spTgt spid="183"/>
-                                        </p:tgtEl>
-                                        <p:attrNameLst>
-                                          <p:attrName>style.visibility</p:attrName>
-                                        </p:attrNameLst>
-                                      </p:cBhvr>
-                                      <p:to>
-                                        <p:strVal val="hidden"/>
-                                      </p:to>
-                                    </p:set>
-                                  </p:childTnLst>
-                                </p:cTn>
-                              </p:par>
-                            </p:childTnLst>
-                          </p:cTn>
-                        </p:par>
-                        <p:par>
-                          <p:cTn id="48" fill="hold">
-                            <p:stCondLst>
-                              <p:cond delay="500"/>
-                            </p:stCondLst>
-                            <p:childTnLst>
-                              <p:par>
-                                <p:cTn id="49" nodeType="afterEffect" presetClass="entr" presetSubtype="32" presetID="23" grpId="9" fill="hold">
-                                  <p:stCondLst>
-                                    <p:cond delay="0"/>
-                                  </p:stCondLst>
-                                  <p:iterate type="el" backwards="0">
-                                    <p:tmAbs val="0"/>
-                                  </p:iterate>
-                                  <p:childTnLst>
-                                    <p:set>
-                                      <p:cBhvr>
-                                        <p:cTn id="50" fill="hold"/>
-                                        <p:tgtEl>
-                                          <p:spTgt spid="184"/>
-                                        </p:tgtEl>
-                                        <p:attrNameLst>
-                                          <p:attrName>style.visibility</p:attrName>
-                                        </p:attrNameLst>
-                                      </p:cBhvr>
-                                      <p:to>
-                                        <p:strVal val="visible"/>
-                                      </p:to>
-                                    </p:set>
-                                    <p:anim calcmode="lin" valueType="num">
-                                      <p:cBhvr>
-                                        <p:cTn id="51" dur="500" fill="hold"/>
-                                        <p:tgtEl>
-                                          <p:spTgt spid="184"/>
-                                        </p:tgtEl>
-                                        <p:attrNameLst>
-                                          <p:attrName>ppt_w</p:attrName>
-                                        </p:attrNameLst>
-                                      </p:cBhvr>
-                                      <p:tavLst>
-                                        <p:tav tm="0">
-                                          <p:val>
-                                            <p:fltVal val="0"/>
-                                          </p:val>
-                                        </p:tav>
-                                        <p:tav tm="100000">
-                                          <p:val>
-                                            <p:strVal val="#ppt_w"/>
-                                          </p:val>
-                                        </p:tav>
-                                      </p:tavLst>
-                                    </p:anim>
-                                    <p:anim calcmode="lin" valueType="num">
-                                      <p:cBhvr>
-                                        <p:cTn id="52" dur="500" fill="hold"/>
-                                        <p:tgtEl>
-                                          <p:spTgt spid="184"/>
-                                        </p:tgtEl>
-                                        <p:attrNameLst>
-                                          <p:attrName>ppt_h</p:attrName>
-                                        </p:attrNameLst>
-                                      </p:cBhvr>
-                                      <p:tavLst>
-                                        <p:tav tm="0">
-                                          <p:val>
-                                            <p:fltVal val="0"/>
-                                          </p:val>
-                                        </p:tav>
-                                        <p:tav tm="100000">
-                                          <p:val>
-                                            <p:strVal val="#ppt_h"/>
-                                          </p:val>
-                                        </p:tav>
-                                      </p:tavLst>
-                                    </p:anim>
-                                  </p:childTnLst>
-                                </p:cTn>
-                              </p:par>
-                            </p:childTnLst>
-                          </p:cTn>
-                        </p:par>
-                      </p:childTnLst>
-                    </p:cTn>
-                  </p:par>
-                  <p:par>
-                    <p:cTn id="53" fill="hold">
-                      <p:stCondLst>
-                        <p:cond delay="indefinite"/>
-                      </p:stCondLst>
-                      <p:childTnLst>
-                        <p:par>
-                          <p:cTn id="54" fill="hold">
-                            <p:stCondLst>
-                              <p:cond delay="0"/>
-                            </p:stCondLst>
-                            <p:childTnLst>
-                              <p:par>
-                                <p:cTn id="55" nodeType="clickEffect" presetClass="exit" presetSubtype="16" presetID="23" grpId="10" fill="hold">
-                                  <p:stCondLst>
-                                    <p:cond delay="0"/>
-                                  </p:stCondLst>
-                                  <p:iterate type="el" backwards="0">
-                                    <p:tmAbs val="0"/>
-                                  </p:iterate>
-                                  <p:childTnLst>
-                                    <p:anim calcmode="lin" valueType="num">
-                                      <p:cBhvr>
-                                        <p:cTn id="56" dur="500" fill="hold"/>
-                                        <p:tgtEl>
-                                          <p:spTgt spid="184"/>
-                                        </p:tgtEl>
-                                        <p:attrNameLst>
-                                          <p:attrName>ppt_w</p:attrName>
-                                        </p:attrNameLst>
-                                      </p:cBhvr>
-                                      <p:tavLst>
-                                        <p:tav tm="0">
-                                          <p:val>
-                                            <p:strVal val="ppt_w"/>
-                                          </p:val>
-                                        </p:tav>
-                                        <p:tav tm="100000">
-                                          <p:val>
-                                            <p:fltVal val="0"/>
-                                          </p:val>
-                                        </p:tav>
-                                      </p:tavLst>
-                                    </p:anim>
-                                    <p:anim calcmode="lin" valueType="num">
-                                      <p:cBhvr>
-                                        <p:cTn id="57" dur="500" fill="hold"/>
-                                        <p:tgtEl>
-                                          <p:spTgt spid="184"/>
-                                        </p:tgtEl>
-                                        <p:attrNameLst>
-                                          <p:attrName>ppt_h</p:attrName>
-                                        </p:attrNameLst>
-                                      </p:cBhvr>
-                                      <p:tavLst>
-                                        <p:tav tm="0">
-                                          <p:val>
-                                            <p:strVal val="ppt_h"/>
-                                          </p:val>
-                                        </p:tav>
-                                        <p:tav tm="100000">
-                                          <p:val>
-                                            <p:fltVal val="0"/>
-                                          </p:val>
-                                        </p:tav>
-                                      </p:tavLst>
-                                    </p:anim>
-                                    <p:set>
-                                      <p:cBhvr>
-                                        <p:cTn id="58" fill="hold">
-                                          <p:stCondLst>
-                                            <p:cond delay="499"/>
-                                          </p:stCondLst>
-                                        </p:cTn>
-                                        <p:tgtEl>
-                                          <p:spTgt spid="184"/>
-                                        </p:tgtEl>
-                                        <p:attrNameLst>
-                                          <p:attrName>style.visibility</p:attrName>
-                                        </p:attrNameLst>
-                                      </p:cBhvr>
-                                      <p:to>
-                                        <p:strVal val="hidden"/>
-                                      </p:to>
-                                    </p:set>
-                                  </p:childTnLst>
-                                </p:cTn>
-                              </p:par>
-                            </p:childTnLst>
-                          </p:cTn>
-                        </p:par>
-                        <p:par>
-                          <p:cTn id="59" fill="hold">
-                            <p:stCondLst>
-                              <p:cond delay="500"/>
-                            </p:stCondLst>
-                            <p:childTnLst>
-                              <p:par>
-                                <p:cTn id="60" nodeType="afterEffect" presetClass="entr" presetSubtype="32" presetID="23" grpId="11" fill="hold">
-                                  <p:stCondLst>
-                                    <p:cond delay="0"/>
-                                  </p:stCondLst>
-                                  <p:iterate type="el" backwards="0">
-                                    <p:tmAbs val="0"/>
-                                  </p:iterate>
-                                  <p:childTnLst>
-                                    <p:set>
-                                      <p:cBhvr>
-                                        <p:cTn id="61" fill="hold"/>
-                                        <p:tgtEl>
-                                          <p:spTgt spid="185"/>
-                                        </p:tgtEl>
-                                        <p:attrNameLst>
-                                          <p:attrName>style.visibility</p:attrName>
-                                        </p:attrNameLst>
-                                      </p:cBhvr>
-                                      <p:to>
-                                        <p:strVal val="visible"/>
-                                      </p:to>
-                                    </p:set>
-                                    <p:anim calcmode="lin" valueType="num">
-                                      <p:cBhvr>
-                                        <p:cTn id="62" dur="500" fill="hold"/>
-                                        <p:tgtEl>
-                                          <p:spTgt spid="185"/>
-                                        </p:tgtEl>
-                                        <p:attrNameLst>
-                                          <p:attrName>ppt_w</p:attrName>
-                                        </p:attrNameLst>
-                                      </p:cBhvr>
-                                      <p:tavLst>
-                                        <p:tav tm="0">
-                                          <p:val>
-                                            <p:fltVal val="0"/>
-                                          </p:val>
-                                        </p:tav>
-                                        <p:tav tm="100000">
-                                          <p:val>
-                                            <p:strVal val="#ppt_w"/>
-                                          </p:val>
-                                        </p:tav>
-                                      </p:tavLst>
-                                    </p:anim>
-                                    <p:anim calcmode="lin" valueType="num">
-                                      <p:cBhvr>
-                                        <p:cTn id="63" dur="500" fill="hold"/>
-                                        <p:tgtEl>
-                                          <p:spTgt spid="185"/>
-                                        </p:tgtEl>
-                                        <p:attrNameLst>
-                                          <p:attrName>ppt_h</p:attrName>
-                                        </p:attrNameLst>
-                                      </p:cBhvr>
-                                      <p:tavLst>
-                                        <p:tav tm="0">
-                                          <p:val>
-                                            <p:fltVal val="0"/>
-                                          </p:val>
-                                        </p:tav>
-                                        <p:tav tm="100000">
-                                          <p:val>
-                                            <p:strVal val="#ppt_h"/>
-                                          </p:val>
-                                        </p:tav>
-                                      </p:tavLst>
-                                    </p:anim>
-                                  </p:childTnLst>
-                                </p:cTn>
-                              </p:par>
-                            </p:childTnLst>
-                          </p:cTn>
-                        </p:par>
-                      </p:childTnLst>
-                    </p:cTn>
-                  </p:par>
-                  <p:par>
-                    <p:cTn id="64" fill="hold">
-                      <p:stCondLst>
-                        <p:cond delay="indefinite"/>
-                      </p:stCondLst>
-                      <p:childTnLst>
-                        <p:par>
-                          <p:cTn id="65" fill="hold">
-                            <p:stCondLst>
-                              <p:cond delay="0"/>
-                            </p:stCondLst>
-                            <p:childTnLst>
-                              <p:par>
-                                <p:cTn id="66" nodeType="clickEffect" presetClass="exit" presetSubtype="16" presetID="23" grpId="12" fill="hold">
-                                  <p:stCondLst>
-                                    <p:cond delay="0"/>
-                                  </p:stCondLst>
-                                  <p:iterate type="el" backwards="0">
-                                    <p:tmAbs val="0"/>
-                                  </p:iterate>
-                                  <p:childTnLst>
-                                    <p:anim calcmode="lin" valueType="num">
-                                      <p:cBhvr>
-                                        <p:cTn id="67" dur="500" fill="hold"/>
-                                        <p:tgtEl>
-                                          <p:spTgt spid="185"/>
-                                        </p:tgtEl>
-                                        <p:attrNameLst>
-                                          <p:attrName>ppt_w</p:attrName>
-                                        </p:attrNameLst>
-                                      </p:cBhvr>
-                                      <p:tavLst>
-                                        <p:tav tm="0">
-                                          <p:val>
-                                            <p:strVal val="ppt_w"/>
-                                          </p:val>
-                                        </p:tav>
-                                        <p:tav tm="100000">
-                                          <p:val>
-                                            <p:fltVal val="0"/>
-                                          </p:val>
-                                        </p:tav>
-                                      </p:tavLst>
-                                    </p:anim>
-                                    <p:anim calcmode="lin" valueType="num">
-                                      <p:cBhvr>
-                                        <p:cTn id="68" dur="500" fill="hold"/>
-                                        <p:tgtEl>
-                                          <p:spTgt spid="185"/>
-                                        </p:tgtEl>
-                                        <p:attrNameLst>
-                                          <p:attrName>ppt_h</p:attrName>
-                                        </p:attrNameLst>
-                                      </p:cBhvr>
-                                      <p:tavLst>
-                                        <p:tav tm="0">
-                                          <p:val>
-                                            <p:strVal val="ppt_h"/>
-                                          </p:val>
-                                        </p:tav>
-                                        <p:tav tm="100000">
-                                          <p:val>
-                                            <p:fltVal val="0"/>
-                                          </p:val>
-                                        </p:tav>
-                                      </p:tavLst>
-                                    </p:anim>
-                                    <p:set>
-                                      <p:cBhvr>
-                                        <p:cTn id="69" fill="hold">
-                                          <p:stCondLst>
-                                            <p:cond delay="499"/>
-                                          </p:stCondLst>
-                                        </p:cTn>
-                                        <p:tgtEl>
-                                          <p:spTgt spid="185"/>
-                                        </p:tgtEl>
-                                        <p:attrNameLst>
-                                          <p:attrName>style.visibility</p:attrName>
-                                        </p:attrNameLst>
-                                      </p:cBhvr>
-                                      <p:to>
-                                        <p:strVal val="hidden"/>
-                                      </p:to>
-                                    </p:set>
-                                  </p:childTnLst>
-                                </p:cTn>
-                              </p:par>
-                            </p:childTnLst>
-                          </p:cTn>
-                        </p:par>
-                        <p:par>
-                          <p:cTn id="70" fill="hold">
-                            <p:stCondLst>
-                              <p:cond delay="500"/>
-                            </p:stCondLst>
-                            <p:childTnLst>
-                              <p:par>
-                                <p:cTn id="71" nodeType="afterEffect" presetClass="entr" presetSubtype="32" presetID="23" grpId="13" fill="hold">
-                                  <p:stCondLst>
-                                    <p:cond delay="0"/>
-                                  </p:stCondLst>
-                                  <p:iterate type="el" backwards="0">
-                                    <p:tmAbs val="0"/>
-                                  </p:iterate>
-                                  <p:childTnLst>
-                                    <p:set>
-                                      <p:cBhvr>
-                                        <p:cTn id="72" fill="hold"/>
-                                        <p:tgtEl>
-                                          <p:spTgt spid="186"/>
-                                        </p:tgtEl>
-                                        <p:attrNameLst>
-                                          <p:attrName>style.visibility</p:attrName>
-                                        </p:attrNameLst>
-                                      </p:cBhvr>
-                                      <p:to>
-                                        <p:strVal val="visible"/>
-                                      </p:to>
-                                    </p:set>
-                                    <p:anim calcmode="lin" valueType="num">
-                                      <p:cBhvr>
-                                        <p:cTn id="73" dur="500" fill="hold"/>
-                                        <p:tgtEl>
-                                          <p:spTgt spid="186"/>
-                                        </p:tgtEl>
-                                        <p:attrNameLst>
-                                          <p:attrName>ppt_w</p:attrName>
-                                        </p:attrNameLst>
-                                      </p:cBhvr>
-                                      <p:tavLst>
-                                        <p:tav tm="0">
-                                          <p:val>
-                                            <p:fltVal val="0"/>
-                                          </p:val>
-                                        </p:tav>
-                                        <p:tav tm="100000">
-                                          <p:val>
-                                            <p:strVal val="#ppt_w"/>
-                                          </p:val>
-                                        </p:tav>
-                                      </p:tavLst>
-                                    </p:anim>
-                                    <p:anim calcmode="lin" valueType="num">
-                                      <p:cBhvr>
-                                        <p:cTn id="74" dur="500" fill="hold"/>
-                                        <p:tgtEl>
-                                          <p:spTgt spid="186"/>
-                                        </p:tgtEl>
-                                        <p:attrNameLst>
-                                          <p:attrName>ppt_h</p:attrName>
-                                        </p:attrNameLst>
-                                      </p:cBhvr>
-                                      <p:tavLst>
-                                        <p:tav tm="0">
-                                          <p:val>
-                                            <p:fltVal val="0"/>
-                                          </p:val>
-                                        </p:tav>
-                                        <p:tav tm="100000">
-                                          <p:val>
-                                            <p:strVal val="#ppt_h"/>
-                                          </p:val>
-                                        </p:tav>
-                                      </p:tavLst>
-                                    </p:anim>
-                                  </p:childTnLst>
-                                </p:cTn>
-                              </p:par>
-                            </p:childTnLst>
-                          </p:cTn>
-                        </p:par>
-                      </p:childTnLst>
-                    </p:cTn>
-                  </p:par>
-                </p:childTnLst>
-              </p:cTn>
-              <p:prevCondLst>
-                <p:cond evt="onPrev">
-                  <p:tgtEl>
-                    <p:sldTgt/>
-                  </p:tgtEl>
-                </p:cond>
-              </p:prevCondLst>
-              <p:nextCondLst>
-                <p:cond evt="onNext">
-                  <p:tgtEl>
-                    <p:sldTgt/>
-                  </p:tgtEl>
-                </p:cond>
-              </p:nextCondLst>
-            </p:seq>
-          </p:childTnLst>
-        </p:cTn>
-      </p:par>
-    </p:tnLst>
-    <p:bldLst>
-      <p:bldP build="whole" bldLvl="1" animBg="1" rev="0" advAuto="0" spid="186" grpId="13"/>
-      <p:bldP build="whole" bldLvl="1" animBg="1" rev="0" advAuto="0" spid="180" grpId="1"/>
-      <p:bldP build="whole" bldLvl="1" animBg="1" rev="0" advAuto="0" spid="185" grpId="11"/>
-      <p:bldP build="whole" bldLvl="1" animBg="1" rev="0" advAuto="0" spid="180" grpId="2"/>
-      <p:bldP build="whole" bldLvl="1" animBg="1" rev="0" advAuto="0" spid="185" grpId="12"/>
-      <p:bldP build="whole" bldLvl="1" animBg="1" rev="0" advAuto="0" spid="181" grpId="3"/>
-      <p:bldP build="whole" bldLvl="1" animBg="1" rev="0" advAuto="0" spid="181" grpId="4"/>
-      <p:bldP build="whole" bldLvl="1" animBg="1" rev="0" advAuto="0" spid="182" grpId="5"/>
-      <p:bldP build="whole" bldLvl="1" animBg="1" rev="0" advAuto="0" spid="182" grpId="6"/>
-      <p:bldP build="whole" bldLvl="1" animBg="1" rev="0" advAuto="0" spid="183" grpId="7"/>
-      <p:bldP build="whole" bldLvl="1" animBg="1" rev="0" advAuto="0" spid="183" grpId="8"/>
-      <p:bldP build="whole" bldLvl="1" animBg="1" rev="0" advAuto="0" spid="184" grpId="9"/>
-      <p:bldP build="whole" bldLvl="1" animBg="1" rev="0" advAuto="0" spid="184" grpId="10"/>
-    </p:bldLst>
-  </p:timing>
-</p:sld>
-</file>
-
 <file path=ppt/slides/slide3.xml><?xml version="1.0" encoding="utf-8"?>
 <p:sld xmlns:a="http://schemas.openxmlformats.org/drawingml/2006/main" xmlns:r="http://schemas.openxmlformats.org/officeDocument/2006/relationships" xmlns:p="http://schemas.openxmlformats.org/presentationml/2006/main" showMasterSp="1" showMasterPhAnim="1">
   <p:cSld>
@@ -12660,7 +13667,7 @@
       </p:grpSpPr>
       <p:pic>
         <p:nvPicPr>
-          <p:cNvPr id="59" name="image2.png" descr="E:\draeger\workspace\JSBML\doc\logo\JSBML.png"/>
+          <p:cNvPr id="62" name="image2.png" descr="E:\draeger\workspace\JSBML\doc\logo\JSBML.png"/>
           <p:cNvPicPr/>
           <p:nvPr/>
         </p:nvPicPr>
@@ -12694,17 +13701,13 @@
       </p:pic>
       <p:sp>
         <p:nvSpPr>
-          <p:cNvPr id="60" name="Shape 60"/>
+          <p:cNvPr id="63" name="Shape 63"/>
           <p:cNvSpPr/>
           <p:nvPr>
             <p:ph type="body" idx="1"/>
           </p:nvPr>
         </p:nvSpPr>
         <p:spPr>
-          <a:xfrm>
-            <a:off x="722312" y="2906713"/>
-            <a:ext cx="7772401" cy="1500188"/>
-          </a:xfrm>
           <a:prstGeom prst="rect">
             <a:avLst/>
           </a:prstGeom>
@@ -12753,7 +13756,7 @@
       </p:grpSpPr>
       <p:sp>
         <p:nvSpPr>
-          <p:cNvPr id="62" name="Shape 62"/>
+          <p:cNvPr id="65" name="Shape 65"/>
           <p:cNvSpPr/>
           <p:nvPr>
             <p:ph type="title"/>
@@ -12782,7 +13785,7 @@
       </p:sp>
       <p:sp>
         <p:nvSpPr>
-          <p:cNvPr id="63" name="Shape 63"/>
+          <p:cNvPr id="66" name="Shape 66"/>
           <p:cNvSpPr/>
           <p:nvPr>
             <p:ph type="body" idx="1"/>
@@ -12882,7 +13885,7 @@
       </p:sp>
       <p:sp>
         <p:nvSpPr>
-          <p:cNvPr id="64" name="Shape 64"/>
+          <p:cNvPr id="67" name="Shape 67"/>
           <p:cNvSpPr/>
           <p:nvPr>
             <p:ph type="sldNum" sz="quarter" idx="2"/>
@@ -12939,7 +13942,7 @@
       </p:grpSpPr>
       <p:sp>
         <p:nvSpPr>
-          <p:cNvPr id="66" name="Shape 66"/>
+          <p:cNvPr id="69" name="Shape 69"/>
           <p:cNvSpPr/>
           <p:nvPr>
             <p:ph type="title"/>
@@ -12968,7 +13971,7 @@
       </p:sp>
       <p:sp>
         <p:nvSpPr>
-          <p:cNvPr id="67" name="Shape 67"/>
+          <p:cNvPr id="70" name="Shape 70"/>
           <p:cNvSpPr/>
           <p:nvPr>
             <p:ph type="body" idx="1"/>
@@ -13704,7 +14707,7 @@
       </p:sp>
       <p:sp>
         <p:nvSpPr>
-          <p:cNvPr id="68" name="Shape 68"/>
+          <p:cNvPr id="71" name="Shape 71"/>
           <p:cNvSpPr/>
           <p:nvPr>
             <p:ph type="sldNum" sz="quarter" idx="2"/>
@@ -13761,7 +14764,7 @@
       </p:grpSpPr>
       <p:sp>
         <p:nvSpPr>
-          <p:cNvPr id="70" name="Shape 70"/>
+          <p:cNvPr id="73" name="Shape 73"/>
           <p:cNvSpPr/>
           <p:nvPr>
             <p:ph type="title"/>
@@ -13790,7 +14793,7 @@
       </p:sp>
       <p:sp>
         <p:nvSpPr>
-          <p:cNvPr id="71" name="Shape 71"/>
+          <p:cNvPr id="74" name="Shape 74"/>
           <p:cNvSpPr/>
           <p:nvPr>
             <p:ph type="body" idx="1"/>
@@ -15089,7 +16092,7 @@
       </p:sp>
       <p:sp>
         <p:nvSpPr>
-          <p:cNvPr id="72" name="Shape 72"/>
+          <p:cNvPr id="75" name="Shape 75"/>
           <p:cNvSpPr/>
           <p:nvPr>
             <p:ph type="sldNum" sz="quarter" idx="2"/>
@@ -15120,7 +16123,7 @@
       </p:sp>
       <p:pic>
         <p:nvPicPr>
-          <p:cNvPr id="73" name="image4.png" descr="Case26_Tree_MacOSX.png"/>
+          <p:cNvPr id="76" name="image4.png" descr="Case26_Tree_MacOSX.png"/>
           <p:cNvPicPr/>
           <p:nvPr/>
         </p:nvPicPr>
@@ -15147,7 +16150,7 @@
       </p:pic>
       <p:sp>
         <p:nvSpPr>
-          <p:cNvPr id="74" name="Shape 74"/>
+          <p:cNvPr id="77" name="Shape 77"/>
           <p:cNvSpPr/>
           <p:nvPr/>
         </p:nvSpPr>
@@ -15227,7 +16230,7 @@
                                       <p:cBhvr>
                                         <p:cTn id="6" fill="hold"/>
                                         <p:tgtEl>
-                                          <p:spTgt spid="73"/>
+                                          <p:spTgt spid="76"/>
                                         </p:tgtEl>
                                         <p:attrNameLst>
                                           <p:attrName>style.visibility</p:attrName>
@@ -15241,7 +16244,7 @@
                                       <p:cBhvr>
                                         <p:cTn id="7" dur="500" fill="hold"/>
                                         <p:tgtEl>
-                                          <p:spTgt spid="73"/>
+                                          <p:spTgt spid="76"/>
                                         </p:tgtEl>
                                         <p:attrNameLst>
                                           <p:attrName>ppt_x</p:attrName>
@@ -15264,7 +16267,7 @@
                                       <p:cBhvr>
                                         <p:cTn id="8" dur="500" fill="hold"/>
                                         <p:tgtEl>
-                                          <p:spTgt spid="73"/>
+                                          <p:spTgt spid="76"/>
                                         </p:tgtEl>
                                         <p:attrNameLst>
                                           <p:attrName>ppt_y</p:attrName>
@@ -15314,7 +16317,7 @@
       </p:par>
     </p:tnLst>
     <p:bldLst>
-      <p:bldP build="whole" bldLvl="1" animBg="1" rev="0" advAuto="0" spid="73" grpId="1"/>
+      <p:bldP build="whole" bldLvl="1" animBg="1" rev="0" advAuto="0" spid="76" grpId="1"/>
     </p:bldLst>
   </p:timing>
 </p:sld>
@@ -15339,7 +16342,7 @@
       </p:grpSpPr>
       <p:sp>
         <p:nvSpPr>
-          <p:cNvPr id="78" name="Shape 78"/>
+          <p:cNvPr id="81" name="Shape 81"/>
           <p:cNvSpPr/>
           <p:nvPr>
             <p:ph type="title"/>
@@ -15372,7 +16375,7 @@
       </p:sp>
       <p:sp>
         <p:nvSpPr>
-          <p:cNvPr id="79" name="Shape 79"/>
+          <p:cNvPr id="82" name="Shape 82"/>
           <p:cNvSpPr/>
           <p:nvPr>
             <p:ph type="body" idx="1"/>
@@ -15613,7 +16616,7 @@
       </p:grpSpPr>
       <p:sp>
         <p:nvSpPr>
-          <p:cNvPr id="81" name="Shape 81"/>
+          <p:cNvPr id="84" name="Shape 84"/>
           <p:cNvSpPr/>
           <p:nvPr>
             <p:ph type="title"/>
@@ -15640,7 +16643,7 @@
       </p:sp>
       <p:sp>
         <p:nvSpPr>
-          <p:cNvPr id="82" name="Shape 82"/>
+          <p:cNvPr id="85" name="Shape 85"/>
           <p:cNvSpPr/>
           <p:nvPr>
             <p:ph type="body" idx="1"/>
@@ -17118,7 +18121,7 @@
       </p:sp>
       <p:sp>
         <p:nvSpPr>
-          <p:cNvPr id="83" name="Shape 83"/>
+          <p:cNvPr id="86" name="Shape 86"/>
           <p:cNvSpPr/>
           <p:nvPr>
             <p:ph type="sldNum" sz="quarter" idx="2"/>
@@ -17175,7 +18178,7 @@
       </p:grpSpPr>
       <p:sp>
         <p:nvSpPr>
-          <p:cNvPr id="85" name="Shape 85"/>
+          <p:cNvPr id="88" name="Shape 88"/>
           <p:cNvSpPr/>
           <p:nvPr>
             <p:ph type="title"/>
@@ -17183,8 +18186,8 @@
         </p:nvSpPr>
         <p:spPr>
           <a:xfrm>
-            <a:off x="457199" y="0"/>
-            <a:ext cx="2133601" cy="1435100"/>
+            <a:off x="457200" y="0"/>
+            <a:ext cx="2133600" cy="1435100"/>
           </a:xfrm>
           <a:prstGeom prst="rect">
             <a:avLst/>
@@ -17206,7 +18209,7 @@
       </p:sp>
       <p:sp>
         <p:nvSpPr>
-          <p:cNvPr id="86" name="Shape 86"/>
+          <p:cNvPr id="89" name="Shape 89"/>
           <p:cNvSpPr/>
           <p:nvPr>
             <p:ph type="body" idx="1"/>
@@ -19034,7 +20037,7 @@
       </p:sp>
       <p:sp>
         <p:nvSpPr>
-          <p:cNvPr id="87" name="Shape 87"/>
+          <p:cNvPr id="90" name="Shape 90"/>
           <p:cNvSpPr/>
           <p:nvPr>
             <p:ph type="sldNum" sz="quarter" idx="2"/>
@@ -19065,7 +20068,7 @@
       </p:sp>
       <p:pic>
         <p:nvPicPr>
-          <p:cNvPr id="88" name="Bildschirmfoto 2014-04-16 um 09.36.45.png"/>
+          <p:cNvPr id="91" name="Bildschirmfoto 2014-04-16 um 09.36.45.png"/>
           <p:cNvPicPr/>
           <p:nvPr/>
         </p:nvPicPr>
